--- a/shiny2020.pptx
+++ b/shiny2020.pptx
@@ -8,7 +8,11 @@
     <p:sldId id="256" r:id="rId2"/>
     <p:sldId id="257" r:id="rId3"/>
     <p:sldId id="259" r:id="rId4"/>
-    <p:sldId id="258" r:id="rId5"/>
+    <p:sldId id="260" r:id="rId5"/>
+    <p:sldId id="262" r:id="rId6"/>
+    <p:sldId id="266" r:id="rId7"/>
+    <p:sldId id="268" r:id="rId8"/>
+    <p:sldId id="258" r:id="rId9"/>
   </p:sldIdLst>
   <p:sldSz cx="9144000" cy="6858000" type="screen4x3"/>
   <p:notesSz cx="6858000" cy="9144000"/>
@@ -291,7 +295,7 @@
           <a:p>
             <a:fld id="{7FD8FD76-7B6C-4240-991D-8D6DF7C92B80}" type="datetimeFigureOut">
               <a:rPr lang="es-AR" smtClean="0"/>
-              <a:t>24/1/2020</a:t>
+              <a:t>26/1/2020</a:t>
             </a:fld>
             <a:endParaRPr lang="es-AR"/>
           </a:p>
@@ -461,7 +465,7 @@
           <a:p>
             <a:fld id="{7FD8FD76-7B6C-4240-991D-8D6DF7C92B80}" type="datetimeFigureOut">
               <a:rPr lang="es-AR" smtClean="0"/>
-              <a:t>24/1/2020</a:t>
+              <a:t>26/1/2020</a:t>
             </a:fld>
             <a:endParaRPr lang="es-AR"/>
           </a:p>
@@ -641,7 +645,7 @@
           <a:p>
             <a:fld id="{7FD8FD76-7B6C-4240-991D-8D6DF7C92B80}" type="datetimeFigureOut">
               <a:rPr lang="es-AR" smtClean="0"/>
-              <a:t>24/1/2020</a:t>
+              <a:t>26/1/2020</a:t>
             </a:fld>
             <a:endParaRPr lang="es-AR"/>
           </a:p>
@@ -811,7 +815,7 @@
           <a:p>
             <a:fld id="{7FD8FD76-7B6C-4240-991D-8D6DF7C92B80}" type="datetimeFigureOut">
               <a:rPr lang="es-AR" smtClean="0"/>
-              <a:t>24/1/2020</a:t>
+              <a:t>26/1/2020</a:t>
             </a:fld>
             <a:endParaRPr lang="es-AR"/>
           </a:p>
@@ -1057,7 +1061,7 @@
           <a:p>
             <a:fld id="{7FD8FD76-7B6C-4240-991D-8D6DF7C92B80}" type="datetimeFigureOut">
               <a:rPr lang="es-AR" smtClean="0"/>
-              <a:t>24/1/2020</a:t>
+              <a:t>26/1/2020</a:t>
             </a:fld>
             <a:endParaRPr lang="es-AR"/>
           </a:p>
@@ -1345,7 +1349,7 @@
           <a:p>
             <a:fld id="{7FD8FD76-7B6C-4240-991D-8D6DF7C92B80}" type="datetimeFigureOut">
               <a:rPr lang="es-AR" smtClean="0"/>
-              <a:t>24/1/2020</a:t>
+              <a:t>26/1/2020</a:t>
             </a:fld>
             <a:endParaRPr lang="es-AR"/>
           </a:p>
@@ -1767,7 +1771,7 @@
           <a:p>
             <a:fld id="{7FD8FD76-7B6C-4240-991D-8D6DF7C92B80}" type="datetimeFigureOut">
               <a:rPr lang="es-AR" smtClean="0"/>
-              <a:t>24/1/2020</a:t>
+              <a:t>26/1/2020</a:t>
             </a:fld>
             <a:endParaRPr lang="es-AR"/>
           </a:p>
@@ -1885,7 +1889,7 @@
           <a:p>
             <a:fld id="{7FD8FD76-7B6C-4240-991D-8D6DF7C92B80}" type="datetimeFigureOut">
               <a:rPr lang="es-AR" smtClean="0"/>
-              <a:t>24/1/2020</a:t>
+              <a:t>26/1/2020</a:t>
             </a:fld>
             <a:endParaRPr lang="es-AR"/>
           </a:p>
@@ -1980,7 +1984,7 @@
           <a:p>
             <a:fld id="{7FD8FD76-7B6C-4240-991D-8D6DF7C92B80}" type="datetimeFigureOut">
               <a:rPr lang="es-AR" smtClean="0"/>
-              <a:t>24/1/2020</a:t>
+              <a:t>26/1/2020</a:t>
             </a:fld>
             <a:endParaRPr lang="es-AR"/>
           </a:p>
@@ -2257,7 +2261,7 @@
           <a:p>
             <a:fld id="{7FD8FD76-7B6C-4240-991D-8D6DF7C92B80}" type="datetimeFigureOut">
               <a:rPr lang="es-AR" smtClean="0"/>
-              <a:t>24/1/2020</a:t>
+              <a:t>26/1/2020</a:t>
             </a:fld>
             <a:endParaRPr lang="es-AR"/>
           </a:p>
@@ -2510,7 +2514,7 @@
           <a:p>
             <a:fld id="{7FD8FD76-7B6C-4240-991D-8D6DF7C92B80}" type="datetimeFigureOut">
               <a:rPr lang="es-AR" smtClean="0"/>
-              <a:t>24/1/2020</a:t>
+              <a:t>26/1/2020</a:t>
             </a:fld>
             <a:endParaRPr lang="es-AR"/>
           </a:p>
@@ -2723,7 +2727,7 @@
           <a:p>
             <a:fld id="{7FD8FD76-7B6C-4240-991D-8D6DF7C92B80}" type="datetimeFigureOut">
               <a:rPr lang="es-AR" smtClean="0"/>
-              <a:t>24/1/2020</a:t>
+              <a:t>26/1/2020</a:t>
             </a:fld>
             <a:endParaRPr lang="es-AR"/>
           </a:p>
@@ -3270,7 +3274,7 @@
               <a:effectLst/>
               <a:extLst>
                 <a:ext uri="{C572A759-6A51-4108-AA02-DFA0A04FC94B}">
-                  <ma14:wrappingTextBoxFlag xmlns="" xmlns:m="http://schemas.openxmlformats.org/officeDocument/2006/math" xmlns:a14="http://schemas.microsoft.com/office/drawing/2010/main" xmlns:ma14="http://schemas.microsoft.com/office/mac/drawingml/2011/main" val="1"/>
+                  <ma14:wrappingTextBoxFlag xmlns:ma14="http://schemas.microsoft.com/office/mac/drawingml/2011/main" xmlns:a14="http://schemas.microsoft.com/office/drawing/2010/main" xmlns:m="http://schemas.openxmlformats.org/officeDocument/2006/math" xmlns="" val="1"/>
                 </a:ext>
               </a:extLst>
             </p:spPr>
@@ -3345,7 +3349,7 @@
               <a:effectLst/>
               <a:extLst>
                 <a:ext uri="{C572A759-6A51-4108-AA02-DFA0A04FC94B}">
-                  <ma14:wrappingTextBoxFlag xmlns="" xmlns:m="http://schemas.openxmlformats.org/officeDocument/2006/math" xmlns:a14="http://schemas.microsoft.com/office/drawing/2010/main" xmlns:ma14="http://schemas.microsoft.com/office/mac/drawingml/2011/main" val="1"/>
+                  <ma14:wrappingTextBoxFlag xmlns:ma14="http://schemas.microsoft.com/office/mac/drawingml/2011/main" xmlns:a14="http://schemas.microsoft.com/office/drawing/2010/main" xmlns:m="http://schemas.openxmlformats.org/officeDocument/2006/math" xmlns="" val="1"/>
                 </a:ext>
               </a:extLst>
             </p:spPr>
@@ -3417,7 +3421,7 @@
             <a:effectLst/>
             <a:extLst>
               <a:ext uri="{C572A759-6A51-4108-AA02-DFA0A04FC94B}">
-                <ma14:wrappingTextBoxFlag xmlns="" xmlns:m="http://schemas.openxmlformats.org/officeDocument/2006/math" xmlns:a14="http://schemas.microsoft.com/office/drawing/2010/main" xmlns:ma14="http://schemas.microsoft.com/office/mac/drawingml/2011/main" val="1"/>
+                <ma14:wrappingTextBoxFlag xmlns:ma14="http://schemas.microsoft.com/office/mac/drawingml/2011/main" xmlns:a14="http://schemas.microsoft.com/office/drawing/2010/main" xmlns:m="http://schemas.openxmlformats.org/officeDocument/2006/math" xmlns="" val="1"/>
               </a:ext>
             </a:extLst>
           </p:spPr>
@@ -3513,7 +3517,7 @@
           <a:effectLst/>
           <a:extLst>
             <a:ext uri="{C572A759-6A51-4108-AA02-DFA0A04FC94B}">
-              <ma14:wrappingTextBoxFlag xmlns="" xmlns:m="http://schemas.openxmlformats.org/officeDocument/2006/math" xmlns:a14="http://schemas.microsoft.com/office/drawing/2010/main" xmlns:ma14="http://schemas.microsoft.com/office/mac/drawingml/2011/main" val="1"/>
+              <ma14:wrappingTextBoxFlag xmlns:ma14="http://schemas.microsoft.com/office/mac/drawingml/2011/main" xmlns:a14="http://schemas.microsoft.com/office/drawing/2010/main" xmlns:m="http://schemas.openxmlformats.org/officeDocument/2006/math" xmlns="" val="1"/>
             </a:ext>
           </a:extLst>
         </p:spPr>
@@ -4047,7 +4051,7 @@
                 <a:effectLst/>
                 <a:extLst>
                   <a:ext uri="{C572A759-6A51-4108-AA02-DFA0A04FC94B}">
-                    <ma14:wrappingTextBoxFlag xmlns="" xmlns:m="http://schemas.openxmlformats.org/officeDocument/2006/math" xmlns:a14="http://schemas.microsoft.com/office/drawing/2010/main" xmlns:ma14="http://schemas.microsoft.com/office/mac/drawingml/2011/main" val="1"/>
+                    <ma14:wrappingTextBoxFlag xmlns:ma14="http://schemas.microsoft.com/office/mac/drawingml/2011/main" xmlns:a14="http://schemas.microsoft.com/office/drawing/2010/main" xmlns:m="http://schemas.openxmlformats.org/officeDocument/2006/math" xmlns="" val="1"/>
                   </a:ext>
                 </a:extLst>
               </p:spPr>
@@ -4122,7 +4126,7 @@
                 <a:effectLst/>
                 <a:extLst>
                   <a:ext uri="{C572A759-6A51-4108-AA02-DFA0A04FC94B}">
-                    <ma14:wrappingTextBoxFlag xmlns="" xmlns:m="http://schemas.openxmlformats.org/officeDocument/2006/math" xmlns:a14="http://schemas.microsoft.com/office/drawing/2010/main" xmlns:ma14="http://schemas.microsoft.com/office/mac/drawingml/2011/main" val="1"/>
+                    <ma14:wrappingTextBoxFlag xmlns:ma14="http://schemas.microsoft.com/office/mac/drawingml/2011/main" xmlns:a14="http://schemas.microsoft.com/office/drawing/2010/main" xmlns:m="http://schemas.openxmlformats.org/officeDocument/2006/math" xmlns="" val="1"/>
                   </a:ext>
                 </a:extLst>
               </p:spPr>
@@ -4194,7 +4198,7 @@
               <a:effectLst/>
               <a:extLst>
                 <a:ext uri="{C572A759-6A51-4108-AA02-DFA0A04FC94B}">
-                  <ma14:wrappingTextBoxFlag xmlns="" xmlns:m="http://schemas.openxmlformats.org/officeDocument/2006/math" xmlns:a14="http://schemas.microsoft.com/office/drawing/2010/main" xmlns:ma14="http://schemas.microsoft.com/office/mac/drawingml/2011/main" val="1"/>
+                  <ma14:wrappingTextBoxFlag xmlns:ma14="http://schemas.microsoft.com/office/mac/drawingml/2011/main" xmlns:a14="http://schemas.microsoft.com/office/drawing/2010/main" xmlns:m="http://schemas.openxmlformats.org/officeDocument/2006/math" xmlns="" val="1"/>
                 </a:ext>
               </a:extLst>
             </p:spPr>
@@ -4290,7 +4294,7 @@
             <a:effectLst/>
             <a:extLst>
               <a:ext uri="{C572A759-6A51-4108-AA02-DFA0A04FC94B}">
-                <ma14:wrappingTextBoxFlag xmlns="" xmlns:m="http://schemas.openxmlformats.org/officeDocument/2006/math" xmlns:a14="http://schemas.microsoft.com/office/drawing/2010/main" xmlns:ma14="http://schemas.microsoft.com/office/mac/drawingml/2011/main" val="1"/>
+                <ma14:wrappingTextBoxFlag xmlns:ma14="http://schemas.microsoft.com/office/mac/drawingml/2011/main" xmlns:a14="http://schemas.microsoft.com/office/drawing/2010/main" xmlns:m="http://schemas.openxmlformats.org/officeDocument/2006/math" xmlns="" val="1"/>
               </a:ext>
             </a:extLst>
           </p:spPr>
@@ -4967,7 +4971,7 @@
         <p:spPr>
           <a:xfrm>
             <a:off x="3751379" y="4918191"/>
-            <a:ext cx="1963743" cy="830997"/>
+            <a:ext cx="2028119" cy="830997"/>
           </a:xfrm>
           <a:prstGeom prst="rect">
             <a:avLst/>
@@ -4980,12 +4984,12 @@
           <a:lstStyle/>
           <a:p>
             <a:r>
-              <a:rPr lang="es-AR" sz="2400" b="1" dirty="0" err="1" smtClean="0">
+              <a:rPr lang="es-AR" sz="2400" b="1" dirty="0" err="1">
                 <a:solidFill>
                   <a:schemeClr val="accent4"/>
                 </a:solidFill>
               </a:rPr>
-              <a:t>renderPlot</a:t>
+              <a:t>plotOutput</a:t>
             </a:r>
             <a:r>
               <a:rPr lang="es-AR" sz="2400" b="1" dirty="0" smtClean="0">
@@ -5145,6 +5149,730 @@
           </a:extLst>
         </p:spPr>
       </p:pic>
+    </p:spTree>
+    <p:extLst>
+      <p:ext uri="{BB962C8B-B14F-4D97-AF65-F5344CB8AC3E}">
+        <p14:creationId xmlns:p14="http://schemas.microsoft.com/office/powerpoint/2010/main" val="97377272"/>
+      </p:ext>
+    </p:extLst>
+  </p:cSld>
+  <p:clrMapOvr>
+    <a:masterClrMapping/>
+  </p:clrMapOvr>
+  <p:timing>
+    <p:tnLst>
+      <p:par>
+        <p:cTn id="1" dur="indefinite" restart="never" nodeType="tmRoot"/>
+      </p:par>
+    </p:tnLst>
+  </p:timing>
+</p:sld>
+</file>
+
+<file path=ppt/slides/slide4.xml><?xml version="1.0" encoding="utf-8"?>
+<p:sld xmlns:a="http://schemas.openxmlformats.org/drawingml/2006/main" xmlns:r="http://schemas.openxmlformats.org/officeDocument/2006/relationships" xmlns:p="http://schemas.openxmlformats.org/presentationml/2006/main">
+  <p:cSld>
+    <p:spTree>
+      <p:nvGrpSpPr>
+        <p:cNvPr id="1" name=""/>
+        <p:cNvGrpSpPr/>
+        <p:nvPr/>
+      </p:nvGrpSpPr>
+      <p:grpSpPr>
+        <a:xfrm>
+          <a:off x="0" y="0"/>
+          <a:ext cx="0" cy="0"/>
+          <a:chOff x="0" y="0"/>
+          <a:chExt cx="0" cy="0"/>
+        </a:xfrm>
+      </p:grpSpPr>
+      <p:grpSp>
+        <p:nvGrpSpPr>
+          <p:cNvPr id="14" name="Group 13"/>
+          <p:cNvGrpSpPr/>
+          <p:nvPr/>
+        </p:nvGrpSpPr>
+        <p:grpSpPr>
+          <a:xfrm>
+            <a:off x="926893" y="1155555"/>
+            <a:ext cx="7625330" cy="3713605"/>
+            <a:chOff x="1079381" y="1826604"/>
+            <a:chExt cx="7625330" cy="3713605"/>
+          </a:xfrm>
+        </p:grpSpPr>
+        <p:grpSp>
+          <p:nvGrpSpPr>
+            <p:cNvPr id="3" name="Group"/>
+            <p:cNvGrpSpPr/>
+            <p:nvPr/>
+          </p:nvGrpSpPr>
+          <p:grpSpPr>
+            <a:xfrm>
+              <a:off x="6400453" y="2225677"/>
+              <a:ext cx="2304258" cy="2119315"/>
+              <a:chOff x="0" y="48484"/>
+              <a:chExt cx="1269598" cy="939986"/>
+            </a:xfrm>
+          </p:grpSpPr>
+          <p:grpSp>
+            <p:nvGrpSpPr>
+              <p:cNvPr id="5" name="Group"/>
+              <p:cNvGrpSpPr/>
+              <p:nvPr/>
+            </p:nvGrpSpPr>
+            <p:grpSpPr>
+              <a:xfrm>
+                <a:off x="0" y="267083"/>
+                <a:ext cx="1269598" cy="721387"/>
+                <a:chOff x="0" y="0"/>
+                <a:chExt cx="1269597" cy="721385"/>
+              </a:xfrm>
+            </p:grpSpPr>
+            <p:sp>
+              <p:nvSpPr>
+                <p:cNvPr id="7" name="Rounded Rectangle"/>
+                <p:cNvSpPr/>
+                <p:nvPr/>
+              </p:nvSpPr>
+              <p:spPr>
+                <a:xfrm>
+                  <a:off x="0" y="0"/>
+                  <a:ext cx="1269598" cy="721386"/>
+                </a:xfrm>
+                <a:prstGeom prst="roundRect">
+                  <a:avLst>
+                    <a:gd name="adj" fmla="val 15000"/>
+                  </a:avLst>
+                </a:prstGeom>
+                <a:solidFill>
+                  <a:srgbClr val="FFFFFF"/>
+                </a:solidFill>
+                <a:ln w="12700" cap="flat">
+                  <a:solidFill>
+                    <a:srgbClr val="000000"/>
+                  </a:solidFill>
+                  <a:prstDash val="solid"/>
+                  <a:miter lim="400000"/>
+                </a:ln>
+                <a:effectLst/>
+              </p:spPr>
+              <p:txBody>
+                <a:bodyPr wrap="square" lIns="54570" tIns="54570" rIns="54570" bIns="54570" numCol="1" anchor="ctr">
+                  <a:noAutofit/>
+                </a:bodyPr>
+                <a:lstStyle/>
+                <a:p>
+                  <a:pPr>
+                    <a:lnSpc>
+                      <a:spcPct val="80000"/>
+                    </a:lnSpc>
+                    <a:spcBef>
+                      <a:spcPts val="0"/>
+                    </a:spcBef>
+                    <a:defRPr b="0">
+                      <a:solidFill>
+                        <a:srgbClr val="000000"/>
+                      </a:solidFill>
+                    </a:defRPr>
+                  </a:pPr>
+                  <a:endParaRPr dirty="0"/>
+                </a:p>
+              </p:txBody>
+            </p:sp>
+            <p:sp>
+              <p:nvSpPr>
+                <p:cNvPr id="8" name="side…"/>
+                <p:cNvSpPr/>
+                <p:nvPr/>
+              </p:nvSpPr>
+              <p:spPr>
+                <a:xfrm>
+                  <a:off x="57710" y="65783"/>
+                  <a:ext cx="309736" cy="601922"/>
+                </a:xfrm>
+                <a:prstGeom prst="roundRect">
+                  <a:avLst>
+                    <a:gd name="adj" fmla="val 21467"/>
+                  </a:avLst>
+                </a:prstGeom>
+                <a:solidFill>
+                  <a:srgbClr val="DCDEE0"/>
+                </a:solidFill>
+                <a:ln w="12700" cap="flat">
+                  <a:noFill/>
+                  <a:miter lim="400000"/>
+                </a:ln>
+                <a:effectLst/>
+                <a:extLst>
+                  <a:ext uri="{C572A759-6A51-4108-AA02-DFA0A04FC94B}">
+                    <ma14:wrappingTextBoxFlag xmlns:ma14="http://schemas.microsoft.com/office/mac/drawingml/2011/main" xmlns:a14="http://schemas.microsoft.com/office/drawing/2010/main" xmlns:m="http://schemas.openxmlformats.org/officeDocument/2006/math" xmlns="" val="1"/>
+                  </a:ext>
+                </a:extLst>
+              </p:spPr>
+              <p:txBody>
+                <a:bodyPr wrap="square" lIns="0" tIns="0" rIns="0" bIns="0" numCol="1" anchor="ctr">
+                  <a:noAutofit/>
+                </a:bodyPr>
+                <a:lstStyle/>
+                <a:p>
+                  <a:pPr>
+                    <a:lnSpc>
+                      <a:spcPct val="80000"/>
+                    </a:lnSpc>
+                    <a:spcBef>
+                      <a:spcPts val="0"/>
+                    </a:spcBef>
+                    <a:defRPr sz="900" b="0">
+                      <a:solidFill>
+                        <a:srgbClr val="000000"/>
+                      </a:solidFill>
+                    </a:defRPr>
+                  </a:pPr>
+                  <a:r>
+                    <a:rPr sz="1600" dirty="0"/>
+                    <a:t>side</a:t>
+                  </a:r>
+                </a:p>
+                <a:p>
+                  <a:pPr>
+                    <a:lnSpc>
+                      <a:spcPct val="80000"/>
+                    </a:lnSpc>
+                    <a:spcBef>
+                      <a:spcPts val="0"/>
+                    </a:spcBef>
+                    <a:defRPr sz="900" b="0">
+                      <a:solidFill>
+                        <a:srgbClr val="000000"/>
+                      </a:solidFill>
+                    </a:defRPr>
+                  </a:pPr>
+                  <a:r>
+                    <a:rPr sz="1600" dirty="0"/>
+                    <a:t>panel</a:t>
+                  </a:r>
+                </a:p>
+              </p:txBody>
+            </p:sp>
+            <p:sp>
+              <p:nvSpPr>
+                <p:cNvPr id="9" name="main…"/>
+                <p:cNvSpPr/>
+                <p:nvPr/>
+              </p:nvSpPr>
+              <p:spPr>
+                <a:xfrm>
+                  <a:off x="404195" y="66400"/>
+                  <a:ext cx="814697" cy="601923"/>
+                </a:xfrm>
+                <a:prstGeom prst="roundRect">
+                  <a:avLst>
+                    <a:gd name="adj" fmla="val 11046"/>
+                  </a:avLst>
+                </a:prstGeom>
+                <a:solidFill>
+                  <a:srgbClr val="A6AAA9"/>
+                </a:solidFill>
+                <a:ln w="12700" cap="flat">
+                  <a:noFill/>
+                  <a:miter lim="400000"/>
+                </a:ln>
+                <a:effectLst/>
+                <a:extLst>
+                  <a:ext uri="{C572A759-6A51-4108-AA02-DFA0A04FC94B}">
+                    <ma14:wrappingTextBoxFlag xmlns:ma14="http://schemas.microsoft.com/office/mac/drawingml/2011/main" xmlns:a14="http://schemas.microsoft.com/office/drawing/2010/main" xmlns:m="http://schemas.openxmlformats.org/officeDocument/2006/math" xmlns="" val="1"/>
+                  </a:ext>
+                </a:extLst>
+              </p:spPr>
+              <p:txBody>
+                <a:bodyPr wrap="square" lIns="54570" tIns="54570" rIns="54570" bIns="54570" numCol="1" anchor="ctr">
+                  <a:noAutofit/>
+                </a:bodyPr>
+                <a:lstStyle/>
+                <a:p>
+                  <a:pPr>
+                    <a:lnSpc>
+                      <a:spcPct val="80000"/>
+                    </a:lnSpc>
+                    <a:spcBef>
+                      <a:spcPts val="0"/>
+                    </a:spcBef>
+                    <a:defRPr sz="1400" b="0">
+                      <a:solidFill>
+                        <a:srgbClr val="000000"/>
+                      </a:solidFill>
+                    </a:defRPr>
+                  </a:pPr>
+                  <a:r>
+                    <a:rPr sz="1600" dirty="0"/>
+                    <a:t>main</a:t>
+                  </a:r>
+                </a:p>
+                <a:p>
+                  <a:pPr>
+                    <a:lnSpc>
+                      <a:spcPct val="80000"/>
+                    </a:lnSpc>
+                    <a:spcBef>
+                      <a:spcPts val="0"/>
+                    </a:spcBef>
+                    <a:defRPr sz="1400" b="0">
+                      <a:solidFill>
+                        <a:srgbClr val="000000"/>
+                      </a:solidFill>
+                    </a:defRPr>
+                  </a:pPr>
+                  <a:r>
+                    <a:rPr sz="1600" dirty="0"/>
+                    <a:t>panel</a:t>
+                  </a:r>
+                </a:p>
+              </p:txBody>
+            </p:sp>
+          </p:grpSp>
+          <p:sp>
+            <p:nvSpPr>
+              <p:cNvPr id="6" name="sidebarLayout()"/>
+              <p:cNvSpPr txBox="1"/>
+              <p:nvPr/>
+            </p:nvSpPr>
+            <p:spPr>
+              <a:xfrm>
+                <a:off x="193810" y="48484"/>
+                <a:ext cx="881975" cy="171738"/>
+              </a:xfrm>
+              <a:prstGeom prst="rect">
+                <a:avLst/>
+              </a:prstGeom>
+              <a:noFill/>
+              <a:ln w="12700" cap="flat">
+                <a:noFill/>
+                <a:miter lim="400000"/>
+              </a:ln>
+              <a:effectLst/>
+              <a:extLst>
+                <a:ext uri="{C572A759-6A51-4108-AA02-DFA0A04FC94B}">
+                  <ma14:wrappingTextBoxFlag xmlns:ma14="http://schemas.microsoft.com/office/mac/drawingml/2011/main" xmlns:a14="http://schemas.microsoft.com/office/drawing/2010/main" xmlns:m="http://schemas.openxmlformats.org/officeDocument/2006/math" xmlns="" val="1"/>
+                </a:ext>
+              </a:extLst>
+            </p:spPr>
+            <p:txBody>
+              <a:bodyPr wrap="none" lIns="54570" tIns="54570" rIns="54570" bIns="54570" numCol="1" anchor="ctr">
+                <a:spAutoFit/>
+              </a:bodyPr>
+              <a:lstStyle>
+                <a:lvl1pPr algn="ctr">
+                  <a:spcBef>
+                    <a:spcPts val="0"/>
+                  </a:spcBef>
+                  <a:defRPr>
+                    <a:solidFill>
+                      <a:schemeClr val="accent1">
+                        <a:hueOff val="-206347"/>
+                        <a:satOff val="69104"/>
+                        <a:lumOff val="-8949"/>
+                      </a:schemeClr>
+                    </a:solidFill>
+                  </a:defRPr>
+                </a:lvl1pPr>
+              </a:lstStyle>
+              <a:p>
+                <a:r>
+                  <a:rPr b="1" dirty="0"/>
+                  <a:t>sidebarLayout()</a:t>
+                </a:r>
+              </a:p>
+            </p:txBody>
+          </p:sp>
+        </p:grpSp>
+        <p:pic>
+          <p:nvPicPr>
+            <p:cNvPr id="2050" name="Picture 2"/>
+            <p:cNvPicPr>
+              <a:picLocks noChangeAspect="1" noChangeArrowheads="1"/>
+            </p:cNvPicPr>
+            <p:nvPr/>
+          </p:nvPicPr>
+          <p:blipFill>
+            <a:blip r:embed="rId2">
+              <a:extLst>
+                <a:ext uri="{28A0092B-C50C-407E-A947-70E740481C1C}">
+                  <a14:useLocalDpi xmlns:a14="http://schemas.microsoft.com/office/drawing/2010/main" val="0"/>
+                </a:ext>
+              </a:extLst>
+            </a:blip>
+            <a:srcRect/>
+            <a:stretch>
+              <a:fillRect/>
+            </a:stretch>
+          </p:blipFill>
+          <p:spPr bwMode="auto">
+            <a:xfrm>
+              <a:off x="1821550" y="3091937"/>
+              <a:ext cx="772498" cy="619149"/>
+            </a:xfrm>
+            <a:prstGeom prst="rect">
+              <a:avLst/>
+            </a:prstGeom>
+            <a:noFill/>
+            <a:ln>
+              <a:noFill/>
+            </a:ln>
+            <a:effectLst/>
+            <a:extLst>
+              <a:ext uri="{909E8E84-426E-40DD-AFC4-6F175D3DCCD1}">
+                <a14:hiddenFill xmlns:a14="http://schemas.microsoft.com/office/drawing/2010/main">
+                  <a:solidFill>
+                    <a:schemeClr val="accent1"/>
+                  </a:solidFill>
+                </a14:hiddenFill>
+              </a:ext>
+              <a:ext uri="{91240B29-F687-4F45-9708-019B960494DF}">
+                <a14:hiddenLine xmlns:a14="http://schemas.microsoft.com/office/drawing/2010/main" w="9525">
+                  <a:solidFill>
+                    <a:schemeClr val="tx1"/>
+                  </a:solidFill>
+                  <a:miter lim="800000"/>
+                  <a:headEnd/>
+                  <a:tailEnd/>
+                </a14:hiddenLine>
+              </a:ext>
+              <a:ext uri="{AF507438-7753-43E0-B8FC-AC1667EBCBE1}">
+                <a14:hiddenEffects xmlns:a14="http://schemas.microsoft.com/office/drawing/2010/main">
+                  <a:effectLst>
+                    <a:outerShdw dist="35921" dir="2700000" algn="ctr" rotWithShape="0">
+                      <a:schemeClr val="bg2"/>
+                    </a:outerShdw>
+                  </a:effectLst>
+                </a14:hiddenEffects>
+              </a:ext>
+            </a:extLst>
+          </p:spPr>
+        </p:pic>
+        <p:cxnSp>
+          <p:nvCxnSpPr>
+            <p:cNvPr id="13" name="Straight Arrow Connector 12"/>
+            <p:cNvCxnSpPr/>
+            <p:nvPr/>
+          </p:nvCxnSpPr>
+          <p:spPr>
+            <a:xfrm>
+              <a:off x="2207799" y="3960410"/>
+              <a:ext cx="1364561" cy="1579799"/>
+            </a:xfrm>
+            <a:prstGeom prst="straightConnector1">
+              <a:avLst/>
+            </a:prstGeom>
+            <a:ln>
+              <a:tailEnd type="arrow"/>
+            </a:ln>
+          </p:spPr>
+          <p:style>
+            <a:lnRef idx="2">
+              <a:schemeClr val="accent4"/>
+            </a:lnRef>
+            <a:fillRef idx="0">
+              <a:schemeClr val="accent4"/>
+            </a:fillRef>
+            <a:effectRef idx="1">
+              <a:schemeClr val="accent4"/>
+            </a:effectRef>
+            <a:fontRef idx="minor">
+              <a:schemeClr val="tx1"/>
+            </a:fontRef>
+          </p:style>
+        </p:cxnSp>
+        <p:sp>
+          <p:nvSpPr>
+            <p:cNvPr id="19" name="Rectangle 18"/>
+            <p:cNvSpPr/>
+            <p:nvPr/>
+          </p:nvSpPr>
+          <p:spPr>
+            <a:xfrm>
+              <a:off x="1079381" y="2452744"/>
+              <a:ext cx="2256836" cy="830997"/>
+            </a:xfrm>
+            <a:prstGeom prst="rect">
+              <a:avLst/>
+            </a:prstGeom>
+          </p:spPr>
+          <p:txBody>
+            <a:bodyPr wrap="none">
+              <a:spAutoFit/>
+            </a:bodyPr>
+            <a:lstStyle/>
+            <a:p>
+              <a:r>
+                <a:rPr lang="es-AR" sz="2400" b="1" dirty="0" err="1" smtClean="0"/>
+                <a:t>radioButtons</a:t>
+              </a:r>
+              <a:r>
+                <a:rPr lang="es-AR" sz="2400" b="1" dirty="0" smtClean="0">
+                  <a:solidFill>
+                    <a:srgbClr val="FF5050"/>
+                  </a:solidFill>
+                </a:rPr>
+                <a:t>(…)</a:t>
+              </a:r>
+            </a:p>
+            <a:p>
+              <a:endParaRPr lang="es-AR" sz="2400" b="1" dirty="0"/>
+            </a:p>
+          </p:txBody>
+        </p:sp>
+        <p:pic>
+          <p:nvPicPr>
+            <p:cNvPr id="2051" name="Picture 3"/>
+            <p:cNvPicPr>
+              <a:picLocks noChangeAspect="1" noChangeArrowheads="1"/>
+            </p:cNvPicPr>
+            <p:nvPr/>
+          </p:nvPicPr>
+          <p:blipFill rotWithShape="1">
+            <a:blip r:embed="rId3">
+              <a:extLst>
+                <a:ext uri="{BEBA8EAE-BF5A-486C-A8C5-ECC9F3942E4B}">
+                  <a14:imgProps xmlns:a14="http://schemas.microsoft.com/office/drawing/2010/main">
+                    <a14:imgLayer r:embed="rId4">
+                      <a14:imgEffect>
+                        <a14:brightnessContrast contrast="20000"/>
+                      </a14:imgEffect>
+                    </a14:imgLayer>
+                  </a14:imgProps>
+                </a:ext>
+                <a:ext uri="{28A0092B-C50C-407E-A947-70E740481C1C}">
+                  <a14:useLocalDpi xmlns:a14="http://schemas.microsoft.com/office/drawing/2010/main" val="0"/>
+                </a:ext>
+              </a:extLst>
+            </a:blip>
+            <a:srcRect l="13355" r="-1"/>
+            <a:stretch/>
+          </p:blipFill>
+          <p:spPr bwMode="auto">
+            <a:xfrm>
+              <a:off x="2886031" y="1826604"/>
+              <a:ext cx="426699" cy="662766"/>
+            </a:xfrm>
+            <a:prstGeom prst="rect">
+              <a:avLst/>
+            </a:prstGeom>
+            <a:noFill/>
+            <a:ln>
+              <a:noFill/>
+            </a:ln>
+            <a:effectLst/>
+            <a:extLst>
+              <a:ext uri="{909E8E84-426E-40DD-AFC4-6F175D3DCCD1}">
+                <a14:hiddenFill xmlns:a14="http://schemas.microsoft.com/office/drawing/2010/main">
+                  <a:solidFill>
+                    <a:schemeClr val="accent1"/>
+                  </a:solidFill>
+                </a14:hiddenFill>
+              </a:ext>
+              <a:ext uri="{91240B29-F687-4F45-9708-019B960494DF}">
+                <a14:hiddenLine xmlns:a14="http://schemas.microsoft.com/office/drawing/2010/main" w="9525">
+                  <a:solidFill>
+                    <a:schemeClr val="tx1"/>
+                  </a:solidFill>
+                  <a:miter lim="800000"/>
+                  <a:headEnd/>
+                  <a:tailEnd/>
+                </a14:hiddenLine>
+              </a:ext>
+              <a:ext uri="{AF507438-7753-43E0-B8FC-AC1667EBCBE1}">
+                <a14:hiddenEffects xmlns:a14="http://schemas.microsoft.com/office/drawing/2010/main">
+                  <a:effectLst>
+                    <a:outerShdw dist="35921" dir="2700000" algn="ctr" rotWithShape="0">
+                      <a:schemeClr val="bg2"/>
+                    </a:outerShdw>
+                  </a:effectLst>
+                </a14:hiddenEffects>
+              </a:ext>
+            </a:extLst>
+          </p:spPr>
+        </p:pic>
+      </p:grpSp>
+      <p:sp>
+        <p:nvSpPr>
+          <p:cNvPr id="23" name="Rectangle 22"/>
+          <p:cNvSpPr/>
+          <p:nvPr/>
+        </p:nvSpPr>
+        <p:spPr>
+          <a:xfrm>
+            <a:off x="3715463" y="1759236"/>
+            <a:ext cx="1963743" cy="830997"/>
+          </a:xfrm>
+          <a:prstGeom prst="rect">
+            <a:avLst/>
+          </a:prstGeom>
+        </p:spPr>
+        <p:txBody>
+          <a:bodyPr wrap="none">
+            <a:spAutoFit/>
+          </a:bodyPr>
+          <a:lstStyle/>
+          <a:p>
+            <a:r>
+              <a:rPr lang="es-AR" sz="2400" b="1" dirty="0" err="1" smtClean="0">
+                <a:solidFill>
+                  <a:schemeClr val="accent4"/>
+                </a:solidFill>
+              </a:rPr>
+              <a:t>renderPlot</a:t>
+            </a:r>
+            <a:r>
+              <a:rPr lang="es-AR" sz="2400" b="1" dirty="0" smtClean="0">
+                <a:solidFill>
+                  <a:schemeClr val="accent4">
+                    <a:lumMod val="50000"/>
+                  </a:schemeClr>
+                </a:solidFill>
+              </a:rPr>
+              <a:t>(…)</a:t>
+            </a:r>
+          </a:p>
+          <a:p>
+            <a:endParaRPr lang="es-AR" sz="2400" b="1" dirty="0"/>
+          </a:p>
+        </p:txBody>
+      </p:sp>
+      <p:pic>
+        <p:nvPicPr>
+          <p:cNvPr id="24" name="Picture 23"/>
+          <p:cNvPicPr>
+            <a:picLocks noChangeAspect="1"/>
+          </p:cNvPicPr>
+          <p:nvPr/>
+        </p:nvPicPr>
+        <p:blipFill rotWithShape="1">
+          <a:blip r:embed="rId5" cstate="print">
+            <a:extLst>
+              <a:ext uri="{28A0092B-C50C-407E-A947-70E740481C1C}">
+                <a14:useLocalDpi xmlns:a14="http://schemas.microsoft.com/office/drawing/2010/main" val="0"/>
+              </a:ext>
+            </a:extLst>
+          </a:blip>
+          <a:srcRect l="74091" t="58185" r="15757" b="17134"/>
+          <a:stretch/>
+        </p:blipFill>
+        <p:spPr>
+          <a:xfrm>
+            <a:off x="5129794" y="964889"/>
+            <a:ext cx="583469" cy="853432"/>
+          </a:xfrm>
+          <a:prstGeom prst="rect">
+            <a:avLst/>
+          </a:prstGeom>
+        </p:spPr>
+      </p:pic>
+      <p:cxnSp>
+        <p:nvCxnSpPr>
+          <p:cNvPr id="26" name="Straight Arrow Connector 25"/>
+          <p:cNvCxnSpPr/>
+          <p:nvPr/>
+        </p:nvCxnSpPr>
+        <p:spPr>
+          <a:xfrm flipV="1">
+            <a:off x="4668469" y="3289362"/>
+            <a:ext cx="28865" cy="1579798"/>
+          </a:xfrm>
+          <a:prstGeom prst="straightConnector1">
+            <a:avLst/>
+          </a:prstGeom>
+          <a:ln>
+            <a:tailEnd type="arrow"/>
+          </a:ln>
+        </p:spPr>
+        <p:style>
+          <a:lnRef idx="2">
+            <a:schemeClr val="accent4"/>
+          </a:lnRef>
+          <a:fillRef idx="0">
+            <a:schemeClr val="accent4"/>
+          </a:fillRef>
+          <a:effectRef idx="1">
+            <a:schemeClr val="accent4"/>
+          </a:effectRef>
+          <a:fontRef idx="minor">
+            <a:schemeClr val="tx1"/>
+          </a:fontRef>
+        </p:style>
+      </p:cxnSp>
+      <p:pic>
+        <p:nvPicPr>
+          <p:cNvPr id="18" name="Picture 2"/>
+          <p:cNvPicPr>
+            <a:picLocks noChangeAspect="1" noChangeArrowheads="1"/>
+          </p:cNvPicPr>
+          <p:nvPr/>
+        </p:nvPicPr>
+        <p:blipFill>
+          <a:blip r:embed="rId6">
+            <a:extLst>
+              <a:ext uri="{BEBA8EAE-BF5A-486C-A8C5-ECC9F3942E4B}">
+                <a14:imgProps xmlns:a14="http://schemas.microsoft.com/office/drawing/2010/main">
+                  <a14:imgLayer r:embed="rId7">
+                    <a14:imgEffect>
+                      <a14:brightnessContrast contrast="-40000"/>
+                    </a14:imgEffect>
+                  </a14:imgLayer>
+                </a14:imgProps>
+              </a:ext>
+              <a:ext uri="{28A0092B-C50C-407E-A947-70E740481C1C}">
+                <a14:useLocalDpi xmlns:a14="http://schemas.microsoft.com/office/drawing/2010/main" val="0"/>
+              </a:ext>
+            </a:extLst>
+          </a:blip>
+          <a:srcRect/>
+          <a:stretch>
+            <a:fillRect/>
+          </a:stretch>
+        </p:blipFill>
+        <p:spPr bwMode="auto">
+          <a:xfrm>
+            <a:off x="3989101" y="2366839"/>
+            <a:ext cx="1358737" cy="895168"/>
+          </a:xfrm>
+          <a:prstGeom prst="rect">
+            <a:avLst/>
+          </a:prstGeom>
+          <a:noFill/>
+          <a:ln>
+            <a:noFill/>
+          </a:ln>
+          <a:effectLst/>
+          <a:extLst>
+            <a:ext uri="{909E8E84-426E-40DD-AFC4-6F175D3DCCD1}">
+              <a14:hiddenFill xmlns:a14="http://schemas.microsoft.com/office/drawing/2010/main">
+                <a:solidFill>
+                  <a:schemeClr val="accent1"/>
+                </a:solidFill>
+              </a14:hiddenFill>
+            </a:ext>
+            <a:ext uri="{91240B29-F687-4F45-9708-019B960494DF}">
+              <a14:hiddenLine xmlns:a14="http://schemas.microsoft.com/office/drawing/2010/main" w="9525">
+                <a:solidFill>
+                  <a:schemeClr val="tx1"/>
+                </a:solidFill>
+                <a:miter lim="800000"/>
+                <a:headEnd/>
+                <a:tailEnd/>
+              </a14:hiddenLine>
+            </a:ext>
+            <a:ext uri="{AF507438-7753-43E0-B8FC-AC1667EBCBE1}">
+              <a14:hiddenEffects xmlns:a14="http://schemas.microsoft.com/office/drawing/2010/main">
+                <a:effectLst>
+                  <a:outerShdw dist="35921" dir="2700000" algn="ctr" rotWithShape="0">
+                    <a:schemeClr val="bg2"/>
+                  </a:outerShdw>
+                </a:effectLst>
+              </a14:hiddenEffects>
+            </a:ext>
+          </a:extLst>
+        </p:spPr>
+      </p:pic>
       <p:cxnSp>
         <p:nvCxnSpPr>
           <p:cNvPr id="33" name="Straight Arrow Connector 32"/>
@@ -5182,7 +5910,7 @@
     </p:spTree>
     <p:extLst>
       <p:ext uri="{BB962C8B-B14F-4D97-AF65-F5344CB8AC3E}">
-        <p14:creationId xmlns:p14="http://schemas.microsoft.com/office/powerpoint/2010/main" val="97377272"/>
+        <p14:creationId xmlns:p14="http://schemas.microsoft.com/office/powerpoint/2010/main" val="1870633459"/>
       </p:ext>
     </p:extLst>
   </p:cSld>
@@ -5199,7 +5927,2112 @@
 </p:sld>
 </file>
 
-<file path=ppt/slides/slide4.xml><?xml version="1.0" encoding="utf-8"?>
+<file path=ppt/slides/slide5.xml><?xml version="1.0" encoding="utf-8"?>
+<p:sld xmlns:a="http://schemas.openxmlformats.org/drawingml/2006/main" xmlns:r="http://schemas.openxmlformats.org/officeDocument/2006/relationships" xmlns:p="http://schemas.openxmlformats.org/presentationml/2006/main">
+  <p:cSld>
+    <p:spTree>
+      <p:nvGrpSpPr>
+        <p:cNvPr id="1" name=""/>
+        <p:cNvGrpSpPr/>
+        <p:nvPr/>
+      </p:nvGrpSpPr>
+      <p:grpSpPr>
+        <a:xfrm>
+          <a:off x="0" y="0"/>
+          <a:ext cx="0" cy="0"/>
+          <a:chOff x="0" y="0"/>
+          <a:chExt cx="0" cy="0"/>
+        </a:xfrm>
+      </p:grpSpPr>
+      <p:sp>
+        <p:nvSpPr>
+          <p:cNvPr id="7" name="Rounded Rectangle"/>
+          <p:cNvSpPr/>
+          <p:nvPr/>
+        </p:nvSpPr>
+        <p:spPr>
+          <a:xfrm>
+            <a:off x="1289430" y="1052736"/>
+            <a:ext cx="6738954" cy="1980587"/>
+          </a:xfrm>
+          <a:prstGeom prst="roundRect">
+            <a:avLst>
+              <a:gd name="adj" fmla="val 15000"/>
+            </a:avLst>
+          </a:prstGeom>
+          <a:solidFill>
+            <a:schemeClr val="bg1">
+              <a:lumMod val="95000"/>
+            </a:schemeClr>
+          </a:solidFill>
+          <a:ln w="12700" cap="flat">
+            <a:noFill/>
+            <a:prstDash val="solid"/>
+            <a:miter lim="400000"/>
+          </a:ln>
+          <a:effectLst/>
+        </p:spPr>
+        <p:txBody>
+          <a:bodyPr wrap="square" lIns="54570" tIns="54570" rIns="54570" bIns="54570" numCol="1" anchor="ctr">
+            <a:noAutofit/>
+          </a:bodyPr>
+          <a:lstStyle/>
+          <a:p>
+            <a:pPr>
+              <a:lnSpc>
+                <a:spcPct val="80000"/>
+              </a:lnSpc>
+              <a:spcBef>
+                <a:spcPts val="0"/>
+              </a:spcBef>
+              <a:defRPr b="0">
+                <a:solidFill>
+                  <a:srgbClr val="000000"/>
+                </a:solidFill>
+              </a:defRPr>
+            </a:pPr>
+            <a:endParaRPr dirty="0"/>
+          </a:p>
+        </p:txBody>
+      </p:sp>
+      <p:pic>
+        <p:nvPicPr>
+          <p:cNvPr id="2050" name="Picture 2"/>
+          <p:cNvPicPr>
+            <a:picLocks noChangeAspect="1" noChangeArrowheads="1"/>
+          </p:cNvPicPr>
+          <p:nvPr/>
+        </p:nvPicPr>
+        <p:blipFill>
+          <a:blip r:embed="rId2">
+            <a:extLst>
+              <a:ext uri="{28A0092B-C50C-407E-A947-70E740481C1C}">
+                <a14:useLocalDpi xmlns:a14="http://schemas.microsoft.com/office/drawing/2010/main" val="0"/>
+              </a:ext>
+            </a:extLst>
+          </a:blip>
+          <a:srcRect/>
+          <a:stretch>
+            <a:fillRect/>
+          </a:stretch>
+        </p:blipFill>
+        <p:spPr bwMode="auto">
+          <a:xfrm>
+            <a:off x="2223194" y="1535250"/>
+            <a:ext cx="1015147" cy="813630"/>
+          </a:xfrm>
+          <a:prstGeom prst="rect">
+            <a:avLst/>
+          </a:prstGeom>
+          <a:noFill/>
+          <a:ln>
+            <a:noFill/>
+          </a:ln>
+          <a:effectLst/>
+          <a:extLst>
+            <a:ext uri="{909E8E84-426E-40DD-AFC4-6F175D3DCCD1}">
+              <a14:hiddenFill xmlns:a14="http://schemas.microsoft.com/office/drawing/2010/main">
+                <a:solidFill>
+                  <a:schemeClr val="accent1"/>
+                </a:solidFill>
+              </a14:hiddenFill>
+            </a:ext>
+            <a:ext uri="{91240B29-F687-4F45-9708-019B960494DF}">
+              <a14:hiddenLine xmlns:a14="http://schemas.microsoft.com/office/drawing/2010/main" w="9525">
+                <a:solidFill>
+                  <a:schemeClr val="tx1"/>
+                </a:solidFill>
+                <a:miter lim="800000"/>
+                <a:headEnd/>
+                <a:tailEnd/>
+              </a14:hiddenLine>
+            </a:ext>
+            <a:ext uri="{AF507438-7753-43E0-B8FC-AC1667EBCBE1}">
+              <a14:hiddenEffects xmlns:a14="http://schemas.microsoft.com/office/drawing/2010/main">
+                <a:effectLst>
+                  <a:outerShdw dist="35921" dir="2700000" algn="ctr" rotWithShape="0">
+                    <a:schemeClr val="bg2"/>
+                  </a:outerShdw>
+                </a:effectLst>
+              </a14:hiddenEffects>
+            </a:ext>
+          </a:extLst>
+        </p:spPr>
+      </p:pic>
+      <p:pic>
+        <p:nvPicPr>
+          <p:cNvPr id="18" name="Picture 2"/>
+          <p:cNvPicPr>
+            <a:picLocks noChangeAspect="1" noChangeArrowheads="1"/>
+          </p:cNvPicPr>
+          <p:nvPr/>
+        </p:nvPicPr>
+        <p:blipFill>
+          <a:blip r:embed="rId3">
+            <a:extLst>
+              <a:ext uri="{BEBA8EAE-BF5A-486C-A8C5-ECC9F3942E4B}">
+                <a14:imgProps xmlns:a14="http://schemas.microsoft.com/office/drawing/2010/main">
+                  <a14:imgLayer r:embed="rId4">
+                    <a14:imgEffect>
+                      <a14:brightnessContrast contrast="-40000"/>
+                    </a14:imgEffect>
+                  </a14:imgLayer>
+                </a14:imgProps>
+              </a:ext>
+              <a:ext uri="{28A0092B-C50C-407E-A947-70E740481C1C}">
+                <a14:useLocalDpi xmlns:a14="http://schemas.microsoft.com/office/drawing/2010/main" val="0"/>
+              </a:ext>
+            </a:extLst>
+          </a:blip>
+          <a:srcRect/>
+          <a:stretch>
+            <a:fillRect/>
+          </a:stretch>
+        </p:blipFill>
+        <p:spPr bwMode="auto">
+          <a:xfrm>
+            <a:off x="5314789" y="1488703"/>
+            <a:ext cx="1682773" cy="1108651"/>
+          </a:xfrm>
+          <a:prstGeom prst="rect">
+            <a:avLst/>
+          </a:prstGeom>
+          <a:noFill/>
+          <a:ln>
+            <a:noFill/>
+          </a:ln>
+          <a:effectLst/>
+          <a:extLst>
+            <a:ext uri="{909E8E84-426E-40DD-AFC4-6F175D3DCCD1}">
+              <a14:hiddenFill xmlns:a14="http://schemas.microsoft.com/office/drawing/2010/main">
+                <a:solidFill>
+                  <a:schemeClr val="accent1"/>
+                </a:solidFill>
+              </a14:hiddenFill>
+            </a:ext>
+            <a:ext uri="{91240B29-F687-4F45-9708-019B960494DF}">
+              <a14:hiddenLine xmlns:a14="http://schemas.microsoft.com/office/drawing/2010/main" w="9525">
+                <a:solidFill>
+                  <a:schemeClr val="tx1"/>
+                </a:solidFill>
+                <a:miter lim="800000"/>
+                <a:headEnd/>
+                <a:tailEnd/>
+              </a14:hiddenLine>
+            </a:ext>
+            <a:ext uri="{AF507438-7753-43E0-B8FC-AC1667EBCBE1}">
+              <a14:hiddenEffects xmlns:a14="http://schemas.microsoft.com/office/drawing/2010/main">
+                <a:effectLst>
+                  <a:outerShdw dist="35921" dir="2700000" algn="ctr" rotWithShape="0">
+                    <a:schemeClr val="bg2"/>
+                  </a:outerShdw>
+                </a:effectLst>
+              </a14:hiddenEffects>
+            </a:ext>
+          </a:extLst>
+        </p:spPr>
+      </p:pic>
+      <p:sp>
+        <p:nvSpPr>
+          <p:cNvPr id="21" name="sidebarLayout()"/>
+          <p:cNvSpPr txBox="1"/>
+          <p:nvPr/>
+        </p:nvSpPr>
+        <p:spPr>
+          <a:xfrm>
+            <a:off x="1500761" y="665531"/>
+            <a:ext cx="1444867" cy="387205"/>
+          </a:xfrm>
+          <a:prstGeom prst="rect">
+            <a:avLst/>
+          </a:prstGeom>
+          <a:noFill/>
+          <a:ln w="12700" cap="flat">
+            <a:noFill/>
+            <a:miter lim="400000"/>
+          </a:ln>
+          <a:effectLst/>
+          <a:extLst>
+            <a:ext uri="{C572A759-6A51-4108-AA02-DFA0A04FC94B}">
+              <ma14:wrappingTextBoxFlag xmlns:ma14="http://schemas.microsoft.com/office/mac/drawingml/2011/main" xmlns:a14="http://schemas.microsoft.com/office/drawing/2010/main" xmlns:m="http://schemas.openxmlformats.org/officeDocument/2006/math" xmlns="" val="1"/>
+            </a:ext>
+          </a:extLst>
+        </p:spPr>
+        <p:txBody>
+          <a:bodyPr wrap="none" lIns="54570" tIns="54570" rIns="54570" bIns="54570" numCol="1" anchor="ctr">
+            <a:spAutoFit/>
+          </a:bodyPr>
+          <a:lstStyle>
+            <a:lvl1pPr algn="ctr">
+              <a:spcBef>
+                <a:spcPts val="0"/>
+              </a:spcBef>
+              <a:defRPr>
+                <a:solidFill>
+                  <a:schemeClr val="accent1">
+                    <a:hueOff val="-206347"/>
+                    <a:satOff val="69104"/>
+                    <a:lumOff val="-8949"/>
+                  </a:schemeClr>
+                </a:solidFill>
+              </a:defRPr>
+            </a:lvl1pPr>
+          </a:lstStyle>
+          <a:p>
+            <a:r>
+              <a:rPr lang="es-AR" b="1" dirty="0" smtClean="0">
+                <a:solidFill>
+                  <a:schemeClr val="tx1"/>
+                </a:solidFill>
+              </a:rPr>
+              <a:t>User interfase</a:t>
+            </a:r>
+            <a:endParaRPr b="1" dirty="0">
+              <a:solidFill>
+                <a:schemeClr val="tx1"/>
+              </a:solidFill>
+            </a:endParaRPr>
+          </a:p>
+        </p:txBody>
+      </p:sp>
+      <p:sp>
+        <p:nvSpPr>
+          <p:cNvPr id="22" name="sidebarLayout()"/>
+          <p:cNvSpPr txBox="1"/>
+          <p:nvPr/>
+        </p:nvSpPr>
+        <p:spPr>
+          <a:xfrm>
+            <a:off x="1554987" y="3048607"/>
+            <a:ext cx="722489" cy="387205"/>
+          </a:xfrm>
+          <a:prstGeom prst="rect">
+            <a:avLst/>
+          </a:prstGeom>
+          <a:noFill/>
+          <a:ln w="12700" cap="flat">
+            <a:noFill/>
+            <a:miter lim="400000"/>
+          </a:ln>
+          <a:effectLst/>
+          <a:extLst>
+            <a:ext uri="{C572A759-6A51-4108-AA02-DFA0A04FC94B}">
+              <ma14:wrappingTextBoxFlag xmlns:ma14="http://schemas.microsoft.com/office/mac/drawingml/2011/main" xmlns:a14="http://schemas.microsoft.com/office/drawing/2010/main" xmlns:m="http://schemas.openxmlformats.org/officeDocument/2006/math" xmlns="" val="1"/>
+            </a:ext>
+          </a:extLst>
+        </p:spPr>
+        <p:txBody>
+          <a:bodyPr wrap="none" lIns="54570" tIns="54570" rIns="54570" bIns="54570" numCol="1" anchor="ctr">
+            <a:spAutoFit/>
+          </a:bodyPr>
+          <a:lstStyle>
+            <a:lvl1pPr algn="ctr">
+              <a:spcBef>
+                <a:spcPts val="0"/>
+              </a:spcBef>
+              <a:defRPr>
+                <a:solidFill>
+                  <a:schemeClr val="accent1">
+                    <a:hueOff val="-206347"/>
+                    <a:satOff val="69104"/>
+                    <a:lumOff val="-8949"/>
+                  </a:schemeClr>
+                </a:solidFill>
+              </a:defRPr>
+            </a:lvl1pPr>
+          </a:lstStyle>
+          <a:p>
+            <a:r>
+              <a:rPr lang="es-AR" b="1" dirty="0" smtClean="0">
+                <a:solidFill>
+                  <a:schemeClr val="tx1"/>
+                </a:solidFill>
+              </a:rPr>
+              <a:t>Server</a:t>
+            </a:r>
+            <a:endParaRPr b="1" dirty="0">
+              <a:solidFill>
+                <a:schemeClr val="tx1"/>
+              </a:solidFill>
+            </a:endParaRPr>
+          </a:p>
+        </p:txBody>
+      </p:sp>
+      <p:sp>
+        <p:nvSpPr>
+          <p:cNvPr id="30" name="Rounded Rectangle"/>
+          <p:cNvSpPr/>
+          <p:nvPr/>
+        </p:nvSpPr>
+        <p:spPr>
+          <a:xfrm>
+            <a:off x="1349116" y="3429000"/>
+            <a:ext cx="6679268" cy="1907843"/>
+          </a:xfrm>
+          <a:prstGeom prst="roundRect">
+            <a:avLst>
+              <a:gd name="adj" fmla="val 15000"/>
+            </a:avLst>
+          </a:prstGeom>
+          <a:solidFill>
+            <a:schemeClr val="bg1">
+              <a:lumMod val="95000"/>
+            </a:schemeClr>
+          </a:solidFill>
+          <a:ln w="12700" cap="flat">
+            <a:noFill/>
+            <a:prstDash val="solid"/>
+            <a:miter lim="400000"/>
+          </a:ln>
+          <a:effectLst/>
+        </p:spPr>
+        <p:txBody>
+          <a:bodyPr wrap="square" lIns="54570" tIns="54570" rIns="54570" bIns="54570" numCol="1" anchor="ctr">
+            <a:noAutofit/>
+          </a:bodyPr>
+          <a:lstStyle/>
+          <a:p>
+            <a:pPr>
+              <a:lnSpc>
+                <a:spcPct val="80000"/>
+              </a:lnSpc>
+              <a:spcBef>
+                <a:spcPts val="0"/>
+              </a:spcBef>
+              <a:defRPr b="0">
+                <a:solidFill>
+                  <a:srgbClr val="000000"/>
+                </a:solidFill>
+              </a:defRPr>
+            </a:pPr>
+            <a:endParaRPr dirty="0"/>
+          </a:p>
+        </p:txBody>
+      </p:sp>
+      <p:cxnSp>
+        <p:nvCxnSpPr>
+          <p:cNvPr id="29" name="Straight Arrow Connector 28"/>
+          <p:cNvCxnSpPr/>
+          <p:nvPr/>
+        </p:nvCxnSpPr>
+        <p:spPr>
+          <a:xfrm flipH="1">
+            <a:off x="5076056" y="2636912"/>
+            <a:ext cx="1080120" cy="1357113"/>
+          </a:xfrm>
+          <a:prstGeom prst="straightConnector1">
+            <a:avLst/>
+          </a:prstGeom>
+          <a:ln>
+            <a:headEnd type="arrow" w="med" len="med"/>
+            <a:tailEnd type="none" w="med" len="med"/>
+          </a:ln>
+        </p:spPr>
+        <p:style>
+          <a:lnRef idx="2">
+            <a:schemeClr val="accent4"/>
+          </a:lnRef>
+          <a:fillRef idx="0">
+            <a:schemeClr val="accent4"/>
+          </a:fillRef>
+          <a:effectRef idx="1">
+            <a:schemeClr val="accent4"/>
+          </a:effectRef>
+          <a:fontRef idx="minor">
+            <a:schemeClr val="tx1"/>
+          </a:fontRef>
+        </p:style>
+      </p:cxnSp>
+      <p:sp>
+        <p:nvSpPr>
+          <p:cNvPr id="28" name="sidebarLayout()"/>
+          <p:cNvSpPr txBox="1"/>
+          <p:nvPr/>
+        </p:nvSpPr>
+        <p:spPr>
+          <a:xfrm>
+            <a:off x="3563888" y="4123805"/>
+            <a:ext cx="1903838" cy="541093"/>
+          </a:xfrm>
+          <a:prstGeom prst="rect">
+            <a:avLst/>
+          </a:prstGeom>
+          <a:noFill/>
+          <a:ln w="12700" cap="flat">
+            <a:noFill/>
+            <a:miter lim="400000"/>
+          </a:ln>
+          <a:effectLst/>
+          <a:extLst>
+            <a:ext uri="{C572A759-6A51-4108-AA02-DFA0A04FC94B}">
+              <ma14:wrappingTextBoxFlag xmlns:ma14="http://schemas.microsoft.com/office/mac/drawingml/2011/main" xmlns:a14="http://schemas.microsoft.com/office/drawing/2010/main" xmlns:m="http://schemas.openxmlformats.org/officeDocument/2006/math" xmlns="" val="1"/>
+            </a:ext>
+          </a:extLst>
+        </p:spPr>
+        <p:txBody>
+          <a:bodyPr wrap="none" lIns="54570" tIns="54570" rIns="54570" bIns="54570" numCol="1" anchor="ctr">
+            <a:spAutoFit/>
+          </a:bodyPr>
+          <a:lstStyle>
+            <a:lvl1pPr algn="ctr">
+              <a:spcBef>
+                <a:spcPts val="0"/>
+              </a:spcBef>
+              <a:defRPr>
+                <a:solidFill>
+                  <a:schemeClr val="accent1">
+                    <a:hueOff val="-206347"/>
+                    <a:satOff val="69104"/>
+                    <a:lumOff val="-8949"/>
+                  </a:schemeClr>
+                </a:solidFill>
+              </a:defRPr>
+            </a:lvl1pPr>
+          </a:lstStyle>
+          <a:p>
+            <a:pPr algn="l"/>
+            <a:r>
+              <a:rPr lang="es-AR" sz="2800" b="1" i="1" dirty="0" err="1" smtClean="0">
+                <a:solidFill>
+                  <a:schemeClr val="accent4">
+                    <a:lumMod val="50000"/>
+                  </a:schemeClr>
+                </a:solidFill>
+              </a:rPr>
+              <a:t>ggplot</a:t>
+            </a:r>
+            <a:r>
+              <a:rPr lang="es-AR" sz="2800" b="1" i="1" dirty="0" smtClean="0">
+                <a:solidFill>
+                  <a:schemeClr val="accent4">
+                    <a:lumMod val="50000"/>
+                  </a:schemeClr>
+                </a:solidFill>
+              </a:rPr>
+              <a:t> </a:t>
+            </a:r>
+            <a:r>
+              <a:rPr lang="es-AR" sz="2800" b="1" i="1" dirty="0" err="1" smtClean="0">
+                <a:solidFill>
+                  <a:schemeClr val="accent4">
+                    <a:lumMod val="50000"/>
+                  </a:schemeClr>
+                </a:solidFill>
+              </a:rPr>
+              <a:t>code</a:t>
+            </a:r>
+            <a:endParaRPr sz="2800" b="1" i="1" dirty="0">
+              <a:solidFill>
+                <a:schemeClr val="accent4">
+                  <a:lumMod val="50000"/>
+                </a:schemeClr>
+              </a:solidFill>
+            </a:endParaRPr>
+          </a:p>
+        </p:txBody>
+      </p:sp>
+      <p:cxnSp>
+        <p:nvCxnSpPr>
+          <p:cNvPr id="27" name="Straight Arrow Connector 26"/>
+          <p:cNvCxnSpPr/>
+          <p:nvPr/>
+        </p:nvCxnSpPr>
+        <p:spPr>
+          <a:xfrm flipH="1" flipV="1">
+            <a:off x="2945628" y="2478392"/>
+            <a:ext cx="1050308" cy="1515633"/>
+          </a:xfrm>
+          <a:prstGeom prst="straightConnector1">
+            <a:avLst/>
+          </a:prstGeom>
+          <a:ln>
+            <a:headEnd type="arrow" w="med" len="med"/>
+            <a:tailEnd type="none" w="med" len="med"/>
+          </a:ln>
+        </p:spPr>
+        <p:style>
+          <a:lnRef idx="2">
+            <a:schemeClr val="accent4"/>
+          </a:lnRef>
+          <a:fillRef idx="0">
+            <a:schemeClr val="accent4"/>
+          </a:fillRef>
+          <a:effectRef idx="1">
+            <a:schemeClr val="accent4"/>
+          </a:effectRef>
+          <a:fontRef idx="minor">
+            <a:schemeClr val="tx1"/>
+          </a:fontRef>
+        </p:style>
+      </p:cxnSp>
+    </p:spTree>
+    <p:extLst>
+      <p:ext uri="{BB962C8B-B14F-4D97-AF65-F5344CB8AC3E}">
+        <p14:creationId xmlns:p14="http://schemas.microsoft.com/office/powerpoint/2010/main" val="1621705086"/>
+      </p:ext>
+    </p:extLst>
+  </p:cSld>
+  <p:clrMapOvr>
+    <a:masterClrMapping/>
+  </p:clrMapOvr>
+  <p:timing>
+    <p:tnLst>
+      <p:par>
+        <p:cTn id="1" dur="indefinite" restart="never" nodeType="tmRoot"/>
+      </p:par>
+    </p:tnLst>
+  </p:timing>
+</p:sld>
+</file>
+
+<file path=ppt/slides/slide6.xml><?xml version="1.0" encoding="utf-8"?>
+<p:sld xmlns:a="http://schemas.openxmlformats.org/drawingml/2006/main" xmlns:r="http://schemas.openxmlformats.org/officeDocument/2006/relationships" xmlns:p="http://schemas.openxmlformats.org/presentationml/2006/main">
+  <p:cSld>
+    <p:spTree>
+      <p:nvGrpSpPr>
+        <p:cNvPr id="1" name=""/>
+        <p:cNvGrpSpPr/>
+        <p:nvPr/>
+      </p:nvGrpSpPr>
+      <p:grpSpPr>
+        <a:xfrm>
+          <a:off x="0" y="0"/>
+          <a:ext cx="0" cy="0"/>
+          <a:chOff x="0" y="0"/>
+          <a:chExt cx="0" cy="0"/>
+        </a:xfrm>
+      </p:grpSpPr>
+      <p:sp>
+        <p:nvSpPr>
+          <p:cNvPr id="7" name="Rounded Rectangle"/>
+          <p:cNvSpPr/>
+          <p:nvPr/>
+        </p:nvSpPr>
+        <p:spPr>
+          <a:xfrm>
+            <a:off x="1289430" y="1052736"/>
+            <a:ext cx="6738954" cy="1980587"/>
+          </a:xfrm>
+          <a:prstGeom prst="roundRect">
+            <a:avLst>
+              <a:gd name="adj" fmla="val 15000"/>
+            </a:avLst>
+          </a:prstGeom>
+          <a:solidFill>
+            <a:schemeClr val="bg1">
+              <a:lumMod val="95000"/>
+            </a:schemeClr>
+          </a:solidFill>
+          <a:ln w="12700" cap="flat">
+            <a:noFill/>
+            <a:prstDash val="solid"/>
+            <a:miter lim="400000"/>
+          </a:ln>
+          <a:effectLst/>
+        </p:spPr>
+        <p:txBody>
+          <a:bodyPr wrap="square" lIns="54570" tIns="54570" rIns="54570" bIns="54570" numCol="1" anchor="ctr">
+            <a:noAutofit/>
+          </a:bodyPr>
+          <a:lstStyle/>
+          <a:p>
+            <a:pPr>
+              <a:lnSpc>
+                <a:spcPct val="80000"/>
+              </a:lnSpc>
+              <a:spcBef>
+                <a:spcPts val="0"/>
+              </a:spcBef>
+              <a:defRPr b="0">
+                <a:solidFill>
+                  <a:srgbClr val="000000"/>
+                </a:solidFill>
+              </a:defRPr>
+            </a:pPr>
+            <a:endParaRPr dirty="0"/>
+          </a:p>
+        </p:txBody>
+      </p:sp>
+      <p:pic>
+        <p:nvPicPr>
+          <p:cNvPr id="18" name="Picture 2"/>
+          <p:cNvPicPr>
+            <a:picLocks noChangeAspect="1" noChangeArrowheads="1"/>
+          </p:cNvPicPr>
+          <p:nvPr/>
+        </p:nvPicPr>
+        <p:blipFill>
+          <a:blip r:embed="rId2">
+            <a:extLst>
+              <a:ext uri="{BEBA8EAE-BF5A-486C-A8C5-ECC9F3942E4B}">
+                <a14:imgProps xmlns:a14="http://schemas.microsoft.com/office/drawing/2010/main">
+                  <a14:imgLayer r:embed="rId3">
+                    <a14:imgEffect>
+                      <a14:brightnessContrast contrast="-40000"/>
+                    </a14:imgEffect>
+                  </a14:imgLayer>
+                </a14:imgProps>
+              </a:ext>
+              <a:ext uri="{28A0092B-C50C-407E-A947-70E740481C1C}">
+                <a14:useLocalDpi xmlns:a14="http://schemas.microsoft.com/office/drawing/2010/main" val="0"/>
+              </a:ext>
+            </a:extLst>
+          </a:blip>
+          <a:srcRect/>
+          <a:stretch>
+            <a:fillRect/>
+          </a:stretch>
+        </p:blipFill>
+        <p:spPr bwMode="auto">
+          <a:xfrm>
+            <a:off x="5952759" y="1520817"/>
+            <a:ext cx="1682773" cy="1108651"/>
+          </a:xfrm>
+          <a:prstGeom prst="rect">
+            <a:avLst/>
+          </a:prstGeom>
+          <a:noFill/>
+          <a:ln>
+            <a:noFill/>
+          </a:ln>
+          <a:effectLst/>
+          <a:extLst>
+            <a:ext uri="{909E8E84-426E-40DD-AFC4-6F175D3DCCD1}">
+              <a14:hiddenFill xmlns:a14="http://schemas.microsoft.com/office/drawing/2010/main">
+                <a:solidFill>
+                  <a:schemeClr val="accent1"/>
+                </a:solidFill>
+              </a14:hiddenFill>
+            </a:ext>
+            <a:ext uri="{91240B29-F687-4F45-9708-019B960494DF}">
+              <a14:hiddenLine xmlns:a14="http://schemas.microsoft.com/office/drawing/2010/main" w="9525">
+                <a:solidFill>
+                  <a:schemeClr val="tx1"/>
+                </a:solidFill>
+                <a:miter lim="800000"/>
+                <a:headEnd/>
+                <a:tailEnd/>
+              </a14:hiddenLine>
+            </a:ext>
+            <a:ext uri="{AF507438-7753-43E0-B8FC-AC1667EBCBE1}">
+              <a14:hiddenEffects xmlns:a14="http://schemas.microsoft.com/office/drawing/2010/main">
+                <a:effectLst>
+                  <a:outerShdw dist="35921" dir="2700000" algn="ctr" rotWithShape="0">
+                    <a:schemeClr val="bg2"/>
+                  </a:outerShdw>
+                </a:effectLst>
+              </a14:hiddenEffects>
+            </a:ext>
+          </a:extLst>
+        </p:spPr>
+      </p:pic>
+      <p:sp>
+        <p:nvSpPr>
+          <p:cNvPr id="21" name="sidebarLayout()"/>
+          <p:cNvSpPr txBox="1"/>
+          <p:nvPr/>
+        </p:nvSpPr>
+        <p:spPr>
+          <a:xfrm>
+            <a:off x="1500761" y="665531"/>
+            <a:ext cx="1444867" cy="387205"/>
+          </a:xfrm>
+          <a:prstGeom prst="rect">
+            <a:avLst/>
+          </a:prstGeom>
+          <a:noFill/>
+          <a:ln w="12700" cap="flat">
+            <a:noFill/>
+            <a:miter lim="400000"/>
+          </a:ln>
+          <a:effectLst/>
+          <a:extLst>
+            <a:ext uri="{C572A759-6A51-4108-AA02-DFA0A04FC94B}">
+              <ma14:wrappingTextBoxFlag xmlns:ma14="http://schemas.microsoft.com/office/mac/drawingml/2011/main" xmlns:a14="http://schemas.microsoft.com/office/drawing/2010/main" xmlns:m="http://schemas.openxmlformats.org/officeDocument/2006/math" xmlns="" val="1"/>
+            </a:ext>
+          </a:extLst>
+        </p:spPr>
+        <p:txBody>
+          <a:bodyPr wrap="none" lIns="54570" tIns="54570" rIns="54570" bIns="54570" numCol="1" anchor="ctr">
+            <a:spAutoFit/>
+          </a:bodyPr>
+          <a:lstStyle>
+            <a:lvl1pPr algn="ctr">
+              <a:spcBef>
+                <a:spcPts val="0"/>
+              </a:spcBef>
+              <a:defRPr>
+                <a:solidFill>
+                  <a:schemeClr val="accent1">
+                    <a:hueOff val="-206347"/>
+                    <a:satOff val="69104"/>
+                    <a:lumOff val="-8949"/>
+                  </a:schemeClr>
+                </a:solidFill>
+              </a:defRPr>
+            </a:lvl1pPr>
+          </a:lstStyle>
+          <a:p>
+            <a:r>
+              <a:rPr lang="es-AR" b="1" dirty="0" smtClean="0">
+                <a:solidFill>
+                  <a:schemeClr val="tx1"/>
+                </a:solidFill>
+              </a:rPr>
+              <a:t>User interfase</a:t>
+            </a:r>
+            <a:endParaRPr b="1" dirty="0">
+              <a:solidFill>
+                <a:schemeClr val="tx1"/>
+              </a:solidFill>
+            </a:endParaRPr>
+          </a:p>
+        </p:txBody>
+      </p:sp>
+      <p:sp>
+        <p:nvSpPr>
+          <p:cNvPr id="22" name="sidebarLayout()"/>
+          <p:cNvSpPr txBox="1"/>
+          <p:nvPr/>
+        </p:nvSpPr>
+        <p:spPr>
+          <a:xfrm>
+            <a:off x="1554987" y="3048607"/>
+            <a:ext cx="722489" cy="387205"/>
+          </a:xfrm>
+          <a:prstGeom prst="rect">
+            <a:avLst/>
+          </a:prstGeom>
+          <a:noFill/>
+          <a:ln w="12700" cap="flat">
+            <a:noFill/>
+            <a:miter lim="400000"/>
+          </a:ln>
+          <a:effectLst/>
+          <a:extLst>
+            <a:ext uri="{C572A759-6A51-4108-AA02-DFA0A04FC94B}">
+              <ma14:wrappingTextBoxFlag xmlns:ma14="http://schemas.microsoft.com/office/mac/drawingml/2011/main" xmlns:a14="http://schemas.microsoft.com/office/drawing/2010/main" xmlns:m="http://schemas.openxmlformats.org/officeDocument/2006/math" xmlns="" val="1"/>
+            </a:ext>
+          </a:extLst>
+        </p:spPr>
+        <p:txBody>
+          <a:bodyPr wrap="none" lIns="54570" tIns="54570" rIns="54570" bIns="54570" numCol="1" anchor="ctr">
+            <a:spAutoFit/>
+          </a:bodyPr>
+          <a:lstStyle>
+            <a:lvl1pPr algn="ctr">
+              <a:spcBef>
+                <a:spcPts val="0"/>
+              </a:spcBef>
+              <a:defRPr>
+                <a:solidFill>
+                  <a:schemeClr val="accent1">
+                    <a:hueOff val="-206347"/>
+                    <a:satOff val="69104"/>
+                    <a:lumOff val="-8949"/>
+                  </a:schemeClr>
+                </a:solidFill>
+              </a:defRPr>
+            </a:lvl1pPr>
+          </a:lstStyle>
+          <a:p>
+            <a:r>
+              <a:rPr lang="es-AR" b="1" dirty="0" smtClean="0">
+                <a:solidFill>
+                  <a:schemeClr val="tx1"/>
+                </a:solidFill>
+              </a:rPr>
+              <a:t>Server</a:t>
+            </a:r>
+            <a:endParaRPr b="1" dirty="0">
+              <a:solidFill>
+                <a:schemeClr val="tx1"/>
+              </a:solidFill>
+            </a:endParaRPr>
+          </a:p>
+        </p:txBody>
+      </p:sp>
+      <p:sp>
+        <p:nvSpPr>
+          <p:cNvPr id="30" name="Rounded Rectangle"/>
+          <p:cNvSpPr/>
+          <p:nvPr/>
+        </p:nvSpPr>
+        <p:spPr>
+          <a:xfrm>
+            <a:off x="1349116" y="3429000"/>
+            <a:ext cx="6679268" cy="1907843"/>
+          </a:xfrm>
+          <a:prstGeom prst="roundRect">
+            <a:avLst>
+              <a:gd name="adj" fmla="val 15000"/>
+            </a:avLst>
+          </a:prstGeom>
+          <a:solidFill>
+            <a:schemeClr val="bg1">
+              <a:lumMod val="95000"/>
+            </a:schemeClr>
+          </a:solidFill>
+          <a:ln w="12700" cap="flat">
+            <a:noFill/>
+            <a:prstDash val="solid"/>
+            <a:miter lim="400000"/>
+          </a:ln>
+          <a:effectLst/>
+        </p:spPr>
+        <p:txBody>
+          <a:bodyPr wrap="square" lIns="54570" tIns="54570" rIns="54570" bIns="54570" numCol="1" anchor="ctr">
+            <a:noAutofit/>
+          </a:bodyPr>
+          <a:lstStyle/>
+          <a:p>
+            <a:pPr>
+              <a:lnSpc>
+                <a:spcPct val="80000"/>
+              </a:lnSpc>
+              <a:spcBef>
+                <a:spcPts val="0"/>
+              </a:spcBef>
+              <a:defRPr b="0">
+                <a:solidFill>
+                  <a:srgbClr val="000000"/>
+                </a:solidFill>
+              </a:defRPr>
+            </a:pPr>
+            <a:endParaRPr dirty="0"/>
+          </a:p>
+        </p:txBody>
+      </p:sp>
+      <p:sp>
+        <p:nvSpPr>
+          <p:cNvPr id="28" name="sidebarLayout()"/>
+          <p:cNvSpPr txBox="1"/>
+          <p:nvPr/>
+        </p:nvSpPr>
+        <p:spPr>
+          <a:xfrm>
+            <a:off x="1554987" y="3994025"/>
+            <a:ext cx="7390546" cy="1218201"/>
+          </a:xfrm>
+          <a:prstGeom prst="rect">
+            <a:avLst/>
+          </a:prstGeom>
+          <a:noFill/>
+          <a:ln w="12700" cap="flat">
+            <a:noFill/>
+            <a:miter lim="400000"/>
+          </a:ln>
+          <a:effectLst/>
+          <a:extLst>
+            <a:ext uri="{C572A759-6A51-4108-AA02-DFA0A04FC94B}">
+              <ma14:wrappingTextBoxFlag xmlns:ma14="http://schemas.microsoft.com/office/mac/drawingml/2011/main" xmlns:a14="http://schemas.microsoft.com/office/drawing/2010/main" xmlns:m="http://schemas.openxmlformats.org/officeDocument/2006/math" xmlns="" val="1"/>
+            </a:ext>
+          </a:extLst>
+        </p:spPr>
+        <p:txBody>
+          <a:bodyPr wrap="square" lIns="54570" tIns="54570" rIns="54570" bIns="54570" numCol="1" anchor="ctr">
+            <a:spAutoFit/>
+          </a:bodyPr>
+          <a:lstStyle>
+            <a:lvl1pPr algn="ctr">
+              <a:spcBef>
+                <a:spcPts val="0"/>
+              </a:spcBef>
+              <a:defRPr>
+                <a:solidFill>
+                  <a:schemeClr val="accent1">
+                    <a:hueOff val="-206347"/>
+                    <a:satOff val="69104"/>
+                    <a:lumOff val="-8949"/>
+                  </a:schemeClr>
+                </a:solidFill>
+              </a:defRPr>
+            </a:lvl1pPr>
+          </a:lstStyle>
+          <a:p>
+            <a:pPr algn="l"/>
+            <a:r>
+              <a:rPr lang="es-AR" b="1" dirty="0" err="1">
+                <a:solidFill>
+                  <a:schemeClr val="accent4">
+                    <a:lumMod val="50000"/>
+                  </a:schemeClr>
+                </a:solidFill>
+              </a:rPr>
+              <a:t>ggplot</a:t>
+            </a:r>
+            <a:r>
+              <a:rPr lang="es-AR" b="1" dirty="0">
+                <a:solidFill>
+                  <a:schemeClr val="accent4">
+                    <a:lumMod val="50000"/>
+                  </a:schemeClr>
+                </a:solidFill>
+              </a:rPr>
+              <a:t>(data = </a:t>
+            </a:r>
+            <a:r>
+              <a:rPr lang="es-AR" b="1" dirty="0" err="1">
+                <a:solidFill>
+                  <a:schemeClr val="accent4">
+                    <a:lumMod val="50000"/>
+                  </a:schemeClr>
+                </a:solidFill>
+              </a:rPr>
+              <a:t>mpg</a:t>
+            </a:r>
+            <a:r>
+              <a:rPr lang="es-AR" b="1" dirty="0">
+                <a:solidFill>
+                  <a:schemeClr val="accent4">
+                    <a:lumMod val="50000"/>
+                  </a:schemeClr>
+                </a:solidFill>
+              </a:rPr>
+              <a:t>) + </a:t>
+            </a:r>
+          </a:p>
+          <a:p>
+            <a:pPr algn="l"/>
+            <a:r>
+              <a:rPr lang="es-AR" b="1" dirty="0" err="1" smtClean="0">
+                <a:solidFill>
+                  <a:schemeClr val="accent4">
+                    <a:lumMod val="50000"/>
+                  </a:schemeClr>
+                </a:solidFill>
+              </a:rPr>
+              <a:t>geom_point</a:t>
+            </a:r>
+            <a:r>
+              <a:rPr lang="es-AR" b="1" dirty="0" smtClean="0">
+                <a:solidFill>
+                  <a:schemeClr val="accent4">
+                    <a:lumMod val="50000"/>
+                  </a:schemeClr>
+                </a:solidFill>
+              </a:rPr>
+              <a:t>(</a:t>
+            </a:r>
+            <a:r>
+              <a:rPr lang="es-AR" b="1" dirty="0" err="1" smtClean="0">
+                <a:solidFill>
+                  <a:schemeClr val="accent4">
+                    <a:lumMod val="50000"/>
+                  </a:schemeClr>
+                </a:solidFill>
+              </a:rPr>
+              <a:t>mapping</a:t>
+            </a:r>
+            <a:r>
+              <a:rPr lang="es-AR" b="1" dirty="0" smtClean="0">
+                <a:solidFill>
+                  <a:schemeClr val="accent4">
+                    <a:lumMod val="50000"/>
+                  </a:schemeClr>
+                </a:solidFill>
+              </a:rPr>
+              <a:t> </a:t>
+            </a:r>
+            <a:r>
+              <a:rPr lang="es-AR" b="1" dirty="0">
+                <a:solidFill>
+                  <a:schemeClr val="accent4">
+                    <a:lumMod val="50000"/>
+                  </a:schemeClr>
+                </a:solidFill>
+              </a:rPr>
+              <a:t>= </a:t>
+            </a:r>
+            <a:r>
+              <a:rPr lang="es-AR" b="1" dirty="0" err="1">
+                <a:solidFill>
+                  <a:schemeClr val="accent4">
+                    <a:lumMod val="50000"/>
+                  </a:schemeClr>
+                </a:solidFill>
+              </a:rPr>
+              <a:t>aes_string</a:t>
+            </a:r>
+            <a:r>
+              <a:rPr lang="es-AR" b="1" dirty="0">
+                <a:solidFill>
+                  <a:schemeClr val="accent4">
+                    <a:lumMod val="50000"/>
+                  </a:schemeClr>
+                </a:solidFill>
+              </a:rPr>
+              <a:t>(x = </a:t>
+            </a:r>
+            <a:r>
+              <a:rPr lang="es-AR" b="1" dirty="0" err="1" smtClean="0">
+                <a:solidFill>
+                  <a:srgbClr val="FF5050"/>
+                </a:solidFill>
+              </a:rPr>
+              <a:t>input$buttons</a:t>
+            </a:r>
+            <a:r>
+              <a:rPr lang="es-AR" b="1" dirty="0" smtClean="0">
+                <a:solidFill>
+                  <a:schemeClr val="accent4">
+                    <a:lumMod val="50000"/>
+                  </a:schemeClr>
+                </a:solidFill>
+              </a:rPr>
+              <a:t>,</a:t>
+            </a:r>
+            <a:endParaRPr lang="es-AR" b="1" dirty="0">
+              <a:solidFill>
+                <a:schemeClr val="accent4">
+                  <a:lumMod val="50000"/>
+                </a:schemeClr>
+              </a:solidFill>
+            </a:endParaRPr>
+          </a:p>
+          <a:p>
+            <a:pPr algn="l"/>
+            <a:r>
+              <a:rPr lang="es-AR" b="1" dirty="0">
+                <a:solidFill>
+                  <a:schemeClr val="accent4">
+                    <a:lumMod val="50000"/>
+                  </a:schemeClr>
+                </a:solidFill>
+              </a:rPr>
+              <a:t>                                 </a:t>
+            </a:r>
+            <a:r>
+              <a:rPr lang="es-AR" b="1" dirty="0" smtClean="0">
+                <a:solidFill>
+                  <a:schemeClr val="accent4">
+                    <a:lumMod val="50000"/>
+                  </a:schemeClr>
+                </a:solidFill>
+              </a:rPr>
+              <a:t>                              y </a:t>
+            </a:r>
+            <a:r>
+              <a:rPr lang="es-AR" b="1" dirty="0">
+                <a:solidFill>
+                  <a:schemeClr val="accent4">
+                    <a:lumMod val="50000"/>
+                  </a:schemeClr>
+                </a:solidFill>
+              </a:rPr>
+              <a:t>= </a:t>
+            </a:r>
+            <a:r>
+              <a:rPr lang="es-AR" b="1" dirty="0" err="1">
+                <a:solidFill>
+                  <a:schemeClr val="accent4">
+                    <a:lumMod val="50000"/>
+                  </a:schemeClr>
+                </a:solidFill>
+              </a:rPr>
+              <a:t>hwy</a:t>
+            </a:r>
+            <a:r>
+              <a:rPr lang="es-AR" b="1" dirty="0">
+                <a:solidFill>
+                  <a:schemeClr val="accent4">
+                    <a:lumMod val="50000"/>
+                  </a:schemeClr>
+                </a:solidFill>
+              </a:rPr>
+              <a:t>,</a:t>
+            </a:r>
+          </a:p>
+          <a:p>
+            <a:pPr algn="l"/>
+            <a:r>
+              <a:rPr lang="es-AR" b="1" dirty="0">
+                <a:solidFill>
+                  <a:schemeClr val="accent4">
+                    <a:lumMod val="50000"/>
+                  </a:schemeClr>
+                </a:solidFill>
+              </a:rPr>
+              <a:t>                                 </a:t>
+            </a:r>
+            <a:r>
+              <a:rPr lang="es-AR" b="1" dirty="0" smtClean="0">
+                <a:solidFill>
+                  <a:schemeClr val="accent4">
+                    <a:lumMod val="50000"/>
+                  </a:schemeClr>
+                </a:solidFill>
+              </a:rPr>
+              <a:t>                              color = </a:t>
+            </a:r>
+            <a:r>
+              <a:rPr lang="es-AR" b="1" dirty="0" err="1">
+                <a:solidFill>
+                  <a:schemeClr val="accent4">
+                    <a:lumMod val="50000"/>
+                  </a:schemeClr>
+                </a:solidFill>
+              </a:rPr>
+              <a:t>cty</a:t>
+            </a:r>
+            <a:r>
+              <a:rPr lang="es-AR" b="1" dirty="0">
+                <a:solidFill>
+                  <a:schemeClr val="accent4">
+                    <a:lumMod val="50000"/>
+                  </a:schemeClr>
+                </a:solidFill>
+              </a:rPr>
+              <a:t>)))</a:t>
+            </a:r>
+            <a:endParaRPr b="1" dirty="0">
+              <a:solidFill>
+                <a:schemeClr val="accent4">
+                  <a:lumMod val="50000"/>
+                </a:schemeClr>
+              </a:solidFill>
+            </a:endParaRPr>
+          </a:p>
+        </p:txBody>
+      </p:sp>
+      <p:cxnSp>
+        <p:nvCxnSpPr>
+          <p:cNvPr id="27" name="Straight Arrow Connector 26"/>
+          <p:cNvCxnSpPr/>
+          <p:nvPr/>
+        </p:nvCxnSpPr>
+        <p:spPr>
+          <a:xfrm flipV="1">
+            <a:off x="4744704" y="2642127"/>
+            <a:ext cx="0" cy="1218921"/>
+          </a:xfrm>
+          <a:prstGeom prst="straightConnector1">
+            <a:avLst/>
+          </a:prstGeom>
+          <a:ln w="38100">
+            <a:headEnd type="triangle" w="med" len="med"/>
+            <a:tailEnd type="none" w="med" len="med"/>
+          </a:ln>
+        </p:spPr>
+        <p:style>
+          <a:lnRef idx="2">
+            <a:schemeClr val="accent4"/>
+          </a:lnRef>
+          <a:fillRef idx="0">
+            <a:schemeClr val="accent4"/>
+          </a:fillRef>
+          <a:effectRef idx="1">
+            <a:schemeClr val="accent4"/>
+          </a:effectRef>
+          <a:fontRef idx="minor">
+            <a:schemeClr val="tx1"/>
+          </a:fontRef>
+        </p:style>
+      </p:cxnSp>
+      <p:sp>
+        <p:nvSpPr>
+          <p:cNvPr id="2" name="Rectangle 1"/>
+          <p:cNvSpPr/>
+          <p:nvPr/>
+        </p:nvSpPr>
+        <p:spPr>
+          <a:xfrm>
+            <a:off x="1383292" y="1318687"/>
+            <a:ext cx="4655415" cy="1323439"/>
+          </a:xfrm>
+          <a:prstGeom prst="rect">
+            <a:avLst/>
+          </a:prstGeom>
+        </p:spPr>
+        <p:txBody>
+          <a:bodyPr wrap="square">
+            <a:spAutoFit/>
+          </a:bodyPr>
+          <a:lstStyle/>
+          <a:p>
+            <a:r>
+              <a:rPr lang="es-AR" sz="1600" dirty="0" err="1"/>
+              <a:t>radioButtons</a:t>
+            </a:r>
+            <a:r>
+              <a:rPr lang="es-AR" sz="1600" dirty="0"/>
+              <a:t>(</a:t>
+            </a:r>
+            <a:r>
+              <a:rPr lang="es-AR" sz="1600" dirty="0" err="1"/>
+              <a:t>inputId</a:t>
+            </a:r>
+            <a:r>
+              <a:rPr lang="es-AR" sz="1600" dirty="0"/>
+              <a:t> = </a:t>
+            </a:r>
+            <a:r>
+              <a:rPr lang="es-AR" sz="1600" b="1" dirty="0" smtClean="0">
+                <a:solidFill>
+                  <a:srgbClr val="FF5050"/>
+                </a:solidFill>
+              </a:rPr>
+              <a:t>«</a:t>
+            </a:r>
+            <a:r>
+              <a:rPr lang="es-AR" sz="1600" b="1" dirty="0" err="1" smtClean="0">
+                <a:solidFill>
+                  <a:srgbClr val="FF5050"/>
+                </a:solidFill>
+              </a:rPr>
+              <a:t>buttons</a:t>
+            </a:r>
+            <a:r>
+              <a:rPr lang="es-AR" sz="1600" b="1" dirty="0" smtClean="0">
+                <a:solidFill>
+                  <a:srgbClr val="FF5050"/>
+                </a:solidFill>
+              </a:rPr>
+              <a:t>»,</a:t>
+            </a:r>
+            <a:endParaRPr lang="es-AR" sz="1600" b="1" dirty="0">
+              <a:solidFill>
+                <a:srgbClr val="FF5050"/>
+              </a:solidFill>
+            </a:endParaRPr>
+          </a:p>
+          <a:p>
+            <a:r>
+              <a:rPr lang="es-AR" sz="1600" dirty="0"/>
+              <a:t>                          </a:t>
+            </a:r>
+            <a:r>
+              <a:rPr lang="es-AR" sz="1600" dirty="0" err="1" smtClean="0"/>
+              <a:t>label</a:t>
+            </a:r>
+            <a:r>
+              <a:rPr lang="es-AR" sz="1600" dirty="0" smtClean="0"/>
+              <a:t> </a:t>
+            </a:r>
+            <a:r>
+              <a:rPr lang="es-AR" sz="1600" dirty="0"/>
+              <a:t>= </a:t>
+            </a:r>
+            <a:r>
+              <a:rPr lang="es-AR" sz="1600" dirty="0" smtClean="0"/>
+              <a:t>«</a:t>
+            </a:r>
+            <a:r>
+              <a:rPr lang="es-AR" sz="1600" dirty="0" err="1" smtClean="0"/>
+              <a:t>selection</a:t>
+            </a:r>
+            <a:r>
+              <a:rPr lang="es-AR" sz="1600" dirty="0" smtClean="0"/>
+              <a:t>»,</a:t>
+            </a:r>
+            <a:endParaRPr lang="es-AR" sz="1600" dirty="0"/>
+          </a:p>
+          <a:p>
+            <a:r>
+              <a:rPr lang="es-AR" sz="1600" dirty="0" smtClean="0"/>
+              <a:t>                          </a:t>
+            </a:r>
+            <a:r>
+              <a:rPr lang="es-AR" sz="1600" dirty="0" err="1" smtClean="0"/>
+              <a:t>choices</a:t>
+            </a:r>
+            <a:r>
+              <a:rPr lang="es-AR" sz="1600" dirty="0" smtClean="0"/>
+              <a:t> =   c(«</a:t>
+            </a:r>
+            <a:r>
+              <a:rPr lang="es-AR" sz="1600" dirty="0" err="1" smtClean="0"/>
+              <a:t>choise_a</a:t>
+            </a:r>
+            <a:r>
+              <a:rPr lang="es-AR" sz="1600" dirty="0" smtClean="0"/>
+              <a:t>»  =  «</a:t>
+            </a:r>
+            <a:r>
+              <a:rPr lang="es-AR" sz="1600" dirty="0" err="1" smtClean="0"/>
+              <a:t>hwy</a:t>
+            </a:r>
+            <a:r>
+              <a:rPr lang="es-AR" sz="1600" dirty="0" smtClean="0"/>
+              <a:t>»,</a:t>
+            </a:r>
+          </a:p>
+          <a:p>
+            <a:r>
+              <a:rPr lang="es-AR" sz="1600" dirty="0" smtClean="0"/>
+              <a:t>                                                </a:t>
+            </a:r>
+            <a:r>
+              <a:rPr lang="es-AR" sz="1600" b="1" dirty="0">
+                <a:solidFill>
+                  <a:srgbClr val="00B050"/>
+                </a:solidFill>
+              </a:rPr>
+              <a:t>«</a:t>
+            </a:r>
+            <a:r>
+              <a:rPr lang="es-AR" sz="1600" b="1" dirty="0" err="1">
+                <a:solidFill>
+                  <a:srgbClr val="00B050"/>
+                </a:solidFill>
+              </a:rPr>
+              <a:t>choice_b</a:t>
+            </a:r>
+            <a:r>
+              <a:rPr lang="es-AR" sz="1600" b="1" dirty="0">
+                <a:solidFill>
+                  <a:srgbClr val="00B050"/>
+                </a:solidFill>
+              </a:rPr>
+              <a:t>» =  «</a:t>
+            </a:r>
+            <a:r>
+              <a:rPr lang="es-AR" sz="1600" b="1" dirty="0" err="1">
+                <a:solidFill>
+                  <a:srgbClr val="00B050"/>
+                </a:solidFill>
+              </a:rPr>
+              <a:t>cty</a:t>
+            </a:r>
+            <a:r>
+              <a:rPr lang="es-AR" sz="1600" b="1" dirty="0">
+                <a:solidFill>
+                  <a:srgbClr val="00B050"/>
+                </a:solidFill>
+              </a:rPr>
+              <a:t>»,</a:t>
+            </a:r>
+          </a:p>
+          <a:p>
+            <a:r>
+              <a:rPr lang="es-AR" sz="1600" dirty="0" smtClean="0"/>
+              <a:t>                                                «</a:t>
+            </a:r>
+            <a:r>
+              <a:rPr lang="es-AR" sz="1600" dirty="0" err="1" smtClean="0"/>
+              <a:t>choice_c</a:t>
+            </a:r>
+            <a:r>
+              <a:rPr lang="es-AR" sz="1600" dirty="0" smtClean="0"/>
+              <a:t>» = «</a:t>
+            </a:r>
+            <a:r>
+              <a:rPr lang="es-AR" sz="1600" dirty="0" err="1" smtClean="0"/>
+              <a:t>displ</a:t>
+            </a:r>
+            <a:r>
+              <a:rPr lang="es-AR" sz="1600" dirty="0" smtClean="0"/>
+              <a:t>»))</a:t>
+            </a:r>
+            <a:endParaRPr lang="es-AR" sz="1600" dirty="0"/>
+          </a:p>
+        </p:txBody>
+      </p:sp>
+      <p:cxnSp>
+        <p:nvCxnSpPr>
+          <p:cNvPr id="10" name="Straight Arrow Connector 9"/>
+          <p:cNvCxnSpPr/>
+          <p:nvPr/>
+        </p:nvCxnSpPr>
+        <p:spPr>
+          <a:xfrm flipH="1">
+            <a:off x="6147409" y="2675317"/>
+            <a:ext cx="637970" cy="1199498"/>
+          </a:xfrm>
+          <a:prstGeom prst="straightConnector1">
+            <a:avLst/>
+          </a:prstGeom>
+          <a:ln w="38100">
+            <a:headEnd type="triangle" w="med" len="med"/>
+            <a:tailEnd type="none" w="med" len="med"/>
+          </a:ln>
+        </p:spPr>
+        <p:style>
+          <a:lnRef idx="2">
+            <a:schemeClr val="accent4"/>
+          </a:lnRef>
+          <a:fillRef idx="0">
+            <a:schemeClr val="accent4"/>
+          </a:fillRef>
+          <a:effectRef idx="1">
+            <a:schemeClr val="accent4"/>
+          </a:effectRef>
+          <a:fontRef idx="minor">
+            <a:schemeClr val="tx1"/>
+          </a:fontRef>
+        </p:style>
+      </p:cxnSp>
+    </p:spTree>
+    <p:extLst>
+      <p:ext uri="{BB962C8B-B14F-4D97-AF65-F5344CB8AC3E}">
+        <p14:creationId xmlns:p14="http://schemas.microsoft.com/office/powerpoint/2010/main" val="1032706205"/>
+      </p:ext>
+    </p:extLst>
+  </p:cSld>
+  <p:clrMapOvr>
+    <a:masterClrMapping/>
+  </p:clrMapOvr>
+  <p:timing>
+    <p:tnLst>
+      <p:par>
+        <p:cTn id="1" dur="indefinite" restart="never" nodeType="tmRoot"/>
+      </p:par>
+    </p:tnLst>
+  </p:timing>
+</p:sld>
+</file>
+
+<file path=ppt/slides/slide7.xml><?xml version="1.0" encoding="utf-8"?>
+<p:sld xmlns:a="http://schemas.openxmlformats.org/drawingml/2006/main" xmlns:r="http://schemas.openxmlformats.org/officeDocument/2006/relationships" xmlns:p="http://schemas.openxmlformats.org/presentationml/2006/main">
+  <p:cSld>
+    <p:spTree>
+      <p:nvGrpSpPr>
+        <p:cNvPr id="1" name=""/>
+        <p:cNvGrpSpPr/>
+        <p:nvPr/>
+      </p:nvGrpSpPr>
+      <p:grpSpPr>
+        <a:xfrm>
+          <a:off x="0" y="0"/>
+          <a:ext cx="0" cy="0"/>
+          <a:chOff x="0" y="0"/>
+          <a:chExt cx="0" cy="0"/>
+        </a:xfrm>
+      </p:grpSpPr>
+      <p:sp>
+        <p:nvSpPr>
+          <p:cNvPr id="7" name="Rounded Rectangle"/>
+          <p:cNvSpPr/>
+          <p:nvPr/>
+        </p:nvSpPr>
+        <p:spPr>
+          <a:xfrm>
+            <a:off x="1289430" y="1052736"/>
+            <a:ext cx="6738954" cy="1980587"/>
+          </a:xfrm>
+          <a:prstGeom prst="roundRect">
+            <a:avLst>
+              <a:gd name="adj" fmla="val 15000"/>
+            </a:avLst>
+          </a:prstGeom>
+          <a:solidFill>
+            <a:schemeClr val="bg1">
+              <a:lumMod val="95000"/>
+            </a:schemeClr>
+          </a:solidFill>
+          <a:ln w="12700" cap="flat">
+            <a:noFill/>
+            <a:prstDash val="solid"/>
+            <a:miter lim="400000"/>
+          </a:ln>
+          <a:effectLst/>
+        </p:spPr>
+        <p:txBody>
+          <a:bodyPr wrap="square" lIns="54570" tIns="54570" rIns="54570" bIns="54570" numCol="1" anchor="ctr">
+            <a:noAutofit/>
+          </a:bodyPr>
+          <a:lstStyle/>
+          <a:p>
+            <a:pPr>
+              <a:lnSpc>
+                <a:spcPct val="80000"/>
+              </a:lnSpc>
+              <a:spcBef>
+                <a:spcPts val="0"/>
+              </a:spcBef>
+              <a:defRPr b="0">
+                <a:solidFill>
+                  <a:srgbClr val="000000"/>
+                </a:solidFill>
+              </a:defRPr>
+            </a:pPr>
+            <a:endParaRPr dirty="0"/>
+          </a:p>
+        </p:txBody>
+      </p:sp>
+      <p:pic>
+        <p:nvPicPr>
+          <p:cNvPr id="2050" name="Picture 2"/>
+          <p:cNvPicPr>
+            <a:picLocks noChangeAspect="1" noChangeArrowheads="1"/>
+          </p:cNvPicPr>
+          <p:nvPr/>
+        </p:nvPicPr>
+        <p:blipFill>
+          <a:blip r:embed="rId2">
+            <a:extLst>
+              <a:ext uri="{28A0092B-C50C-407E-A947-70E740481C1C}">
+                <a14:useLocalDpi xmlns:a14="http://schemas.microsoft.com/office/drawing/2010/main" val="0"/>
+              </a:ext>
+            </a:extLst>
+          </a:blip>
+          <a:srcRect/>
+          <a:stretch>
+            <a:fillRect/>
+          </a:stretch>
+        </p:blipFill>
+        <p:spPr bwMode="auto">
+          <a:xfrm>
+            <a:off x="2223194" y="1535250"/>
+            <a:ext cx="1015147" cy="813630"/>
+          </a:xfrm>
+          <a:prstGeom prst="rect">
+            <a:avLst/>
+          </a:prstGeom>
+          <a:noFill/>
+          <a:ln>
+            <a:noFill/>
+          </a:ln>
+          <a:effectLst/>
+          <a:extLst>
+            <a:ext uri="{909E8E84-426E-40DD-AFC4-6F175D3DCCD1}">
+              <a14:hiddenFill xmlns:a14="http://schemas.microsoft.com/office/drawing/2010/main">
+                <a:solidFill>
+                  <a:schemeClr val="accent1"/>
+                </a:solidFill>
+              </a14:hiddenFill>
+            </a:ext>
+            <a:ext uri="{91240B29-F687-4F45-9708-019B960494DF}">
+              <a14:hiddenLine xmlns:a14="http://schemas.microsoft.com/office/drawing/2010/main" w="9525">
+                <a:solidFill>
+                  <a:schemeClr val="tx1"/>
+                </a:solidFill>
+                <a:miter lim="800000"/>
+                <a:headEnd/>
+                <a:tailEnd/>
+              </a14:hiddenLine>
+            </a:ext>
+            <a:ext uri="{AF507438-7753-43E0-B8FC-AC1667EBCBE1}">
+              <a14:hiddenEffects xmlns:a14="http://schemas.microsoft.com/office/drawing/2010/main">
+                <a:effectLst>
+                  <a:outerShdw dist="35921" dir="2700000" algn="ctr" rotWithShape="0">
+                    <a:schemeClr val="bg2"/>
+                  </a:outerShdw>
+                </a:effectLst>
+              </a14:hiddenEffects>
+            </a:ext>
+          </a:extLst>
+        </p:spPr>
+      </p:pic>
+      <p:sp>
+        <p:nvSpPr>
+          <p:cNvPr id="21" name="sidebarLayout()"/>
+          <p:cNvSpPr txBox="1"/>
+          <p:nvPr/>
+        </p:nvSpPr>
+        <p:spPr>
+          <a:xfrm>
+            <a:off x="1500761" y="665531"/>
+            <a:ext cx="1444867" cy="387205"/>
+          </a:xfrm>
+          <a:prstGeom prst="rect">
+            <a:avLst/>
+          </a:prstGeom>
+          <a:noFill/>
+          <a:ln w="12700" cap="flat">
+            <a:noFill/>
+            <a:miter lim="400000"/>
+          </a:ln>
+          <a:effectLst/>
+          <a:extLst>
+            <a:ext uri="{C572A759-6A51-4108-AA02-DFA0A04FC94B}">
+              <ma14:wrappingTextBoxFlag xmlns:ma14="http://schemas.microsoft.com/office/mac/drawingml/2011/main" xmlns:a14="http://schemas.microsoft.com/office/drawing/2010/main" xmlns:m="http://schemas.openxmlformats.org/officeDocument/2006/math" xmlns="" val="1"/>
+            </a:ext>
+          </a:extLst>
+        </p:spPr>
+        <p:txBody>
+          <a:bodyPr wrap="none" lIns="54570" tIns="54570" rIns="54570" bIns="54570" numCol="1" anchor="ctr">
+            <a:spAutoFit/>
+          </a:bodyPr>
+          <a:lstStyle>
+            <a:lvl1pPr algn="ctr">
+              <a:spcBef>
+                <a:spcPts val="0"/>
+              </a:spcBef>
+              <a:defRPr>
+                <a:solidFill>
+                  <a:schemeClr val="accent1">
+                    <a:hueOff val="-206347"/>
+                    <a:satOff val="69104"/>
+                    <a:lumOff val="-8949"/>
+                  </a:schemeClr>
+                </a:solidFill>
+              </a:defRPr>
+            </a:lvl1pPr>
+          </a:lstStyle>
+          <a:p>
+            <a:r>
+              <a:rPr lang="es-AR" b="1" dirty="0" smtClean="0">
+                <a:solidFill>
+                  <a:schemeClr val="tx1"/>
+                </a:solidFill>
+              </a:rPr>
+              <a:t>User interfase</a:t>
+            </a:r>
+            <a:endParaRPr b="1" dirty="0">
+              <a:solidFill>
+                <a:schemeClr val="tx1"/>
+              </a:solidFill>
+            </a:endParaRPr>
+          </a:p>
+        </p:txBody>
+      </p:sp>
+      <p:sp>
+        <p:nvSpPr>
+          <p:cNvPr id="22" name="sidebarLayout()"/>
+          <p:cNvSpPr txBox="1"/>
+          <p:nvPr/>
+        </p:nvSpPr>
+        <p:spPr>
+          <a:xfrm>
+            <a:off x="1554987" y="3048607"/>
+            <a:ext cx="722489" cy="387205"/>
+          </a:xfrm>
+          <a:prstGeom prst="rect">
+            <a:avLst/>
+          </a:prstGeom>
+          <a:noFill/>
+          <a:ln w="12700" cap="flat">
+            <a:noFill/>
+            <a:miter lim="400000"/>
+          </a:ln>
+          <a:effectLst/>
+          <a:extLst>
+            <a:ext uri="{C572A759-6A51-4108-AA02-DFA0A04FC94B}">
+              <ma14:wrappingTextBoxFlag xmlns:ma14="http://schemas.microsoft.com/office/mac/drawingml/2011/main" xmlns:a14="http://schemas.microsoft.com/office/drawing/2010/main" xmlns:m="http://schemas.openxmlformats.org/officeDocument/2006/math" xmlns="" val="1"/>
+            </a:ext>
+          </a:extLst>
+        </p:spPr>
+        <p:txBody>
+          <a:bodyPr wrap="none" lIns="54570" tIns="54570" rIns="54570" bIns="54570" numCol="1" anchor="ctr">
+            <a:spAutoFit/>
+          </a:bodyPr>
+          <a:lstStyle>
+            <a:lvl1pPr algn="ctr">
+              <a:spcBef>
+                <a:spcPts val="0"/>
+              </a:spcBef>
+              <a:defRPr>
+                <a:solidFill>
+                  <a:schemeClr val="accent1">
+                    <a:hueOff val="-206347"/>
+                    <a:satOff val="69104"/>
+                    <a:lumOff val="-8949"/>
+                  </a:schemeClr>
+                </a:solidFill>
+              </a:defRPr>
+            </a:lvl1pPr>
+          </a:lstStyle>
+          <a:p>
+            <a:r>
+              <a:rPr lang="es-AR" b="1" dirty="0" smtClean="0">
+                <a:solidFill>
+                  <a:schemeClr val="tx1"/>
+                </a:solidFill>
+              </a:rPr>
+              <a:t>Server</a:t>
+            </a:r>
+            <a:endParaRPr b="1" dirty="0">
+              <a:solidFill>
+                <a:schemeClr val="tx1"/>
+              </a:solidFill>
+            </a:endParaRPr>
+          </a:p>
+        </p:txBody>
+      </p:sp>
+      <p:sp>
+        <p:nvSpPr>
+          <p:cNvPr id="30" name="Rounded Rectangle"/>
+          <p:cNvSpPr/>
+          <p:nvPr/>
+        </p:nvSpPr>
+        <p:spPr>
+          <a:xfrm>
+            <a:off x="1349116" y="3429000"/>
+            <a:ext cx="6679268" cy="1907843"/>
+          </a:xfrm>
+          <a:prstGeom prst="roundRect">
+            <a:avLst>
+              <a:gd name="adj" fmla="val 15000"/>
+            </a:avLst>
+          </a:prstGeom>
+          <a:solidFill>
+            <a:schemeClr val="bg1">
+              <a:lumMod val="95000"/>
+            </a:schemeClr>
+          </a:solidFill>
+          <a:ln w="12700" cap="flat">
+            <a:noFill/>
+            <a:prstDash val="solid"/>
+            <a:miter lim="400000"/>
+          </a:ln>
+          <a:effectLst/>
+        </p:spPr>
+        <p:txBody>
+          <a:bodyPr wrap="square" lIns="54570" tIns="54570" rIns="54570" bIns="54570" numCol="1" anchor="ctr">
+            <a:noAutofit/>
+          </a:bodyPr>
+          <a:lstStyle/>
+          <a:p>
+            <a:pPr>
+              <a:lnSpc>
+                <a:spcPct val="80000"/>
+              </a:lnSpc>
+              <a:spcBef>
+                <a:spcPts val="0"/>
+              </a:spcBef>
+              <a:defRPr b="0">
+                <a:solidFill>
+                  <a:srgbClr val="000000"/>
+                </a:solidFill>
+              </a:defRPr>
+            </a:pPr>
+            <a:endParaRPr dirty="0"/>
+          </a:p>
+        </p:txBody>
+      </p:sp>
+      <p:cxnSp>
+        <p:nvCxnSpPr>
+          <p:cNvPr id="29" name="Straight Arrow Connector 28"/>
+          <p:cNvCxnSpPr/>
+          <p:nvPr/>
+        </p:nvCxnSpPr>
+        <p:spPr>
+          <a:xfrm flipH="1">
+            <a:off x="5076056" y="2636912"/>
+            <a:ext cx="1080120" cy="1357113"/>
+          </a:xfrm>
+          <a:prstGeom prst="straightConnector1">
+            <a:avLst/>
+          </a:prstGeom>
+          <a:ln>
+            <a:headEnd type="arrow" w="med" len="med"/>
+            <a:tailEnd type="none" w="med" len="med"/>
+          </a:ln>
+        </p:spPr>
+        <p:style>
+          <a:lnRef idx="2">
+            <a:schemeClr val="accent4"/>
+          </a:lnRef>
+          <a:fillRef idx="0">
+            <a:schemeClr val="accent4"/>
+          </a:fillRef>
+          <a:effectRef idx="1">
+            <a:schemeClr val="accent4"/>
+          </a:effectRef>
+          <a:fontRef idx="minor">
+            <a:schemeClr val="tx1"/>
+          </a:fontRef>
+        </p:style>
+      </p:cxnSp>
+      <p:sp>
+        <p:nvSpPr>
+          <p:cNvPr id="28" name="sidebarLayout()"/>
+          <p:cNvSpPr txBox="1"/>
+          <p:nvPr/>
+        </p:nvSpPr>
+        <p:spPr>
+          <a:xfrm>
+            <a:off x="3093802" y="4015711"/>
+            <a:ext cx="3126288" cy="1033536"/>
+          </a:xfrm>
+          <a:prstGeom prst="rect">
+            <a:avLst/>
+          </a:prstGeom>
+          <a:noFill/>
+          <a:ln w="12700" cap="flat">
+            <a:noFill/>
+            <a:miter lim="400000"/>
+          </a:ln>
+          <a:effectLst/>
+          <a:extLst>
+            <a:ext uri="{C572A759-6A51-4108-AA02-DFA0A04FC94B}">
+              <ma14:wrappingTextBoxFlag xmlns:ma14="http://schemas.microsoft.com/office/mac/drawingml/2011/main" xmlns:a14="http://schemas.microsoft.com/office/drawing/2010/main" xmlns:m="http://schemas.openxmlformats.org/officeDocument/2006/math" xmlns="" val="1"/>
+            </a:ext>
+          </a:extLst>
+        </p:spPr>
+        <p:txBody>
+          <a:bodyPr wrap="none" lIns="54570" tIns="54570" rIns="54570" bIns="54570" numCol="1" anchor="ctr">
+            <a:spAutoFit/>
+          </a:bodyPr>
+          <a:lstStyle>
+            <a:lvl1pPr algn="ctr">
+              <a:spcBef>
+                <a:spcPts val="0"/>
+              </a:spcBef>
+              <a:defRPr>
+                <a:solidFill>
+                  <a:schemeClr val="accent1">
+                    <a:hueOff val="-206347"/>
+                    <a:satOff val="69104"/>
+                    <a:lumOff val="-8949"/>
+                  </a:schemeClr>
+                </a:solidFill>
+              </a:defRPr>
+            </a:lvl1pPr>
+          </a:lstStyle>
+          <a:p>
+            <a:pPr algn="l"/>
+            <a:r>
+              <a:rPr lang="es-AR" sz="2000" b="1" dirty="0" err="1" smtClean="0">
+                <a:solidFill>
+                  <a:srgbClr val="00B050"/>
+                </a:solidFill>
+              </a:rPr>
+              <a:t>output$</a:t>
+            </a:r>
+            <a:r>
+              <a:rPr lang="es-AR" sz="2000" b="1" dirty="0" err="1" smtClean="0">
+                <a:solidFill>
+                  <a:srgbClr val="FFC000"/>
+                </a:solidFill>
+              </a:rPr>
+              <a:t>plot</a:t>
+            </a:r>
+            <a:r>
+              <a:rPr lang="es-AR" sz="2000" b="1" dirty="0" smtClean="0">
+                <a:solidFill>
+                  <a:srgbClr val="00B050"/>
+                </a:solidFill>
+              </a:rPr>
+              <a:t> </a:t>
+            </a:r>
+            <a:r>
+              <a:rPr lang="es-AR" sz="2000" b="1" dirty="0">
+                <a:solidFill>
+                  <a:srgbClr val="00B050"/>
+                </a:solidFill>
+              </a:rPr>
+              <a:t>&lt;- </a:t>
+            </a:r>
+            <a:r>
+              <a:rPr lang="es-AR" sz="2000" b="1" dirty="0" err="1">
+                <a:solidFill>
+                  <a:srgbClr val="00B050"/>
+                </a:solidFill>
+              </a:rPr>
+              <a:t>renderPlot</a:t>
+            </a:r>
+            <a:r>
+              <a:rPr lang="es-AR" sz="2000" b="1" dirty="0" smtClean="0">
+                <a:solidFill>
+                  <a:srgbClr val="00B050"/>
+                </a:solidFill>
+              </a:rPr>
+              <a:t>({ </a:t>
+            </a:r>
+          </a:p>
+          <a:p>
+            <a:pPr algn="l"/>
+            <a:r>
+              <a:rPr lang="es-AR" sz="2000" b="1" i="1" dirty="0" smtClean="0">
+                <a:solidFill>
+                  <a:schemeClr val="accent4">
+                    <a:lumMod val="50000"/>
+                  </a:schemeClr>
+                </a:solidFill>
+              </a:rPr>
+              <a:t>                 </a:t>
+            </a:r>
+            <a:r>
+              <a:rPr lang="es-AR" sz="2000" b="1" i="1" dirty="0" err="1" smtClean="0">
+                <a:solidFill>
+                  <a:schemeClr val="accent4">
+                    <a:lumMod val="50000"/>
+                  </a:schemeClr>
+                </a:solidFill>
+              </a:rPr>
+              <a:t>ggplot</a:t>
+            </a:r>
+            <a:r>
+              <a:rPr lang="es-AR" sz="2000" b="1" i="1" dirty="0" smtClean="0">
+                <a:solidFill>
+                  <a:schemeClr val="accent4">
+                    <a:lumMod val="50000"/>
+                  </a:schemeClr>
+                </a:solidFill>
+              </a:rPr>
+              <a:t> </a:t>
+            </a:r>
+            <a:r>
+              <a:rPr lang="es-AR" sz="2000" b="1" i="1" dirty="0" err="1" smtClean="0">
+                <a:solidFill>
+                  <a:schemeClr val="accent4">
+                    <a:lumMod val="50000"/>
+                  </a:schemeClr>
+                </a:solidFill>
+              </a:rPr>
+              <a:t>code</a:t>
+            </a:r>
+            <a:r>
+              <a:rPr lang="es-AR" sz="2000" b="1" i="1" dirty="0" smtClean="0">
+                <a:solidFill>
+                  <a:schemeClr val="accent4">
+                    <a:lumMod val="50000"/>
+                  </a:schemeClr>
+                </a:solidFill>
+              </a:rPr>
+              <a:t> </a:t>
+            </a:r>
+          </a:p>
+          <a:p>
+            <a:pPr algn="l"/>
+            <a:r>
+              <a:rPr lang="es-AR" sz="2000" b="1" dirty="0" smtClean="0">
+                <a:solidFill>
+                  <a:srgbClr val="00B050"/>
+                </a:solidFill>
+              </a:rPr>
+              <a:t>})</a:t>
+            </a:r>
+            <a:endParaRPr sz="2000" b="1" dirty="0">
+              <a:solidFill>
+                <a:srgbClr val="00B050"/>
+              </a:solidFill>
+            </a:endParaRPr>
+          </a:p>
+        </p:txBody>
+      </p:sp>
+      <p:cxnSp>
+        <p:nvCxnSpPr>
+          <p:cNvPr id="27" name="Straight Arrow Connector 26"/>
+          <p:cNvCxnSpPr/>
+          <p:nvPr/>
+        </p:nvCxnSpPr>
+        <p:spPr>
+          <a:xfrm flipH="1" flipV="1">
+            <a:off x="2945628" y="2478392"/>
+            <a:ext cx="1050308" cy="1515633"/>
+          </a:xfrm>
+          <a:prstGeom prst="straightConnector1">
+            <a:avLst/>
+          </a:prstGeom>
+          <a:ln>
+            <a:headEnd type="arrow" w="med" len="med"/>
+            <a:tailEnd type="none" w="med" len="med"/>
+          </a:ln>
+        </p:spPr>
+        <p:style>
+          <a:lnRef idx="2">
+            <a:schemeClr val="accent4"/>
+          </a:lnRef>
+          <a:fillRef idx="0">
+            <a:schemeClr val="accent4"/>
+          </a:fillRef>
+          <a:effectRef idx="1">
+            <a:schemeClr val="accent4"/>
+          </a:effectRef>
+          <a:fontRef idx="minor">
+            <a:schemeClr val="tx1"/>
+          </a:fontRef>
+        </p:style>
+      </p:cxnSp>
+      <p:sp>
+        <p:nvSpPr>
+          <p:cNvPr id="2" name="Rectangle 1"/>
+          <p:cNvSpPr/>
+          <p:nvPr/>
+        </p:nvSpPr>
+        <p:spPr>
+          <a:xfrm>
+            <a:off x="4288548" y="1949409"/>
+            <a:ext cx="3223959" cy="400110"/>
+          </a:xfrm>
+          <a:prstGeom prst="rect">
+            <a:avLst/>
+          </a:prstGeom>
+        </p:spPr>
+        <p:txBody>
+          <a:bodyPr wrap="none">
+            <a:spAutoFit/>
+          </a:bodyPr>
+          <a:lstStyle/>
+          <a:p>
+            <a:r>
+              <a:rPr lang="es-AR" sz="2000" b="1" dirty="0" err="1" smtClean="0">
+                <a:solidFill>
+                  <a:srgbClr val="00B050"/>
+                </a:solidFill>
+              </a:rPr>
+              <a:t>plotOutput</a:t>
+            </a:r>
+            <a:r>
+              <a:rPr lang="es-AR" sz="2000" b="1" dirty="0" smtClean="0">
+                <a:solidFill>
+                  <a:srgbClr val="00B050"/>
+                </a:solidFill>
+              </a:rPr>
+              <a:t>(</a:t>
+            </a:r>
+            <a:r>
+              <a:rPr lang="es-AR" sz="2000" dirty="0" err="1" smtClean="0"/>
+              <a:t>outputId</a:t>
+            </a:r>
+            <a:r>
+              <a:rPr lang="es-AR" sz="2000" dirty="0"/>
+              <a:t>=</a:t>
+            </a:r>
+            <a:r>
+              <a:rPr lang="es-AR" sz="2000" b="1" dirty="0" smtClean="0">
+                <a:solidFill>
+                  <a:srgbClr val="FFC000"/>
+                </a:solidFill>
+              </a:rPr>
+              <a:t>"</a:t>
+            </a:r>
+            <a:r>
+              <a:rPr lang="es-AR" sz="2000" b="1" dirty="0" err="1" smtClean="0">
+                <a:solidFill>
+                  <a:srgbClr val="FFC000"/>
+                </a:solidFill>
+              </a:rPr>
+              <a:t>plot</a:t>
+            </a:r>
+            <a:r>
+              <a:rPr lang="es-AR" sz="2000" b="1" dirty="0" smtClean="0">
+                <a:solidFill>
+                  <a:srgbClr val="FFC000"/>
+                </a:solidFill>
+              </a:rPr>
+              <a:t>"</a:t>
+            </a:r>
+            <a:r>
+              <a:rPr lang="es-AR" sz="2000" b="1" dirty="0" smtClean="0">
+                <a:solidFill>
+                  <a:srgbClr val="00B050"/>
+                </a:solidFill>
+              </a:rPr>
+              <a:t>)</a:t>
+            </a:r>
+            <a:endParaRPr lang="es-AR" sz="2000" b="1" dirty="0">
+              <a:solidFill>
+                <a:srgbClr val="00B050"/>
+              </a:solidFill>
+            </a:endParaRPr>
+          </a:p>
+        </p:txBody>
+      </p:sp>
+    </p:spTree>
+    <p:extLst>
+      <p:ext uri="{BB962C8B-B14F-4D97-AF65-F5344CB8AC3E}">
+        <p14:creationId xmlns:p14="http://schemas.microsoft.com/office/powerpoint/2010/main" val="1002750039"/>
+      </p:ext>
+    </p:extLst>
+  </p:cSld>
+  <p:clrMapOvr>
+    <a:masterClrMapping/>
+  </p:clrMapOvr>
+  <p:timing>
+    <p:tnLst>
+      <p:par>
+        <p:cTn id="1" dur="indefinite" restart="never" nodeType="tmRoot"/>
+      </p:par>
+    </p:tnLst>
+  </p:timing>
+</p:sld>
+</file>
+
+<file path=ppt/slides/slide8.xml><?xml version="1.0" encoding="utf-8"?>
 <p:sld xmlns:a="http://schemas.openxmlformats.org/drawingml/2006/main" xmlns:r="http://schemas.openxmlformats.org/officeDocument/2006/relationships" xmlns:p="http://schemas.openxmlformats.org/presentationml/2006/main">
   <p:cSld>
     <p:spTree>

--- a/shiny2020.pptx
+++ b/shiny2020.pptx
@@ -8,11 +8,12 @@
     <p:sldId id="256" r:id="rId2"/>
     <p:sldId id="257" r:id="rId3"/>
     <p:sldId id="259" r:id="rId4"/>
-    <p:sldId id="260" r:id="rId5"/>
-    <p:sldId id="262" r:id="rId6"/>
-    <p:sldId id="266" r:id="rId7"/>
-    <p:sldId id="268" r:id="rId8"/>
-    <p:sldId id="258" r:id="rId9"/>
+    <p:sldId id="269" r:id="rId5"/>
+    <p:sldId id="260" r:id="rId6"/>
+    <p:sldId id="262" r:id="rId7"/>
+    <p:sldId id="266" r:id="rId8"/>
+    <p:sldId id="268" r:id="rId9"/>
+    <p:sldId id="258" r:id="rId10"/>
   </p:sldIdLst>
   <p:sldSz cx="9144000" cy="6858000" type="screen4x3"/>
   <p:notesSz cx="6858000" cy="9144000"/>
@@ -295,7 +296,7 @@
           <a:p>
             <a:fld id="{7FD8FD76-7B6C-4240-991D-8D6DF7C92B80}" type="datetimeFigureOut">
               <a:rPr lang="es-AR" smtClean="0"/>
-              <a:t>26/1/2020</a:t>
+              <a:t>4/2/2020</a:t>
             </a:fld>
             <a:endParaRPr lang="es-AR"/>
           </a:p>
@@ -465,7 +466,7 @@
           <a:p>
             <a:fld id="{7FD8FD76-7B6C-4240-991D-8D6DF7C92B80}" type="datetimeFigureOut">
               <a:rPr lang="es-AR" smtClean="0"/>
-              <a:t>26/1/2020</a:t>
+              <a:t>4/2/2020</a:t>
             </a:fld>
             <a:endParaRPr lang="es-AR"/>
           </a:p>
@@ -645,7 +646,7 @@
           <a:p>
             <a:fld id="{7FD8FD76-7B6C-4240-991D-8D6DF7C92B80}" type="datetimeFigureOut">
               <a:rPr lang="es-AR" smtClean="0"/>
-              <a:t>26/1/2020</a:t>
+              <a:t>4/2/2020</a:t>
             </a:fld>
             <a:endParaRPr lang="es-AR"/>
           </a:p>
@@ -815,7 +816,7 @@
           <a:p>
             <a:fld id="{7FD8FD76-7B6C-4240-991D-8D6DF7C92B80}" type="datetimeFigureOut">
               <a:rPr lang="es-AR" smtClean="0"/>
-              <a:t>26/1/2020</a:t>
+              <a:t>4/2/2020</a:t>
             </a:fld>
             <a:endParaRPr lang="es-AR"/>
           </a:p>
@@ -1061,7 +1062,7 @@
           <a:p>
             <a:fld id="{7FD8FD76-7B6C-4240-991D-8D6DF7C92B80}" type="datetimeFigureOut">
               <a:rPr lang="es-AR" smtClean="0"/>
-              <a:t>26/1/2020</a:t>
+              <a:t>4/2/2020</a:t>
             </a:fld>
             <a:endParaRPr lang="es-AR"/>
           </a:p>
@@ -1349,7 +1350,7 @@
           <a:p>
             <a:fld id="{7FD8FD76-7B6C-4240-991D-8D6DF7C92B80}" type="datetimeFigureOut">
               <a:rPr lang="es-AR" smtClean="0"/>
-              <a:t>26/1/2020</a:t>
+              <a:t>4/2/2020</a:t>
             </a:fld>
             <a:endParaRPr lang="es-AR"/>
           </a:p>
@@ -1771,7 +1772,7 @@
           <a:p>
             <a:fld id="{7FD8FD76-7B6C-4240-991D-8D6DF7C92B80}" type="datetimeFigureOut">
               <a:rPr lang="es-AR" smtClean="0"/>
-              <a:t>26/1/2020</a:t>
+              <a:t>4/2/2020</a:t>
             </a:fld>
             <a:endParaRPr lang="es-AR"/>
           </a:p>
@@ -1889,7 +1890,7 @@
           <a:p>
             <a:fld id="{7FD8FD76-7B6C-4240-991D-8D6DF7C92B80}" type="datetimeFigureOut">
               <a:rPr lang="es-AR" smtClean="0"/>
-              <a:t>26/1/2020</a:t>
+              <a:t>4/2/2020</a:t>
             </a:fld>
             <a:endParaRPr lang="es-AR"/>
           </a:p>
@@ -1984,7 +1985,7 @@
           <a:p>
             <a:fld id="{7FD8FD76-7B6C-4240-991D-8D6DF7C92B80}" type="datetimeFigureOut">
               <a:rPr lang="es-AR" smtClean="0"/>
-              <a:t>26/1/2020</a:t>
+              <a:t>4/2/2020</a:t>
             </a:fld>
             <a:endParaRPr lang="es-AR"/>
           </a:p>
@@ -2261,7 +2262,7 @@
           <a:p>
             <a:fld id="{7FD8FD76-7B6C-4240-991D-8D6DF7C92B80}" type="datetimeFigureOut">
               <a:rPr lang="es-AR" smtClean="0"/>
-              <a:t>26/1/2020</a:t>
+              <a:t>4/2/2020</a:t>
             </a:fld>
             <a:endParaRPr lang="es-AR"/>
           </a:p>
@@ -2514,7 +2515,7 @@
           <a:p>
             <a:fld id="{7FD8FD76-7B6C-4240-991D-8D6DF7C92B80}" type="datetimeFigureOut">
               <a:rPr lang="es-AR" smtClean="0"/>
-              <a:t>26/1/2020</a:t>
+              <a:t>4/2/2020</a:t>
             </a:fld>
             <a:endParaRPr lang="es-AR"/>
           </a:p>
@@ -2727,7 +2728,7 @@
           <a:p>
             <a:fld id="{7FD8FD76-7B6C-4240-991D-8D6DF7C92B80}" type="datetimeFigureOut">
               <a:rPr lang="es-AR" smtClean="0"/>
-              <a:t>26/1/2020</a:t>
+              <a:t>4/2/2020</a:t>
             </a:fld>
             <a:endParaRPr lang="es-AR"/>
           </a:p>
@@ -3274,7 +3275,7 @@
               <a:effectLst/>
               <a:extLst>
                 <a:ext uri="{C572A759-6A51-4108-AA02-DFA0A04FC94B}">
-                  <ma14:wrappingTextBoxFlag xmlns:ma14="http://schemas.microsoft.com/office/mac/drawingml/2011/main" xmlns:a14="http://schemas.microsoft.com/office/drawing/2010/main" xmlns:m="http://schemas.openxmlformats.org/officeDocument/2006/math" xmlns="" val="1"/>
+                  <ma14:wrappingTextBoxFlag xmlns="" xmlns:m="http://schemas.openxmlformats.org/officeDocument/2006/math" xmlns:a14="http://schemas.microsoft.com/office/drawing/2010/main" xmlns:ma14="http://schemas.microsoft.com/office/mac/drawingml/2011/main" val="1"/>
                 </a:ext>
               </a:extLst>
             </p:spPr>
@@ -3349,7 +3350,7 @@
               <a:effectLst/>
               <a:extLst>
                 <a:ext uri="{C572A759-6A51-4108-AA02-DFA0A04FC94B}">
-                  <ma14:wrappingTextBoxFlag xmlns:ma14="http://schemas.microsoft.com/office/mac/drawingml/2011/main" xmlns:a14="http://schemas.microsoft.com/office/drawing/2010/main" xmlns:m="http://schemas.openxmlformats.org/officeDocument/2006/math" xmlns="" val="1"/>
+                  <ma14:wrappingTextBoxFlag xmlns="" xmlns:m="http://schemas.openxmlformats.org/officeDocument/2006/math" xmlns:a14="http://schemas.microsoft.com/office/drawing/2010/main" xmlns:ma14="http://schemas.microsoft.com/office/mac/drawingml/2011/main" val="1"/>
                 </a:ext>
               </a:extLst>
             </p:spPr>
@@ -3421,7 +3422,7 @@
             <a:effectLst/>
             <a:extLst>
               <a:ext uri="{C572A759-6A51-4108-AA02-DFA0A04FC94B}">
-                <ma14:wrappingTextBoxFlag xmlns:ma14="http://schemas.microsoft.com/office/mac/drawingml/2011/main" xmlns:a14="http://schemas.microsoft.com/office/drawing/2010/main" xmlns:m="http://schemas.openxmlformats.org/officeDocument/2006/math" xmlns="" val="1"/>
+                <ma14:wrappingTextBoxFlag xmlns="" xmlns:m="http://schemas.openxmlformats.org/officeDocument/2006/math" xmlns:a14="http://schemas.microsoft.com/office/drawing/2010/main" xmlns:ma14="http://schemas.microsoft.com/office/mac/drawingml/2011/main" val="1"/>
               </a:ext>
             </a:extLst>
           </p:spPr>
@@ -3517,7 +3518,7 @@
           <a:effectLst/>
           <a:extLst>
             <a:ext uri="{C572A759-6A51-4108-AA02-DFA0A04FC94B}">
-              <ma14:wrappingTextBoxFlag xmlns:ma14="http://schemas.microsoft.com/office/mac/drawingml/2011/main" xmlns:a14="http://schemas.microsoft.com/office/drawing/2010/main" xmlns:m="http://schemas.openxmlformats.org/officeDocument/2006/math" xmlns="" val="1"/>
+              <ma14:wrappingTextBoxFlag xmlns="" xmlns:m="http://schemas.openxmlformats.org/officeDocument/2006/math" xmlns:a14="http://schemas.microsoft.com/office/drawing/2010/main" xmlns:ma14="http://schemas.microsoft.com/office/mac/drawingml/2011/main" val="1"/>
             </a:ext>
           </a:extLst>
         </p:spPr>
@@ -4051,7 +4052,7 @@
                 <a:effectLst/>
                 <a:extLst>
                   <a:ext uri="{C572A759-6A51-4108-AA02-DFA0A04FC94B}">
-                    <ma14:wrappingTextBoxFlag xmlns:ma14="http://schemas.microsoft.com/office/mac/drawingml/2011/main" xmlns:a14="http://schemas.microsoft.com/office/drawing/2010/main" xmlns:m="http://schemas.openxmlformats.org/officeDocument/2006/math" xmlns="" val="1"/>
+                    <ma14:wrappingTextBoxFlag xmlns="" xmlns:m="http://schemas.openxmlformats.org/officeDocument/2006/math" xmlns:a14="http://schemas.microsoft.com/office/drawing/2010/main" xmlns:ma14="http://schemas.microsoft.com/office/mac/drawingml/2011/main" val="1"/>
                   </a:ext>
                 </a:extLst>
               </p:spPr>
@@ -4126,7 +4127,7 @@
                 <a:effectLst/>
                 <a:extLst>
                   <a:ext uri="{C572A759-6A51-4108-AA02-DFA0A04FC94B}">
-                    <ma14:wrappingTextBoxFlag xmlns:ma14="http://schemas.microsoft.com/office/mac/drawingml/2011/main" xmlns:a14="http://schemas.microsoft.com/office/drawing/2010/main" xmlns:m="http://schemas.openxmlformats.org/officeDocument/2006/math" xmlns="" val="1"/>
+                    <ma14:wrappingTextBoxFlag xmlns="" xmlns:m="http://schemas.openxmlformats.org/officeDocument/2006/math" xmlns:a14="http://schemas.microsoft.com/office/drawing/2010/main" xmlns:ma14="http://schemas.microsoft.com/office/mac/drawingml/2011/main" val="1"/>
                   </a:ext>
                 </a:extLst>
               </p:spPr>
@@ -4198,7 +4199,7 @@
               <a:effectLst/>
               <a:extLst>
                 <a:ext uri="{C572A759-6A51-4108-AA02-DFA0A04FC94B}">
-                  <ma14:wrappingTextBoxFlag xmlns:ma14="http://schemas.microsoft.com/office/mac/drawingml/2011/main" xmlns:a14="http://schemas.microsoft.com/office/drawing/2010/main" xmlns:m="http://schemas.openxmlformats.org/officeDocument/2006/math" xmlns="" val="1"/>
+                  <ma14:wrappingTextBoxFlag xmlns="" xmlns:m="http://schemas.openxmlformats.org/officeDocument/2006/math" xmlns:a14="http://schemas.microsoft.com/office/drawing/2010/main" xmlns:ma14="http://schemas.microsoft.com/office/mac/drawingml/2011/main" val="1"/>
                 </a:ext>
               </a:extLst>
             </p:spPr>
@@ -4294,7 +4295,7 @@
             <a:effectLst/>
             <a:extLst>
               <a:ext uri="{C572A759-6A51-4108-AA02-DFA0A04FC94B}">
-                <ma14:wrappingTextBoxFlag xmlns:ma14="http://schemas.microsoft.com/office/mac/drawingml/2011/main" xmlns:a14="http://schemas.microsoft.com/office/drawing/2010/main" xmlns:m="http://schemas.openxmlformats.org/officeDocument/2006/math" xmlns="" val="1"/>
+                <ma14:wrappingTextBoxFlag xmlns="" xmlns:m="http://schemas.openxmlformats.org/officeDocument/2006/math" xmlns:a14="http://schemas.microsoft.com/office/drawing/2010/main" xmlns:ma14="http://schemas.microsoft.com/office/mac/drawingml/2011/main" val="1"/>
               </a:ext>
             </a:extLst>
           </p:spPr>
@@ -5001,13 +5002,6 @@
               </a:rPr>
               <a:t>(…)</a:t>
             </a:r>
-            <a:endParaRPr lang="es-AR" sz="2400" b="1" dirty="0" smtClean="0">
-              <a:solidFill>
-                <a:schemeClr val="accent4">
-                  <a:lumMod val="50000"/>
-                </a:schemeClr>
-              </a:solidFill>
-            </a:endParaRPr>
           </a:p>
           <a:p>
             <a:endParaRPr lang="es-AR" sz="2400" b="1" dirty="0"/>
@@ -5194,10 +5188,10 @@
         </p:nvGrpSpPr>
         <p:grpSpPr>
           <a:xfrm>
-            <a:off x="926893" y="1155555"/>
-            <a:ext cx="7625330" cy="3713605"/>
-            <a:chOff x="1079381" y="1826604"/>
-            <a:chExt cx="7625330" cy="3713605"/>
+            <a:off x="911828" y="218908"/>
+            <a:ext cx="7640395" cy="5530279"/>
+            <a:chOff x="1064316" y="889957"/>
+            <a:chExt cx="7640395" cy="5530279"/>
           </a:xfrm>
         </p:grpSpPr>
         <p:grpSp>
@@ -5305,7 +5299,7 @@
                 <a:effectLst/>
                 <a:extLst>
                   <a:ext uri="{C572A759-6A51-4108-AA02-DFA0A04FC94B}">
-                    <ma14:wrappingTextBoxFlag xmlns:ma14="http://schemas.microsoft.com/office/mac/drawingml/2011/main" xmlns:a14="http://schemas.microsoft.com/office/drawing/2010/main" xmlns:m="http://schemas.openxmlformats.org/officeDocument/2006/math" xmlns="" val="1"/>
+                    <ma14:wrappingTextBoxFlag xmlns="" xmlns:m="http://schemas.openxmlformats.org/officeDocument/2006/math" xmlns:a14="http://schemas.microsoft.com/office/drawing/2010/main" xmlns:ma14="http://schemas.microsoft.com/office/mac/drawingml/2011/main" val="1"/>
                   </a:ext>
                 </a:extLst>
               </p:spPr>
@@ -5380,7 +5374,7 @@
                 <a:effectLst/>
                 <a:extLst>
                   <a:ext uri="{C572A759-6A51-4108-AA02-DFA0A04FC94B}">
-                    <ma14:wrappingTextBoxFlag xmlns:ma14="http://schemas.microsoft.com/office/mac/drawingml/2011/main" xmlns:a14="http://schemas.microsoft.com/office/drawing/2010/main" xmlns:m="http://schemas.openxmlformats.org/officeDocument/2006/math" xmlns="" val="1"/>
+                    <ma14:wrappingTextBoxFlag xmlns="" xmlns:m="http://schemas.openxmlformats.org/officeDocument/2006/math" xmlns:a14="http://schemas.microsoft.com/office/drawing/2010/main" xmlns:ma14="http://schemas.microsoft.com/office/mac/drawingml/2011/main" val="1"/>
                   </a:ext>
                 </a:extLst>
               </p:spPr>
@@ -5452,7 +5446,1074 @@
               <a:effectLst/>
               <a:extLst>
                 <a:ext uri="{C572A759-6A51-4108-AA02-DFA0A04FC94B}">
-                  <ma14:wrappingTextBoxFlag xmlns:ma14="http://schemas.microsoft.com/office/mac/drawingml/2011/main" xmlns:a14="http://schemas.microsoft.com/office/drawing/2010/main" xmlns:m="http://schemas.openxmlformats.org/officeDocument/2006/math" xmlns="" val="1"/>
+                  <ma14:wrappingTextBoxFlag xmlns="" xmlns:m="http://schemas.openxmlformats.org/officeDocument/2006/math" xmlns:a14="http://schemas.microsoft.com/office/drawing/2010/main" xmlns:ma14="http://schemas.microsoft.com/office/mac/drawingml/2011/main" val="1"/>
+                </a:ext>
+              </a:extLst>
+            </p:spPr>
+            <p:txBody>
+              <a:bodyPr wrap="none" lIns="54570" tIns="54570" rIns="54570" bIns="54570" numCol="1" anchor="ctr">
+                <a:spAutoFit/>
+              </a:bodyPr>
+              <a:lstStyle>
+                <a:lvl1pPr algn="ctr">
+                  <a:spcBef>
+                    <a:spcPts val="0"/>
+                  </a:spcBef>
+                  <a:defRPr>
+                    <a:solidFill>
+                      <a:schemeClr val="accent1">
+                        <a:hueOff val="-206347"/>
+                        <a:satOff val="69104"/>
+                        <a:lumOff val="-8949"/>
+                      </a:schemeClr>
+                    </a:solidFill>
+                  </a:defRPr>
+                </a:lvl1pPr>
+              </a:lstStyle>
+              <a:p>
+                <a:r>
+                  <a:rPr b="1" dirty="0"/>
+                  <a:t>sidebarLayout()</a:t>
+                </a:r>
+              </a:p>
+            </p:txBody>
+          </p:sp>
+        </p:grpSp>
+        <p:sp>
+          <p:nvSpPr>
+            <p:cNvPr id="2" name="Right Brace 1"/>
+            <p:cNvSpPr/>
+            <p:nvPr/>
+          </p:nvSpPr>
+          <p:spPr>
+            <a:xfrm rot="16200000">
+              <a:off x="3196203" y="325113"/>
+              <a:ext cx="612068" cy="4875835"/>
+            </a:xfrm>
+            <a:prstGeom prst="rightBrace">
+              <a:avLst>
+                <a:gd name="adj1" fmla="val 8333"/>
+                <a:gd name="adj2" fmla="val 72445"/>
+              </a:avLst>
+            </a:prstGeom>
+          </p:spPr>
+          <p:style>
+            <a:lnRef idx="2">
+              <a:schemeClr val="dk1"/>
+            </a:lnRef>
+            <a:fillRef idx="0">
+              <a:schemeClr val="dk1"/>
+            </a:fillRef>
+            <a:effectRef idx="1">
+              <a:schemeClr val="dk1"/>
+            </a:effectRef>
+            <a:fontRef idx="minor">
+              <a:schemeClr val="tx1"/>
+            </a:fontRef>
+          </p:style>
+          <p:txBody>
+            <a:bodyPr rtlCol="0" anchor="ctr"/>
+            <a:lstStyle/>
+            <a:p>
+              <a:pPr algn="ctr"/>
+              <a:endParaRPr lang="es-AR"/>
+            </a:p>
+          </p:txBody>
+        </p:sp>
+        <p:sp>
+          <p:nvSpPr>
+            <p:cNvPr id="10" name="sidebarLayout()"/>
+            <p:cNvSpPr txBox="1"/>
+            <p:nvPr/>
+          </p:nvSpPr>
+          <p:spPr>
+            <a:xfrm>
+              <a:off x="2023516" y="2023625"/>
+              <a:ext cx="2324658" cy="479538"/>
+            </a:xfrm>
+            <a:prstGeom prst="rect">
+              <a:avLst/>
+            </a:prstGeom>
+            <a:noFill/>
+            <a:ln w="12700" cap="flat">
+              <a:noFill/>
+              <a:miter lim="400000"/>
+            </a:ln>
+            <a:effectLst/>
+            <a:extLst>
+              <a:ext uri="{C572A759-6A51-4108-AA02-DFA0A04FC94B}">
+                <ma14:wrappingTextBoxFlag xmlns="" xmlns:m="http://schemas.openxmlformats.org/officeDocument/2006/math" xmlns:a14="http://schemas.microsoft.com/office/drawing/2010/main" xmlns:ma14="http://schemas.microsoft.com/office/mac/drawingml/2011/main" val="1"/>
+              </a:ext>
+            </a:extLst>
+          </p:spPr>
+          <p:txBody>
+            <a:bodyPr wrap="none" lIns="54570" tIns="54570" rIns="54570" bIns="54570" numCol="1" anchor="ctr">
+              <a:spAutoFit/>
+            </a:bodyPr>
+            <a:lstStyle>
+              <a:lvl1pPr algn="ctr">
+                <a:spcBef>
+                  <a:spcPts val="0"/>
+                </a:spcBef>
+                <a:defRPr>
+                  <a:solidFill>
+                    <a:schemeClr val="accent1">
+                      <a:hueOff val="-206347"/>
+                      <a:satOff val="69104"/>
+                      <a:lumOff val="-8949"/>
+                    </a:schemeClr>
+                  </a:solidFill>
+                </a:defRPr>
+              </a:lvl1pPr>
+            </a:lstStyle>
+            <a:p>
+              <a:r>
+                <a:rPr sz="2400" b="1" dirty="0" err="1">
+                  <a:solidFill>
+                    <a:schemeClr val="tx1"/>
+                  </a:solidFill>
+                </a:rPr>
+                <a:t>sidebarLayout</a:t>
+              </a:r>
+              <a:r>
+                <a:rPr sz="2400" b="1" dirty="0" smtClean="0">
+                  <a:solidFill>
+                    <a:srgbClr val="FF5050"/>
+                  </a:solidFill>
+                </a:rPr>
+                <a:t>(</a:t>
+              </a:r>
+              <a:r>
+                <a:rPr lang="es-AR" sz="2400" b="1" dirty="0" smtClean="0">
+                  <a:solidFill>
+                    <a:srgbClr val="FF5050"/>
+                  </a:solidFill>
+                </a:rPr>
+                <a:t>…</a:t>
+              </a:r>
+              <a:r>
+                <a:rPr sz="2400" b="1" dirty="0" smtClean="0">
+                  <a:solidFill>
+                    <a:srgbClr val="FF5050"/>
+                  </a:solidFill>
+                </a:rPr>
+                <a:t>)</a:t>
+              </a:r>
+              <a:endParaRPr sz="2400" b="1" dirty="0">
+                <a:solidFill>
+                  <a:srgbClr val="FF5050"/>
+                </a:solidFill>
+              </a:endParaRPr>
+            </a:p>
+          </p:txBody>
+        </p:sp>
+        <p:sp>
+          <p:nvSpPr>
+            <p:cNvPr id="11" name="Rectangle 10"/>
+            <p:cNvSpPr/>
+            <p:nvPr/>
+          </p:nvSpPr>
+          <p:spPr>
+            <a:xfrm>
+              <a:off x="1064316" y="3883327"/>
+              <a:ext cx="1821717" cy="461665"/>
+            </a:xfrm>
+            <a:prstGeom prst="rect">
+              <a:avLst/>
+            </a:prstGeom>
+          </p:spPr>
+          <p:txBody>
+            <a:bodyPr wrap="none">
+              <a:spAutoFit/>
+            </a:bodyPr>
+            <a:lstStyle/>
+            <a:p>
+              <a:r>
+                <a:rPr lang="es-AR" sz="2400" b="1" dirty="0" smtClean="0">
+                  <a:solidFill>
+                    <a:schemeClr val="tx1"/>
+                  </a:solidFill>
+                </a:rPr>
+                <a:t>sidePanel</a:t>
+              </a:r>
+              <a:r>
+                <a:rPr lang="es-AR" sz="2400" b="1" dirty="0" smtClean="0">
+                  <a:solidFill>
+                    <a:srgbClr val="FF5050"/>
+                  </a:solidFill>
+                </a:rPr>
+                <a:t>(…)</a:t>
+              </a:r>
+              <a:endParaRPr lang="es-AR" sz="2400" b="1" dirty="0">
+                <a:solidFill>
+                  <a:srgbClr val="FF5050"/>
+                </a:solidFill>
+              </a:endParaRPr>
+            </a:p>
+          </p:txBody>
+        </p:sp>
+        <p:sp>
+          <p:nvSpPr>
+            <p:cNvPr id="12" name="Rectangle 11"/>
+            <p:cNvSpPr/>
+            <p:nvPr/>
+          </p:nvSpPr>
+          <p:spPr>
+            <a:xfrm>
+              <a:off x="3185845" y="3883327"/>
+              <a:ext cx="2014078" cy="461665"/>
+            </a:xfrm>
+            <a:prstGeom prst="rect">
+              <a:avLst/>
+            </a:prstGeom>
+          </p:spPr>
+          <p:txBody>
+            <a:bodyPr wrap="none">
+              <a:spAutoFit/>
+            </a:bodyPr>
+            <a:lstStyle/>
+            <a:p>
+              <a:r>
+                <a:rPr lang="es-AR" sz="2400" b="1" dirty="0" err="1" smtClean="0"/>
+                <a:t>mainPanel</a:t>
+              </a:r>
+              <a:r>
+                <a:rPr lang="es-AR" sz="2400" b="1" dirty="0" smtClean="0">
+                  <a:solidFill>
+                    <a:schemeClr val="tx1"/>
+                  </a:solidFill>
+                </a:rPr>
+                <a:t> </a:t>
+              </a:r>
+              <a:r>
+                <a:rPr lang="es-AR" sz="2400" b="1" dirty="0" smtClean="0">
+                  <a:solidFill>
+                    <a:srgbClr val="FF5050"/>
+                  </a:solidFill>
+                </a:rPr>
+                <a:t>(…)</a:t>
+              </a:r>
+              <a:endParaRPr lang="es-AR" sz="2400" b="1" dirty="0">
+                <a:solidFill>
+                  <a:srgbClr val="FF5050"/>
+                </a:solidFill>
+              </a:endParaRPr>
+            </a:p>
+          </p:txBody>
+        </p:sp>
+        <p:pic>
+          <p:nvPicPr>
+            <p:cNvPr id="1026" name="Picture 2"/>
+            <p:cNvPicPr>
+              <a:picLocks noChangeAspect="1" noChangeArrowheads="1"/>
+            </p:cNvPicPr>
+            <p:nvPr/>
+          </p:nvPicPr>
+          <p:blipFill>
+            <a:blip r:embed="rId2">
+              <a:extLst>
+                <a:ext uri="{BEBA8EAE-BF5A-486C-A8C5-ECC9F3942E4B}">
+                  <a14:imgProps xmlns:a14="http://schemas.microsoft.com/office/drawing/2010/main">
+                    <a14:imgLayer r:embed="rId3">
+                      <a14:imgEffect>
+                        <a14:brightnessContrast bright="20000"/>
+                      </a14:imgEffect>
+                    </a14:imgLayer>
+                  </a14:imgProps>
+                </a:ext>
+                <a:ext uri="{28A0092B-C50C-407E-A947-70E740481C1C}">
+                  <a14:useLocalDpi xmlns:a14="http://schemas.microsoft.com/office/drawing/2010/main" val="0"/>
+                </a:ext>
+              </a:extLst>
+            </a:blip>
+            <a:srcRect/>
+            <a:stretch>
+              <a:fillRect/>
+            </a:stretch>
+          </p:blipFill>
+          <p:spPr bwMode="auto">
+            <a:xfrm>
+              <a:off x="3729009" y="889957"/>
+              <a:ext cx="626967" cy="1170891"/>
+            </a:xfrm>
+            <a:prstGeom prst="rect">
+              <a:avLst/>
+            </a:prstGeom>
+            <a:noFill/>
+            <a:ln>
+              <a:noFill/>
+            </a:ln>
+            <a:effectLst/>
+            <a:extLst>
+              <a:ext uri="{909E8E84-426E-40DD-AFC4-6F175D3DCCD1}">
+                <a14:hiddenFill xmlns:a14="http://schemas.microsoft.com/office/drawing/2010/main">
+                  <a:solidFill>
+                    <a:schemeClr val="accent1"/>
+                  </a:solidFill>
+                </a14:hiddenFill>
+              </a:ext>
+              <a:ext uri="{91240B29-F687-4F45-9708-019B960494DF}">
+                <a14:hiddenLine xmlns:a14="http://schemas.microsoft.com/office/drawing/2010/main" w="9525">
+                  <a:solidFill>
+                    <a:schemeClr val="tx1"/>
+                  </a:solidFill>
+                  <a:miter lim="800000"/>
+                  <a:headEnd/>
+                  <a:tailEnd/>
+                </a14:hiddenLine>
+              </a:ext>
+              <a:ext uri="{AF507438-7753-43E0-B8FC-AC1667EBCBE1}">
+                <a14:hiddenEffects xmlns:a14="http://schemas.microsoft.com/office/drawing/2010/main">
+                  <a:effectLst>
+                    <a:outerShdw dist="35921" dir="2700000" algn="ctr" rotWithShape="0">
+                      <a:schemeClr val="bg2"/>
+                    </a:outerShdw>
+                  </a:effectLst>
+                </a14:hiddenEffects>
+              </a:ext>
+            </a:extLst>
+          </p:spPr>
+        </p:pic>
+        <p:pic>
+          <p:nvPicPr>
+            <p:cNvPr id="1027" name="Picture 3"/>
+            <p:cNvPicPr>
+              <a:picLocks noChangeAspect="1" noChangeArrowheads="1"/>
+            </p:cNvPicPr>
+            <p:nvPr/>
+          </p:nvPicPr>
+          <p:blipFill>
+            <a:blip r:embed="rId4">
+              <a:extLst>
+                <a:ext uri="{BEBA8EAE-BF5A-486C-A8C5-ECC9F3942E4B}">
+                  <a14:imgProps xmlns:a14="http://schemas.microsoft.com/office/drawing/2010/main">
+                    <a14:imgLayer r:embed="rId5">
+                      <a14:imgEffect>
+                        <a14:brightnessContrast bright="20000" contrast="20000"/>
+                      </a14:imgEffect>
+                    </a14:imgLayer>
+                  </a14:imgProps>
+                </a:ext>
+                <a:ext uri="{28A0092B-C50C-407E-A947-70E740481C1C}">
+                  <a14:useLocalDpi xmlns:a14="http://schemas.microsoft.com/office/drawing/2010/main" val="0"/>
+                </a:ext>
+              </a:extLst>
+            </a:blip>
+            <a:srcRect/>
+            <a:stretch>
+              <a:fillRect/>
+            </a:stretch>
+          </p:blipFill>
+          <p:spPr bwMode="auto">
+            <a:xfrm>
+              <a:off x="2307329" y="3125189"/>
+              <a:ext cx="512931" cy="807867"/>
+            </a:xfrm>
+            <a:prstGeom prst="rect">
+              <a:avLst/>
+            </a:prstGeom>
+            <a:noFill/>
+            <a:ln>
+              <a:noFill/>
+            </a:ln>
+            <a:effectLst/>
+            <a:extLst>
+              <a:ext uri="{909E8E84-426E-40DD-AFC4-6F175D3DCCD1}">
+                <a14:hiddenFill xmlns:a14="http://schemas.microsoft.com/office/drawing/2010/main">
+                  <a:solidFill>
+                    <a:schemeClr val="accent1"/>
+                  </a:solidFill>
+                </a14:hiddenFill>
+              </a:ext>
+              <a:ext uri="{91240B29-F687-4F45-9708-019B960494DF}">
+                <a14:hiddenLine xmlns:a14="http://schemas.microsoft.com/office/drawing/2010/main" w="9525">
+                  <a:solidFill>
+                    <a:schemeClr val="tx1"/>
+                  </a:solidFill>
+                  <a:miter lim="800000"/>
+                  <a:headEnd/>
+                  <a:tailEnd/>
+                </a14:hiddenLine>
+              </a:ext>
+              <a:ext uri="{AF507438-7753-43E0-B8FC-AC1667EBCBE1}">
+                <a14:hiddenEffects xmlns:a14="http://schemas.microsoft.com/office/drawing/2010/main">
+                  <a:effectLst>
+                    <a:outerShdw dist="35921" dir="2700000" algn="ctr" rotWithShape="0">
+                      <a:schemeClr val="bg2"/>
+                    </a:outerShdw>
+                  </a:effectLst>
+                </a14:hiddenEffects>
+              </a:ext>
+            </a:extLst>
+          </p:spPr>
+        </p:pic>
+        <p:pic>
+          <p:nvPicPr>
+            <p:cNvPr id="15" name="Picture 3"/>
+            <p:cNvPicPr>
+              <a:picLocks noChangeAspect="1" noChangeArrowheads="1"/>
+            </p:cNvPicPr>
+            <p:nvPr/>
+          </p:nvPicPr>
+          <p:blipFill>
+            <a:blip r:embed="rId6">
+              <a:extLst>
+                <a:ext uri="{BEBA8EAE-BF5A-486C-A8C5-ECC9F3942E4B}">
+                  <a14:imgProps xmlns:a14="http://schemas.microsoft.com/office/drawing/2010/main">
+                    <a14:imgLayer r:embed="rId5">
+                      <a14:imgEffect>
+                        <a14:brightnessContrast bright="20000"/>
+                      </a14:imgEffect>
+                    </a14:imgLayer>
+                  </a14:imgProps>
+                </a:ext>
+                <a:ext uri="{28A0092B-C50C-407E-A947-70E740481C1C}">
+                  <a14:useLocalDpi xmlns:a14="http://schemas.microsoft.com/office/drawing/2010/main" val="0"/>
+                </a:ext>
+              </a:extLst>
+            </a:blip>
+            <a:srcRect/>
+            <a:stretch>
+              <a:fillRect/>
+            </a:stretch>
+          </p:blipFill>
+          <p:spPr bwMode="auto">
+            <a:xfrm>
+              <a:off x="4629274" y="3097780"/>
+              <a:ext cx="512931" cy="807867"/>
+            </a:xfrm>
+            <a:prstGeom prst="rect">
+              <a:avLst/>
+            </a:prstGeom>
+            <a:noFill/>
+            <a:ln>
+              <a:noFill/>
+            </a:ln>
+            <a:effectLst/>
+            <a:extLst>
+              <a:ext uri="{909E8E84-426E-40DD-AFC4-6F175D3DCCD1}">
+                <a14:hiddenFill xmlns:a14="http://schemas.microsoft.com/office/drawing/2010/main">
+                  <a:solidFill>
+                    <a:schemeClr val="accent1"/>
+                  </a:solidFill>
+                </a14:hiddenFill>
+              </a:ext>
+              <a:ext uri="{91240B29-F687-4F45-9708-019B960494DF}">
+                <a14:hiddenLine xmlns:a14="http://schemas.microsoft.com/office/drawing/2010/main" w="9525">
+                  <a:solidFill>
+                    <a:schemeClr val="tx1"/>
+                  </a:solidFill>
+                  <a:miter lim="800000"/>
+                  <a:headEnd/>
+                  <a:tailEnd/>
+                </a14:hiddenLine>
+              </a:ext>
+              <a:ext uri="{AF507438-7753-43E0-B8FC-AC1667EBCBE1}">
+                <a14:hiddenEffects xmlns:a14="http://schemas.microsoft.com/office/drawing/2010/main">
+                  <a:effectLst>
+                    <a:outerShdw dist="35921" dir="2700000" algn="ctr" rotWithShape="0">
+                      <a:schemeClr val="bg2"/>
+                    </a:outerShdw>
+                  </a:effectLst>
+                </a14:hiddenEffects>
+              </a:ext>
+            </a:extLst>
+          </p:spPr>
+        </p:pic>
+        <p:sp>
+          <p:nvSpPr>
+            <p:cNvPr id="16" name="Right Brace 15"/>
+            <p:cNvSpPr/>
+            <p:nvPr/>
+          </p:nvSpPr>
+          <p:spPr>
+            <a:xfrm rot="16200000">
+              <a:off x="1972066" y="3488440"/>
+              <a:ext cx="612068" cy="2427566"/>
+            </a:xfrm>
+            <a:prstGeom prst="rightBrace">
+              <a:avLst>
+                <a:gd name="adj1" fmla="val 8333"/>
+                <a:gd name="adj2" fmla="val 62182"/>
+              </a:avLst>
+            </a:prstGeom>
+          </p:spPr>
+          <p:style>
+            <a:lnRef idx="2">
+              <a:schemeClr val="dk1"/>
+            </a:lnRef>
+            <a:fillRef idx="0">
+              <a:schemeClr val="dk1"/>
+            </a:fillRef>
+            <a:effectRef idx="1">
+              <a:schemeClr val="dk1"/>
+            </a:effectRef>
+            <a:fontRef idx="minor">
+              <a:schemeClr val="tx1"/>
+            </a:fontRef>
+          </p:style>
+          <p:txBody>
+            <a:bodyPr rtlCol="0" anchor="ctr"/>
+            <a:lstStyle/>
+            <a:p>
+              <a:pPr algn="ctr"/>
+              <a:endParaRPr lang="es-AR"/>
+            </a:p>
+          </p:txBody>
+        </p:sp>
+        <p:pic>
+          <p:nvPicPr>
+            <p:cNvPr id="2050" name="Picture 2"/>
+            <p:cNvPicPr>
+              <a:picLocks noChangeAspect="1" noChangeArrowheads="1"/>
+            </p:cNvPicPr>
+            <p:nvPr/>
+          </p:nvPicPr>
+          <p:blipFill>
+            <a:blip r:embed="rId7">
+              <a:extLst>
+                <a:ext uri="{28A0092B-C50C-407E-A947-70E740481C1C}">
+                  <a14:useLocalDpi xmlns:a14="http://schemas.microsoft.com/office/drawing/2010/main" val="0"/>
+                </a:ext>
+              </a:extLst>
+            </a:blip>
+            <a:srcRect/>
+            <a:stretch>
+              <a:fillRect/>
+            </a:stretch>
+          </p:blipFill>
+          <p:spPr bwMode="auto">
+            <a:xfrm>
+              <a:off x="6430476" y="5130038"/>
+              <a:ext cx="772498" cy="619149"/>
+            </a:xfrm>
+            <a:prstGeom prst="rect">
+              <a:avLst/>
+            </a:prstGeom>
+            <a:noFill/>
+            <a:ln>
+              <a:noFill/>
+            </a:ln>
+            <a:effectLst/>
+            <a:extLst>
+              <a:ext uri="{909E8E84-426E-40DD-AFC4-6F175D3DCCD1}">
+                <a14:hiddenFill xmlns:a14="http://schemas.microsoft.com/office/drawing/2010/main">
+                  <a:solidFill>
+                    <a:schemeClr val="accent1"/>
+                  </a:solidFill>
+                </a14:hiddenFill>
+              </a:ext>
+              <a:ext uri="{91240B29-F687-4F45-9708-019B960494DF}">
+                <a14:hiddenLine xmlns:a14="http://schemas.microsoft.com/office/drawing/2010/main" w="9525">
+                  <a:solidFill>
+                    <a:schemeClr val="tx1"/>
+                  </a:solidFill>
+                  <a:miter lim="800000"/>
+                  <a:headEnd/>
+                  <a:tailEnd/>
+                </a14:hiddenLine>
+              </a:ext>
+              <a:ext uri="{AF507438-7753-43E0-B8FC-AC1667EBCBE1}">
+                <a14:hiddenEffects xmlns:a14="http://schemas.microsoft.com/office/drawing/2010/main">
+                  <a:effectLst>
+                    <a:outerShdw dist="35921" dir="2700000" algn="ctr" rotWithShape="0">
+                      <a:schemeClr val="bg2"/>
+                    </a:outerShdw>
+                  </a:effectLst>
+                </a14:hiddenEffects>
+              </a:ext>
+            </a:extLst>
+          </p:spPr>
+        </p:pic>
+        <p:cxnSp>
+          <p:nvCxnSpPr>
+            <p:cNvPr id="13" name="Straight Arrow Connector 12"/>
+            <p:cNvCxnSpPr/>
+            <p:nvPr/>
+          </p:nvCxnSpPr>
+          <p:spPr>
+            <a:xfrm flipV="1">
+              <a:off x="6816725" y="3933056"/>
+              <a:ext cx="0" cy="1111196"/>
+            </a:xfrm>
+            <a:prstGeom prst="straightConnector1">
+              <a:avLst/>
+            </a:prstGeom>
+            <a:ln>
+              <a:tailEnd type="arrow"/>
+            </a:ln>
+          </p:spPr>
+          <p:style>
+            <a:lnRef idx="2">
+              <a:schemeClr val="accent4"/>
+            </a:lnRef>
+            <a:fillRef idx="0">
+              <a:schemeClr val="accent4"/>
+            </a:fillRef>
+            <a:effectRef idx="1">
+              <a:schemeClr val="accent4"/>
+            </a:effectRef>
+            <a:fontRef idx="minor">
+              <a:schemeClr val="tx1"/>
+            </a:fontRef>
+          </p:style>
+        </p:cxnSp>
+        <p:sp>
+          <p:nvSpPr>
+            <p:cNvPr id="19" name="Rectangle 18"/>
+            <p:cNvSpPr/>
+            <p:nvPr/>
+          </p:nvSpPr>
+          <p:spPr>
+            <a:xfrm>
+              <a:off x="1149681" y="5589239"/>
+              <a:ext cx="2256836" cy="830997"/>
+            </a:xfrm>
+            <a:prstGeom prst="rect">
+              <a:avLst/>
+            </a:prstGeom>
+          </p:spPr>
+          <p:txBody>
+            <a:bodyPr wrap="none">
+              <a:spAutoFit/>
+            </a:bodyPr>
+            <a:lstStyle/>
+            <a:p>
+              <a:r>
+                <a:rPr lang="es-AR" sz="2400" b="1" dirty="0" err="1" smtClean="0"/>
+                <a:t>radioButtons</a:t>
+              </a:r>
+              <a:r>
+                <a:rPr lang="es-AR" sz="2400" b="1" dirty="0" smtClean="0">
+                  <a:solidFill>
+                    <a:srgbClr val="FF5050"/>
+                  </a:solidFill>
+                </a:rPr>
+                <a:t>(…)</a:t>
+              </a:r>
+            </a:p>
+            <a:p>
+              <a:endParaRPr lang="es-AR" sz="2400" b="1" dirty="0"/>
+            </a:p>
+          </p:txBody>
+        </p:sp>
+        <p:pic>
+          <p:nvPicPr>
+            <p:cNvPr id="2051" name="Picture 3"/>
+            <p:cNvPicPr>
+              <a:picLocks noChangeAspect="1" noChangeArrowheads="1"/>
+            </p:cNvPicPr>
+            <p:nvPr/>
+          </p:nvPicPr>
+          <p:blipFill rotWithShape="1">
+            <a:blip r:embed="rId8">
+              <a:extLst>
+                <a:ext uri="{BEBA8EAE-BF5A-486C-A8C5-ECC9F3942E4B}">
+                  <a14:imgProps xmlns:a14="http://schemas.microsoft.com/office/drawing/2010/main">
+                    <a14:imgLayer r:embed="rId9">
+                      <a14:imgEffect>
+                        <a14:brightnessContrast contrast="20000"/>
+                      </a14:imgEffect>
+                    </a14:imgLayer>
+                  </a14:imgProps>
+                </a:ext>
+                <a:ext uri="{28A0092B-C50C-407E-A947-70E740481C1C}">
+                  <a14:useLocalDpi xmlns:a14="http://schemas.microsoft.com/office/drawing/2010/main" val="0"/>
+                </a:ext>
+              </a:extLst>
+            </a:blip>
+            <a:srcRect l="13355" r="-1"/>
+            <a:stretch/>
+          </p:blipFill>
+          <p:spPr bwMode="auto">
+            <a:xfrm>
+              <a:off x="2886032" y="4926474"/>
+              <a:ext cx="426699" cy="662766"/>
+            </a:xfrm>
+            <a:prstGeom prst="rect">
+              <a:avLst/>
+            </a:prstGeom>
+            <a:noFill/>
+            <a:ln>
+              <a:noFill/>
+            </a:ln>
+            <a:effectLst/>
+            <a:extLst>
+              <a:ext uri="{909E8E84-426E-40DD-AFC4-6F175D3DCCD1}">
+                <a14:hiddenFill xmlns:a14="http://schemas.microsoft.com/office/drawing/2010/main">
+                  <a:solidFill>
+                    <a:schemeClr val="accent1"/>
+                  </a:solidFill>
+                </a14:hiddenFill>
+              </a:ext>
+              <a:ext uri="{91240B29-F687-4F45-9708-019B960494DF}">
+                <a14:hiddenLine xmlns:a14="http://schemas.microsoft.com/office/drawing/2010/main" w="9525">
+                  <a:solidFill>
+                    <a:schemeClr val="tx1"/>
+                  </a:solidFill>
+                  <a:miter lim="800000"/>
+                  <a:headEnd/>
+                  <a:tailEnd/>
+                </a14:hiddenLine>
+              </a:ext>
+              <a:ext uri="{AF507438-7753-43E0-B8FC-AC1667EBCBE1}">
+                <a14:hiddenEffects xmlns:a14="http://schemas.microsoft.com/office/drawing/2010/main">
+                  <a:effectLst>
+                    <a:outerShdw dist="35921" dir="2700000" algn="ctr" rotWithShape="0">
+                      <a:schemeClr val="bg2"/>
+                    </a:outerShdw>
+                  </a:effectLst>
+                </a14:hiddenEffects>
+              </a:ext>
+            </a:extLst>
+          </p:spPr>
+        </p:pic>
+        <p:sp>
+          <p:nvSpPr>
+            <p:cNvPr id="20" name="Right Brace 19"/>
+            <p:cNvSpPr/>
+            <p:nvPr/>
+          </p:nvSpPr>
+          <p:spPr>
+            <a:xfrm rot="16200000">
+              <a:off x="4525075" y="3488440"/>
+              <a:ext cx="612068" cy="2427566"/>
+            </a:xfrm>
+            <a:prstGeom prst="rightBrace">
+              <a:avLst>
+                <a:gd name="adj1" fmla="val 8333"/>
+                <a:gd name="adj2" fmla="val 53051"/>
+              </a:avLst>
+            </a:prstGeom>
+          </p:spPr>
+          <p:style>
+            <a:lnRef idx="2">
+              <a:schemeClr val="dk1"/>
+            </a:lnRef>
+            <a:fillRef idx="0">
+              <a:schemeClr val="dk1"/>
+            </a:fillRef>
+            <a:effectRef idx="1">
+              <a:schemeClr val="dk1"/>
+            </a:effectRef>
+            <a:fontRef idx="minor">
+              <a:schemeClr val="tx1"/>
+            </a:fontRef>
+          </p:style>
+          <p:txBody>
+            <a:bodyPr rtlCol="0" anchor="ctr"/>
+            <a:lstStyle/>
+            <a:p>
+              <a:pPr algn="ctr"/>
+              <a:endParaRPr lang="es-AR"/>
+            </a:p>
+          </p:txBody>
+        </p:sp>
+      </p:grpSp>
+    </p:spTree>
+    <p:extLst>
+      <p:ext uri="{BB962C8B-B14F-4D97-AF65-F5344CB8AC3E}">
+        <p14:creationId xmlns:p14="http://schemas.microsoft.com/office/powerpoint/2010/main" val="3070797325"/>
+      </p:ext>
+    </p:extLst>
+  </p:cSld>
+  <p:clrMapOvr>
+    <a:masterClrMapping/>
+  </p:clrMapOvr>
+  <p:timing>
+    <p:tnLst>
+      <p:par>
+        <p:cTn id="1" dur="indefinite" restart="never" nodeType="tmRoot"/>
+      </p:par>
+    </p:tnLst>
+  </p:timing>
+</p:sld>
+</file>
+
+<file path=ppt/slides/slide5.xml><?xml version="1.0" encoding="utf-8"?>
+<p:sld xmlns:a="http://schemas.openxmlformats.org/drawingml/2006/main" xmlns:r="http://schemas.openxmlformats.org/officeDocument/2006/relationships" xmlns:p="http://schemas.openxmlformats.org/presentationml/2006/main">
+  <p:cSld>
+    <p:spTree>
+      <p:nvGrpSpPr>
+        <p:cNvPr id="1" name=""/>
+        <p:cNvGrpSpPr/>
+        <p:nvPr/>
+      </p:nvGrpSpPr>
+      <p:grpSpPr>
+        <a:xfrm>
+          <a:off x="0" y="0"/>
+          <a:ext cx="0" cy="0"/>
+          <a:chOff x="0" y="0"/>
+          <a:chExt cx="0" cy="0"/>
+        </a:xfrm>
+      </p:grpSpPr>
+      <p:grpSp>
+        <p:nvGrpSpPr>
+          <p:cNvPr id="14" name="Group 13"/>
+          <p:cNvGrpSpPr/>
+          <p:nvPr/>
+        </p:nvGrpSpPr>
+        <p:grpSpPr>
+          <a:xfrm>
+            <a:off x="926893" y="1155555"/>
+            <a:ext cx="7625330" cy="3713605"/>
+            <a:chOff x="1079381" y="1826604"/>
+            <a:chExt cx="7625330" cy="3713605"/>
+          </a:xfrm>
+        </p:grpSpPr>
+        <p:grpSp>
+          <p:nvGrpSpPr>
+            <p:cNvPr id="3" name="Group"/>
+            <p:cNvGrpSpPr/>
+            <p:nvPr/>
+          </p:nvGrpSpPr>
+          <p:grpSpPr>
+            <a:xfrm>
+              <a:off x="6400453" y="2225677"/>
+              <a:ext cx="2304258" cy="2119315"/>
+              <a:chOff x="0" y="48484"/>
+              <a:chExt cx="1269598" cy="939986"/>
+            </a:xfrm>
+          </p:grpSpPr>
+          <p:grpSp>
+            <p:nvGrpSpPr>
+              <p:cNvPr id="5" name="Group"/>
+              <p:cNvGrpSpPr/>
+              <p:nvPr/>
+            </p:nvGrpSpPr>
+            <p:grpSpPr>
+              <a:xfrm>
+                <a:off x="0" y="267083"/>
+                <a:ext cx="1269598" cy="721387"/>
+                <a:chOff x="0" y="0"/>
+                <a:chExt cx="1269597" cy="721385"/>
+              </a:xfrm>
+            </p:grpSpPr>
+            <p:sp>
+              <p:nvSpPr>
+                <p:cNvPr id="7" name="Rounded Rectangle"/>
+                <p:cNvSpPr/>
+                <p:nvPr/>
+              </p:nvSpPr>
+              <p:spPr>
+                <a:xfrm>
+                  <a:off x="0" y="0"/>
+                  <a:ext cx="1269598" cy="721386"/>
+                </a:xfrm>
+                <a:prstGeom prst="roundRect">
+                  <a:avLst>
+                    <a:gd name="adj" fmla="val 15000"/>
+                  </a:avLst>
+                </a:prstGeom>
+                <a:solidFill>
+                  <a:srgbClr val="FFFFFF"/>
+                </a:solidFill>
+                <a:ln w="12700" cap="flat">
+                  <a:solidFill>
+                    <a:srgbClr val="000000"/>
+                  </a:solidFill>
+                  <a:prstDash val="solid"/>
+                  <a:miter lim="400000"/>
+                </a:ln>
+                <a:effectLst/>
+              </p:spPr>
+              <p:txBody>
+                <a:bodyPr wrap="square" lIns="54570" tIns="54570" rIns="54570" bIns="54570" numCol="1" anchor="ctr">
+                  <a:noAutofit/>
+                </a:bodyPr>
+                <a:lstStyle/>
+                <a:p>
+                  <a:pPr>
+                    <a:lnSpc>
+                      <a:spcPct val="80000"/>
+                    </a:lnSpc>
+                    <a:spcBef>
+                      <a:spcPts val="0"/>
+                    </a:spcBef>
+                    <a:defRPr b="0">
+                      <a:solidFill>
+                        <a:srgbClr val="000000"/>
+                      </a:solidFill>
+                    </a:defRPr>
+                  </a:pPr>
+                  <a:endParaRPr dirty="0"/>
+                </a:p>
+              </p:txBody>
+            </p:sp>
+            <p:sp>
+              <p:nvSpPr>
+                <p:cNvPr id="8" name="side…"/>
+                <p:cNvSpPr/>
+                <p:nvPr/>
+              </p:nvSpPr>
+              <p:spPr>
+                <a:xfrm>
+                  <a:off x="57710" y="65783"/>
+                  <a:ext cx="309736" cy="601922"/>
+                </a:xfrm>
+                <a:prstGeom prst="roundRect">
+                  <a:avLst>
+                    <a:gd name="adj" fmla="val 21467"/>
+                  </a:avLst>
+                </a:prstGeom>
+                <a:solidFill>
+                  <a:srgbClr val="DCDEE0"/>
+                </a:solidFill>
+                <a:ln w="12700" cap="flat">
+                  <a:noFill/>
+                  <a:miter lim="400000"/>
+                </a:ln>
+                <a:effectLst/>
+                <a:extLst>
+                  <a:ext uri="{C572A759-6A51-4108-AA02-DFA0A04FC94B}">
+                    <ma14:wrappingTextBoxFlag xmlns="" xmlns:m="http://schemas.openxmlformats.org/officeDocument/2006/math" xmlns:a14="http://schemas.microsoft.com/office/drawing/2010/main" xmlns:ma14="http://schemas.microsoft.com/office/mac/drawingml/2011/main" val="1"/>
+                  </a:ext>
+                </a:extLst>
+              </p:spPr>
+              <p:txBody>
+                <a:bodyPr wrap="square" lIns="0" tIns="0" rIns="0" bIns="0" numCol="1" anchor="ctr">
+                  <a:noAutofit/>
+                </a:bodyPr>
+                <a:lstStyle/>
+                <a:p>
+                  <a:pPr>
+                    <a:lnSpc>
+                      <a:spcPct val="80000"/>
+                    </a:lnSpc>
+                    <a:spcBef>
+                      <a:spcPts val="0"/>
+                    </a:spcBef>
+                    <a:defRPr sz="900" b="0">
+                      <a:solidFill>
+                        <a:srgbClr val="000000"/>
+                      </a:solidFill>
+                    </a:defRPr>
+                  </a:pPr>
+                  <a:r>
+                    <a:rPr sz="1600" dirty="0"/>
+                    <a:t>side</a:t>
+                  </a:r>
+                </a:p>
+                <a:p>
+                  <a:pPr>
+                    <a:lnSpc>
+                      <a:spcPct val="80000"/>
+                    </a:lnSpc>
+                    <a:spcBef>
+                      <a:spcPts val="0"/>
+                    </a:spcBef>
+                    <a:defRPr sz="900" b="0">
+                      <a:solidFill>
+                        <a:srgbClr val="000000"/>
+                      </a:solidFill>
+                    </a:defRPr>
+                  </a:pPr>
+                  <a:r>
+                    <a:rPr sz="1600" dirty="0"/>
+                    <a:t>panel</a:t>
+                  </a:r>
+                </a:p>
+              </p:txBody>
+            </p:sp>
+            <p:sp>
+              <p:nvSpPr>
+                <p:cNvPr id="9" name="main…"/>
+                <p:cNvSpPr/>
+                <p:nvPr/>
+              </p:nvSpPr>
+              <p:spPr>
+                <a:xfrm>
+                  <a:off x="404195" y="66400"/>
+                  <a:ext cx="814697" cy="601923"/>
+                </a:xfrm>
+                <a:prstGeom prst="roundRect">
+                  <a:avLst>
+                    <a:gd name="adj" fmla="val 11046"/>
+                  </a:avLst>
+                </a:prstGeom>
+                <a:solidFill>
+                  <a:srgbClr val="A6AAA9"/>
+                </a:solidFill>
+                <a:ln w="12700" cap="flat">
+                  <a:noFill/>
+                  <a:miter lim="400000"/>
+                </a:ln>
+                <a:effectLst/>
+                <a:extLst>
+                  <a:ext uri="{C572A759-6A51-4108-AA02-DFA0A04FC94B}">
+                    <ma14:wrappingTextBoxFlag xmlns="" xmlns:m="http://schemas.openxmlformats.org/officeDocument/2006/math" xmlns:a14="http://schemas.microsoft.com/office/drawing/2010/main" xmlns:ma14="http://schemas.microsoft.com/office/mac/drawingml/2011/main" val="1"/>
+                  </a:ext>
+                </a:extLst>
+              </p:spPr>
+              <p:txBody>
+                <a:bodyPr wrap="square" lIns="54570" tIns="54570" rIns="54570" bIns="54570" numCol="1" anchor="ctr">
+                  <a:noAutofit/>
+                </a:bodyPr>
+                <a:lstStyle/>
+                <a:p>
+                  <a:pPr>
+                    <a:lnSpc>
+                      <a:spcPct val="80000"/>
+                    </a:lnSpc>
+                    <a:spcBef>
+                      <a:spcPts val="0"/>
+                    </a:spcBef>
+                    <a:defRPr sz="1400" b="0">
+                      <a:solidFill>
+                        <a:srgbClr val="000000"/>
+                      </a:solidFill>
+                    </a:defRPr>
+                  </a:pPr>
+                  <a:r>
+                    <a:rPr sz="1600" dirty="0"/>
+                    <a:t>main</a:t>
+                  </a:r>
+                </a:p>
+                <a:p>
+                  <a:pPr>
+                    <a:lnSpc>
+                      <a:spcPct val="80000"/>
+                    </a:lnSpc>
+                    <a:spcBef>
+                      <a:spcPts val="0"/>
+                    </a:spcBef>
+                    <a:defRPr sz="1400" b="0">
+                      <a:solidFill>
+                        <a:srgbClr val="000000"/>
+                      </a:solidFill>
+                    </a:defRPr>
+                  </a:pPr>
+                  <a:r>
+                    <a:rPr sz="1600" dirty="0"/>
+                    <a:t>panel</a:t>
+                  </a:r>
+                </a:p>
+              </p:txBody>
+            </p:sp>
+          </p:grpSp>
+          <p:sp>
+            <p:nvSpPr>
+              <p:cNvPr id="6" name="sidebarLayout()"/>
+              <p:cNvSpPr txBox="1"/>
+              <p:nvPr/>
+            </p:nvSpPr>
+            <p:spPr>
+              <a:xfrm>
+                <a:off x="193810" y="48484"/>
+                <a:ext cx="881975" cy="171738"/>
+              </a:xfrm>
+              <a:prstGeom prst="rect">
+                <a:avLst/>
+              </a:prstGeom>
+              <a:noFill/>
+              <a:ln w="12700" cap="flat">
+                <a:noFill/>
+                <a:miter lim="400000"/>
+              </a:ln>
+              <a:effectLst/>
+              <a:extLst>
+                <a:ext uri="{C572A759-6A51-4108-AA02-DFA0A04FC94B}">
+                  <ma14:wrappingTextBoxFlag xmlns="" xmlns:m="http://schemas.openxmlformats.org/officeDocument/2006/math" xmlns:a14="http://schemas.microsoft.com/office/drawing/2010/main" xmlns:ma14="http://schemas.microsoft.com/office/mac/drawingml/2011/main" val="1"/>
                 </a:ext>
               </a:extLst>
             </p:spPr>
@@ -5927,7 +6988,7 @@
 </p:sld>
 </file>
 
-<file path=ppt/slides/slide5.xml><?xml version="1.0" encoding="utf-8"?>
+<file path=ppt/slides/slide6.xml><?xml version="1.0" encoding="utf-8"?>
 <p:sld xmlns:a="http://schemas.openxmlformats.org/drawingml/2006/main" xmlns:r="http://schemas.openxmlformats.org/officeDocument/2006/relationships" xmlns:p="http://schemas.openxmlformats.org/presentationml/2006/main">
   <p:cSld>
     <p:spTree>
@@ -6154,7 +7215,7 @@
           <a:effectLst/>
           <a:extLst>
             <a:ext uri="{C572A759-6A51-4108-AA02-DFA0A04FC94B}">
-              <ma14:wrappingTextBoxFlag xmlns:ma14="http://schemas.microsoft.com/office/mac/drawingml/2011/main" xmlns:a14="http://schemas.microsoft.com/office/drawing/2010/main" xmlns:m="http://schemas.openxmlformats.org/officeDocument/2006/math" xmlns="" val="1"/>
+              <ma14:wrappingTextBoxFlag xmlns="" xmlns:m="http://schemas.openxmlformats.org/officeDocument/2006/math" xmlns:a14="http://schemas.microsoft.com/office/drawing/2010/main" xmlns:ma14="http://schemas.microsoft.com/office/mac/drawingml/2011/main" val="1"/>
             </a:ext>
           </a:extLst>
         </p:spPr>
@@ -6217,7 +7278,7 @@
           <a:effectLst/>
           <a:extLst>
             <a:ext uri="{C572A759-6A51-4108-AA02-DFA0A04FC94B}">
-              <ma14:wrappingTextBoxFlag xmlns:ma14="http://schemas.microsoft.com/office/mac/drawingml/2011/main" xmlns:a14="http://schemas.microsoft.com/office/drawing/2010/main" xmlns:m="http://schemas.openxmlformats.org/officeDocument/2006/math" xmlns="" val="1"/>
+              <ma14:wrappingTextBoxFlag xmlns="" xmlns:m="http://schemas.openxmlformats.org/officeDocument/2006/math" xmlns:a14="http://schemas.microsoft.com/office/drawing/2010/main" xmlns:ma14="http://schemas.microsoft.com/office/mac/drawingml/2011/main" val="1"/>
             </a:ext>
           </a:extLst>
         </p:spPr>
@@ -6365,7 +7426,7 @@
           <a:effectLst/>
           <a:extLst>
             <a:ext uri="{C572A759-6A51-4108-AA02-DFA0A04FC94B}">
-              <ma14:wrappingTextBoxFlag xmlns:ma14="http://schemas.microsoft.com/office/mac/drawingml/2011/main" xmlns:a14="http://schemas.microsoft.com/office/drawing/2010/main" xmlns:m="http://schemas.openxmlformats.org/officeDocument/2006/math" xmlns="" val="1"/>
+              <ma14:wrappingTextBoxFlag xmlns="" xmlns:m="http://schemas.openxmlformats.org/officeDocument/2006/math" xmlns:a14="http://schemas.microsoft.com/office/drawing/2010/main" xmlns:ma14="http://schemas.microsoft.com/office/mac/drawingml/2011/main" val="1"/>
             </a:ext>
           </a:extLst>
         </p:spPr>
@@ -6469,903 +7530,6 @@
     <p:extLst>
       <p:ext uri="{BB962C8B-B14F-4D97-AF65-F5344CB8AC3E}">
         <p14:creationId xmlns:p14="http://schemas.microsoft.com/office/powerpoint/2010/main" val="1621705086"/>
-      </p:ext>
-    </p:extLst>
-  </p:cSld>
-  <p:clrMapOvr>
-    <a:masterClrMapping/>
-  </p:clrMapOvr>
-  <p:timing>
-    <p:tnLst>
-      <p:par>
-        <p:cTn id="1" dur="indefinite" restart="never" nodeType="tmRoot"/>
-      </p:par>
-    </p:tnLst>
-  </p:timing>
-</p:sld>
-</file>
-
-<file path=ppt/slides/slide6.xml><?xml version="1.0" encoding="utf-8"?>
-<p:sld xmlns:a="http://schemas.openxmlformats.org/drawingml/2006/main" xmlns:r="http://schemas.openxmlformats.org/officeDocument/2006/relationships" xmlns:p="http://schemas.openxmlformats.org/presentationml/2006/main">
-  <p:cSld>
-    <p:spTree>
-      <p:nvGrpSpPr>
-        <p:cNvPr id="1" name=""/>
-        <p:cNvGrpSpPr/>
-        <p:nvPr/>
-      </p:nvGrpSpPr>
-      <p:grpSpPr>
-        <a:xfrm>
-          <a:off x="0" y="0"/>
-          <a:ext cx="0" cy="0"/>
-          <a:chOff x="0" y="0"/>
-          <a:chExt cx="0" cy="0"/>
-        </a:xfrm>
-      </p:grpSpPr>
-      <p:sp>
-        <p:nvSpPr>
-          <p:cNvPr id="7" name="Rounded Rectangle"/>
-          <p:cNvSpPr/>
-          <p:nvPr/>
-        </p:nvSpPr>
-        <p:spPr>
-          <a:xfrm>
-            <a:off x="1289430" y="1052736"/>
-            <a:ext cx="6738954" cy="1980587"/>
-          </a:xfrm>
-          <a:prstGeom prst="roundRect">
-            <a:avLst>
-              <a:gd name="adj" fmla="val 15000"/>
-            </a:avLst>
-          </a:prstGeom>
-          <a:solidFill>
-            <a:schemeClr val="bg1">
-              <a:lumMod val="95000"/>
-            </a:schemeClr>
-          </a:solidFill>
-          <a:ln w="12700" cap="flat">
-            <a:noFill/>
-            <a:prstDash val="solid"/>
-            <a:miter lim="400000"/>
-          </a:ln>
-          <a:effectLst/>
-        </p:spPr>
-        <p:txBody>
-          <a:bodyPr wrap="square" lIns="54570" tIns="54570" rIns="54570" bIns="54570" numCol="1" anchor="ctr">
-            <a:noAutofit/>
-          </a:bodyPr>
-          <a:lstStyle/>
-          <a:p>
-            <a:pPr>
-              <a:lnSpc>
-                <a:spcPct val="80000"/>
-              </a:lnSpc>
-              <a:spcBef>
-                <a:spcPts val="0"/>
-              </a:spcBef>
-              <a:defRPr b="0">
-                <a:solidFill>
-                  <a:srgbClr val="000000"/>
-                </a:solidFill>
-              </a:defRPr>
-            </a:pPr>
-            <a:endParaRPr dirty="0"/>
-          </a:p>
-        </p:txBody>
-      </p:sp>
-      <p:pic>
-        <p:nvPicPr>
-          <p:cNvPr id="18" name="Picture 2"/>
-          <p:cNvPicPr>
-            <a:picLocks noChangeAspect="1" noChangeArrowheads="1"/>
-          </p:cNvPicPr>
-          <p:nvPr/>
-        </p:nvPicPr>
-        <p:blipFill>
-          <a:blip r:embed="rId2">
-            <a:extLst>
-              <a:ext uri="{BEBA8EAE-BF5A-486C-A8C5-ECC9F3942E4B}">
-                <a14:imgProps xmlns:a14="http://schemas.microsoft.com/office/drawing/2010/main">
-                  <a14:imgLayer r:embed="rId3">
-                    <a14:imgEffect>
-                      <a14:brightnessContrast contrast="-40000"/>
-                    </a14:imgEffect>
-                  </a14:imgLayer>
-                </a14:imgProps>
-              </a:ext>
-              <a:ext uri="{28A0092B-C50C-407E-A947-70E740481C1C}">
-                <a14:useLocalDpi xmlns:a14="http://schemas.microsoft.com/office/drawing/2010/main" val="0"/>
-              </a:ext>
-            </a:extLst>
-          </a:blip>
-          <a:srcRect/>
-          <a:stretch>
-            <a:fillRect/>
-          </a:stretch>
-        </p:blipFill>
-        <p:spPr bwMode="auto">
-          <a:xfrm>
-            <a:off x="5952759" y="1520817"/>
-            <a:ext cx="1682773" cy="1108651"/>
-          </a:xfrm>
-          <a:prstGeom prst="rect">
-            <a:avLst/>
-          </a:prstGeom>
-          <a:noFill/>
-          <a:ln>
-            <a:noFill/>
-          </a:ln>
-          <a:effectLst/>
-          <a:extLst>
-            <a:ext uri="{909E8E84-426E-40DD-AFC4-6F175D3DCCD1}">
-              <a14:hiddenFill xmlns:a14="http://schemas.microsoft.com/office/drawing/2010/main">
-                <a:solidFill>
-                  <a:schemeClr val="accent1"/>
-                </a:solidFill>
-              </a14:hiddenFill>
-            </a:ext>
-            <a:ext uri="{91240B29-F687-4F45-9708-019B960494DF}">
-              <a14:hiddenLine xmlns:a14="http://schemas.microsoft.com/office/drawing/2010/main" w="9525">
-                <a:solidFill>
-                  <a:schemeClr val="tx1"/>
-                </a:solidFill>
-                <a:miter lim="800000"/>
-                <a:headEnd/>
-                <a:tailEnd/>
-              </a14:hiddenLine>
-            </a:ext>
-            <a:ext uri="{AF507438-7753-43E0-B8FC-AC1667EBCBE1}">
-              <a14:hiddenEffects xmlns:a14="http://schemas.microsoft.com/office/drawing/2010/main">
-                <a:effectLst>
-                  <a:outerShdw dist="35921" dir="2700000" algn="ctr" rotWithShape="0">
-                    <a:schemeClr val="bg2"/>
-                  </a:outerShdw>
-                </a:effectLst>
-              </a14:hiddenEffects>
-            </a:ext>
-          </a:extLst>
-        </p:spPr>
-      </p:pic>
-      <p:sp>
-        <p:nvSpPr>
-          <p:cNvPr id="21" name="sidebarLayout()"/>
-          <p:cNvSpPr txBox="1"/>
-          <p:nvPr/>
-        </p:nvSpPr>
-        <p:spPr>
-          <a:xfrm>
-            <a:off x="1500761" y="665531"/>
-            <a:ext cx="1444867" cy="387205"/>
-          </a:xfrm>
-          <a:prstGeom prst="rect">
-            <a:avLst/>
-          </a:prstGeom>
-          <a:noFill/>
-          <a:ln w="12700" cap="flat">
-            <a:noFill/>
-            <a:miter lim="400000"/>
-          </a:ln>
-          <a:effectLst/>
-          <a:extLst>
-            <a:ext uri="{C572A759-6A51-4108-AA02-DFA0A04FC94B}">
-              <ma14:wrappingTextBoxFlag xmlns:ma14="http://schemas.microsoft.com/office/mac/drawingml/2011/main" xmlns:a14="http://schemas.microsoft.com/office/drawing/2010/main" xmlns:m="http://schemas.openxmlformats.org/officeDocument/2006/math" xmlns="" val="1"/>
-            </a:ext>
-          </a:extLst>
-        </p:spPr>
-        <p:txBody>
-          <a:bodyPr wrap="none" lIns="54570" tIns="54570" rIns="54570" bIns="54570" numCol="1" anchor="ctr">
-            <a:spAutoFit/>
-          </a:bodyPr>
-          <a:lstStyle>
-            <a:lvl1pPr algn="ctr">
-              <a:spcBef>
-                <a:spcPts val="0"/>
-              </a:spcBef>
-              <a:defRPr>
-                <a:solidFill>
-                  <a:schemeClr val="accent1">
-                    <a:hueOff val="-206347"/>
-                    <a:satOff val="69104"/>
-                    <a:lumOff val="-8949"/>
-                  </a:schemeClr>
-                </a:solidFill>
-              </a:defRPr>
-            </a:lvl1pPr>
-          </a:lstStyle>
-          <a:p>
-            <a:r>
-              <a:rPr lang="es-AR" b="1" dirty="0" smtClean="0">
-                <a:solidFill>
-                  <a:schemeClr val="tx1"/>
-                </a:solidFill>
-              </a:rPr>
-              <a:t>User interfase</a:t>
-            </a:r>
-            <a:endParaRPr b="1" dirty="0">
-              <a:solidFill>
-                <a:schemeClr val="tx1"/>
-              </a:solidFill>
-            </a:endParaRPr>
-          </a:p>
-        </p:txBody>
-      </p:sp>
-      <p:sp>
-        <p:nvSpPr>
-          <p:cNvPr id="22" name="sidebarLayout()"/>
-          <p:cNvSpPr txBox="1"/>
-          <p:nvPr/>
-        </p:nvSpPr>
-        <p:spPr>
-          <a:xfrm>
-            <a:off x="1554987" y="3048607"/>
-            <a:ext cx="722489" cy="387205"/>
-          </a:xfrm>
-          <a:prstGeom prst="rect">
-            <a:avLst/>
-          </a:prstGeom>
-          <a:noFill/>
-          <a:ln w="12700" cap="flat">
-            <a:noFill/>
-            <a:miter lim="400000"/>
-          </a:ln>
-          <a:effectLst/>
-          <a:extLst>
-            <a:ext uri="{C572A759-6A51-4108-AA02-DFA0A04FC94B}">
-              <ma14:wrappingTextBoxFlag xmlns:ma14="http://schemas.microsoft.com/office/mac/drawingml/2011/main" xmlns:a14="http://schemas.microsoft.com/office/drawing/2010/main" xmlns:m="http://schemas.openxmlformats.org/officeDocument/2006/math" xmlns="" val="1"/>
-            </a:ext>
-          </a:extLst>
-        </p:spPr>
-        <p:txBody>
-          <a:bodyPr wrap="none" lIns="54570" tIns="54570" rIns="54570" bIns="54570" numCol="1" anchor="ctr">
-            <a:spAutoFit/>
-          </a:bodyPr>
-          <a:lstStyle>
-            <a:lvl1pPr algn="ctr">
-              <a:spcBef>
-                <a:spcPts val="0"/>
-              </a:spcBef>
-              <a:defRPr>
-                <a:solidFill>
-                  <a:schemeClr val="accent1">
-                    <a:hueOff val="-206347"/>
-                    <a:satOff val="69104"/>
-                    <a:lumOff val="-8949"/>
-                  </a:schemeClr>
-                </a:solidFill>
-              </a:defRPr>
-            </a:lvl1pPr>
-          </a:lstStyle>
-          <a:p>
-            <a:r>
-              <a:rPr lang="es-AR" b="1" dirty="0" smtClean="0">
-                <a:solidFill>
-                  <a:schemeClr val="tx1"/>
-                </a:solidFill>
-              </a:rPr>
-              <a:t>Server</a:t>
-            </a:r>
-            <a:endParaRPr b="1" dirty="0">
-              <a:solidFill>
-                <a:schemeClr val="tx1"/>
-              </a:solidFill>
-            </a:endParaRPr>
-          </a:p>
-        </p:txBody>
-      </p:sp>
-      <p:sp>
-        <p:nvSpPr>
-          <p:cNvPr id="30" name="Rounded Rectangle"/>
-          <p:cNvSpPr/>
-          <p:nvPr/>
-        </p:nvSpPr>
-        <p:spPr>
-          <a:xfrm>
-            <a:off x="1349116" y="3429000"/>
-            <a:ext cx="6679268" cy="1907843"/>
-          </a:xfrm>
-          <a:prstGeom prst="roundRect">
-            <a:avLst>
-              <a:gd name="adj" fmla="val 15000"/>
-            </a:avLst>
-          </a:prstGeom>
-          <a:solidFill>
-            <a:schemeClr val="bg1">
-              <a:lumMod val="95000"/>
-            </a:schemeClr>
-          </a:solidFill>
-          <a:ln w="12700" cap="flat">
-            <a:noFill/>
-            <a:prstDash val="solid"/>
-            <a:miter lim="400000"/>
-          </a:ln>
-          <a:effectLst/>
-        </p:spPr>
-        <p:txBody>
-          <a:bodyPr wrap="square" lIns="54570" tIns="54570" rIns="54570" bIns="54570" numCol="1" anchor="ctr">
-            <a:noAutofit/>
-          </a:bodyPr>
-          <a:lstStyle/>
-          <a:p>
-            <a:pPr>
-              <a:lnSpc>
-                <a:spcPct val="80000"/>
-              </a:lnSpc>
-              <a:spcBef>
-                <a:spcPts val="0"/>
-              </a:spcBef>
-              <a:defRPr b="0">
-                <a:solidFill>
-                  <a:srgbClr val="000000"/>
-                </a:solidFill>
-              </a:defRPr>
-            </a:pPr>
-            <a:endParaRPr dirty="0"/>
-          </a:p>
-        </p:txBody>
-      </p:sp>
-      <p:sp>
-        <p:nvSpPr>
-          <p:cNvPr id="28" name="sidebarLayout()"/>
-          <p:cNvSpPr txBox="1"/>
-          <p:nvPr/>
-        </p:nvSpPr>
-        <p:spPr>
-          <a:xfrm>
-            <a:off x="1554987" y="3994025"/>
-            <a:ext cx="7390546" cy="1218201"/>
-          </a:xfrm>
-          <a:prstGeom prst="rect">
-            <a:avLst/>
-          </a:prstGeom>
-          <a:noFill/>
-          <a:ln w="12700" cap="flat">
-            <a:noFill/>
-            <a:miter lim="400000"/>
-          </a:ln>
-          <a:effectLst/>
-          <a:extLst>
-            <a:ext uri="{C572A759-6A51-4108-AA02-DFA0A04FC94B}">
-              <ma14:wrappingTextBoxFlag xmlns:ma14="http://schemas.microsoft.com/office/mac/drawingml/2011/main" xmlns:a14="http://schemas.microsoft.com/office/drawing/2010/main" xmlns:m="http://schemas.openxmlformats.org/officeDocument/2006/math" xmlns="" val="1"/>
-            </a:ext>
-          </a:extLst>
-        </p:spPr>
-        <p:txBody>
-          <a:bodyPr wrap="square" lIns="54570" tIns="54570" rIns="54570" bIns="54570" numCol="1" anchor="ctr">
-            <a:spAutoFit/>
-          </a:bodyPr>
-          <a:lstStyle>
-            <a:lvl1pPr algn="ctr">
-              <a:spcBef>
-                <a:spcPts val="0"/>
-              </a:spcBef>
-              <a:defRPr>
-                <a:solidFill>
-                  <a:schemeClr val="accent1">
-                    <a:hueOff val="-206347"/>
-                    <a:satOff val="69104"/>
-                    <a:lumOff val="-8949"/>
-                  </a:schemeClr>
-                </a:solidFill>
-              </a:defRPr>
-            </a:lvl1pPr>
-          </a:lstStyle>
-          <a:p>
-            <a:pPr algn="l"/>
-            <a:r>
-              <a:rPr lang="es-AR" b="1" dirty="0" err="1">
-                <a:solidFill>
-                  <a:schemeClr val="accent4">
-                    <a:lumMod val="50000"/>
-                  </a:schemeClr>
-                </a:solidFill>
-              </a:rPr>
-              <a:t>ggplot</a:t>
-            </a:r>
-            <a:r>
-              <a:rPr lang="es-AR" b="1" dirty="0">
-                <a:solidFill>
-                  <a:schemeClr val="accent4">
-                    <a:lumMod val="50000"/>
-                  </a:schemeClr>
-                </a:solidFill>
-              </a:rPr>
-              <a:t>(data = </a:t>
-            </a:r>
-            <a:r>
-              <a:rPr lang="es-AR" b="1" dirty="0" err="1">
-                <a:solidFill>
-                  <a:schemeClr val="accent4">
-                    <a:lumMod val="50000"/>
-                  </a:schemeClr>
-                </a:solidFill>
-              </a:rPr>
-              <a:t>mpg</a:t>
-            </a:r>
-            <a:r>
-              <a:rPr lang="es-AR" b="1" dirty="0">
-                <a:solidFill>
-                  <a:schemeClr val="accent4">
-                    <a:lumMod val="50000"/>
-                  </a:schemeClr>
-                </a:solidFill>
-              </a:rPr>
-              <a:t>) + </a:t>
-            </a:r>
-          </a:p>
-          <a:p>
-            <a:pPr algn="l"/>
-            <a:r>
-              <a:rPr lang="es-AR" b="1" dirty="0" err="1" smtClean="0">
-                <a:solidFill>
-                  <a:schemeClr val="accent4">
-                    <a:lumMod val="50000"/>
-                  </a:schemeClr>
-                </a:solidFill>
-              </a:rPr>
-              <a:t>geom_point</a:t>
-            </a:r>
-            <a:r>
-              <a:rPr lang="es-AR" b="1" dirty="0" smtClean="0">
-                <a:solidFill>
-                  <a:schemeClr val="accent4">
-                    <a:lumMod val="50000"/>
-                  </a:schemeClr>
-                </a:solidFill>
-              </a:rPr>
-              <a:t>(</a:t>
-            </a:r>
-            <a:r>
-              <a:rPr lang="es-AR" b="1" dirty="0" err="1" smtClean="0">
-                <a:solidFill>
-                  <a:schemeClr val="accent4">
-                    <a:lumMod val="50000"/>
-                  </a:schemeClr>
-                </a:solidFill>
-              </a:rPr>
-              <a:t>mapping</a:t>
-            </a:r>
-            <a:r>
-              <a:rPr lang="es-AR" b="1" dirty="0" smtClean="0">
-                <a:solidFill>
-                  <a:schemeClr val="accent4">
-                    <a:lumMod val="50000"/>
-                  </a:schemeClr>
-                </a:solidFill>
-              </a:rPr>
-              <a:t> </a:t>
-            </a:r>
-            <a:r>
-              <a:rPr lang="es-AR" b="1" dirty="0">
-                <a:solidFill>
-                  <a:schemeClr val="accent4">
-                    <a:lumMod val="50000"/>
-                  </a:schemeClr>
-                </a:solidFill>
-              </a:rPr>
-              <a:t>= </a:t>
-            </a:r>
-            <a:r>
-              <a:rPr lang="es-AR" b="1" dirty="0" err="1">
-                <a:solidFill>
-                  <a:schemeClr val="accent4">
-                    <a:lumMod val="50000"/>
-                  </a:schemeClr>
-                </a:solidFill>
-              </a:rPr>
-              <a:t>aes_string</a:t>
-            </a:r>
-            <a:r>
-              <a:rPr lang="es-AR" b="1" dirty="0">
-                <a:solidFill>
-                  <a:schemeClr val="accent4">
-                    <a:lumMod val="50000"/>
-                  </a:schemeClr>
-                </a:solidFill>
-              </a:rPr>
-              <a:t>(x = </a:t>
-            </a:r>
-            <a:r>
-              <a:rPr lang="es-AR" b="1" dirty="0" err="1" smtClean="0">
-                <a:solidFill>
-                  <a:srgbClr val="FF5050"/>
-                </a:solidFill>
-              </a:rPr>
-              <a:t>input$buttons</a:t>
-            </a:r>
-            <a:r>
-              <a:rPr lang="es-AR" b="1" dirty="0" smtClean="0">
-                <a:solidFill>
-                  <a:schemeClr val="accent4">
-                    <a:lumMod val="50000"/>
-                  </a:schemeClr>
-                </a:solidFill>
-              </a:rPr>
-              <a:t>,</a:t>
-            </a:r>
-            <a:endParaRPr lang="es-AR" b="1" dirty="0">
-              <a:solidFill>
-                <a:schemeClr val="accent4">
-                  <a:lumMod val="50000"/>
-                </a:schemeClr>
-              </a:solidFill>
-            </a:endParaRPr>
-          </a:p>
-          <a:p>
-            <a:pPr algn="l"/>
-            <a:r>
-              <a:rPr lang="es-AR" b="1" dirty="0">
-                <a:solidFill>
-                  <a:schemeClr val="accent4">
-                    <a:lumMod val="50000"/>
-                  </a:schemeClr>
-                </a:solidFill>
-              </a:rPr>
-              <a:t>                                 </a:t>
-            </a:r>
-            <a:r>
-              <a:rPr lang="es-AR" b="1" dirty="0" smtClean="0">
-                <a:solidFill>
-                  <a:schemeClr val="accent4">
-                    <a:lumMod val="50000"/>
-                  </a:schemeClr>
-                </a:solidFill>
-              </a:rPr>
-              <a:t>                              y </a:t>
-            </a:r>
-            <a:r>
-              <a:rPr lang="es-AR" b="1" dirty="0">
-                <a:solidFill>
-                  <a:schemeClr val="accent4">
-                    <a:lumMod val="50000"/>
-                  </a:schemeClr>
-                </a:solidFill>
-              </a:rPr>
-              <a:t>= </a:t>
-            </a:r>
-            <a:r>
-              <a:rPr lang="es-AR" b="1" dirty="0" err="1">
-                <a:solidFill>
-                  <a:schemeClr val="accent4">
-                    <a:lumMod val="50000"/>
-                  </a:schemeClr>
-                </a:solidFill>
-              </a:rPr>
-              <a:t>hwy</a:t>
-            </a:r>
-            <a:r>
-              <a:rPr lang="es-AR" b="1" dirty="0">
-                <a:solidFill>
-                  <a:schemeClr val="accent4">
-                    <a:lumMod val="50000"/>
-                  </a:schemeClr>
-                </a:solidFill>
-              </a:rPr>
-              <a:t>,</a:t>
-            </a:r>
-          </a:p>
-          <a:p>
-            <a:pPr algn="l"/>
-            <a:r>
-              <a:rPr lang="es-AR" b="1" dirty="0">
-                <a:solidFill>
-                  <a:schemeClr val="accent4">
-                    <a:lumMod val="50000"/>
-                  </a:schemeClr>
-                </a:solidFill>
-              </a:rPr>
-              <a:t>                                 </a:t>
-            </a:r>
-            <a:r>
-              <a:rPr lang="es-AR" b="1" dirty="0" smtClean="0">
-                <a:solidFill>
-                  <a:schemeClr val="accent4">
-                    <a:lumMod val="50000"/>
-                  </a:schemeClr>
-                </a:solidFill>
-              </a:rPr>
-              <a:t>                              color = </a:t>
-            </a:r>
-            <a:r>
-              <a:rPr lang="es-AR" b="1" dirty="0" err="1">
-                <a:solidFill>
-                  <a:schemeClr val="accent4">
-                    <a:lumMod val="50000"/>
-                  </a:schemeClr>
-                </a:solidFill>
-              </a:rPr>
-              <a:t>cty</a:t>
-            </a:r>
-            <a:r>
-              <a:rPr lang="es-AR" b="1" dirty="0">
-                <a:solidFill>
-                  <a:schemeClr val="accent4">
-                    <a:lumMod val="50000"/>
-                  </a:schemeClr>
-                </a:solidFill>
-              </a:rPr>
-              <a:t>)))</a:t>
-            </a:r>
-            <a:endParaRPr b="1" dirty="0">
-              <a:solidFill>
-                <a:schemeClr val="accent4">
-                  <a:lumMod val="50000"/>
-                </a:schemeClr>
-              </a:solidFill>
-            </a:endParaRPr>
-          </a:p>
-        </p:txBody>
-      </p:sp>
-      <p:cxnSp>
-        <p:nvCxnSpPr>
-          <p:cNvPr id="27" name="Straight Arrow Connector 26"/>
-          <p:cNvCxnSpPr/>
-          <p:nvPr/>
-        </p:nvCxnSpPr>
-        <p:spPr>
-          <a:xfrm flipV="1">
-            <a:off x="4744704" y="2642127"/>
-            <a:ext cx="0" cy="1218921"/>
-          </a:xfrm>
-          <a:prstGeom prst="straightConnector1">
-            <a:avLst/>
-          </a:prstGeom>
-          <a:ln w="38100">
-            <a:headEnd type="triangle" w="med" len="med"/>
-            <a:tailEnd type="none" w="med" len="med"/>
-          </a:ln>
-        </p:spPr>
-        <p:style>
-          <a:lnRef idx="2">
-            <a:schemeClr val="accent4"/>
-          </a:lnRef>
-          <a:fillRef idx="0">
-            <a:schemeClr val="accent4"/>
-          </a:fillRef>
-          <a:effectRef idx="1">
-            <a:schemeClr val="accent4"/>
-          </a:effectRef>
-          <a:fontRef idx="minor">
-            <a:schemeClr val="tx1"/>
-          </a:fontRef>
-        </p:style>
-      </p:cxnSp>
-      <p:sp>
-        <p:nvSpPr>
-          <p:cNvPr id="2" name="Rectangle 1"/>
-          <p:cNvSpPr/>
-          <p:nvPr/>
-        </p:nvSpPr>
-        <p:spPr>
-          <a:xfrm>
-            <a:off x="1383292" y="1318687"/>
-            <a:ext cx="4655415" cy="1323439"/>
-          </a:xfrm>
-          <a:prstGeom prst="rect">
-            <a:avLst/>
-          </a:prstGeom>
-        </p:spPr>
-        <p:txBody>
-          <a:bodyPr wrap="square">
-            <a:spAutoFit/>
-          </a:bodyPr>
-          <a:lstStyle/>
-          <a:p>
-            <a:r>
-              <a:rPr lang="es-AR" sz="1600" dirty="0" err="1"/>
-              <a:t>radioButtons</a:t>
-            </a:r>
-            <a:r>
-              <a:rPr lang="es-AR" sz="1600" dirty="0"/>
-              <a:t>(</a:t>
-            </a:r>
-            <a:r>
-              <a:rPr lang="es-AR" sz="1600" dirty="0" err="1"/>
-              <a:t>inputId</a:t>
-            </a:r>
-            <a:r>
-              <a:rPr lang="es-AR" sz="1600" dirty="0"/>
-              <a:t> = </a:t>
-            </a:r>
-            <a:r>
-              <a:rPr lang="es-AR" sz="1600" b="1" dirty="0" smtClean="0">
-                <a:solidFill>
-                  <a:srgbClr val="FF5050"/>
-                </a:solidFill>
-              </a:rPr>
-              <a:t>«</a:t>
-            </a:r>
-            <a:r>
-              <a:rPr lang="es-AR" sz="1600" b="1" dirty="0" err="1" smtClean="0">
-                <a:solidFill>
-                  <a:srgbClr val="FF5050"/>
-                </a:solidFill>
-              </a:rPr>
-              <a:t>buttons</a:t>
-            </a:r>
-            <a:r>
-              <a:rPr lang="es-AR" sz="1600" b="1" dirty="0" smtClean="0">
-                <a:solidFill>
-                  <a:srgbClr val="FF5050"/>
-                </a:solidFill>
-              </a:rPr>
-              <a:t>»,</a:t>
-            </a:r>
-            <a:endParaRPr lang="es-AR" sz="1600" b="1" dirty="0">
-              <a:solidFill>
-                <a:srgbClr val="FF5050"/>
-              </a:solidFill>
-            </a:endParaRPr>
-          </a:p>
-          <a:p>
-            <a:r>
-              <a:rPr lang="es-AR" sz="1600" dirty="0"/>
-              <a:t>                          </a:t>
-            </a:r>
-            <a:r>
-              <a:rPr lang="es-AR" sz="1600" dirty="0" err="1" smtClean="0"/>
-              <a:t>label</a:t>
-            </a:r>
-            <a:r>
-              <a:rPr lang="es-AR" sz="1600" dirty="0" smtClean="0"/>
-              <a:t> </a:t>
-            </a:r>
-            <a:r>
-              <a:rPr lang="es-AR" sz="1600" dirty="0"/>
-              <a:t>= </a:t>
-            </a:r>
-            <a:r>
-              <a:rPr lang="es-AR" sz="1600" dirty="0" smtClean="0"/>
-              <a:t>«</a:t>
-            </a:r>
-            <a:r>
-              <a:rPr lang="es-AR" sz="1600" dirty="0" err="1" smtClean="0"/>
-              <a:t>selection</a:t>
-            </a:r>
-            <a:r>
-              <a:rPr lang="es-AR" sz="1600" dirty="0" smtClean="0"/>
-              <a:t>»,</a:t>
-            </a:r>
-            <a:endParaRPr lang="es-AR" sz="1600" dirty="0"/>
-          </a:p>
-          <a:p>
-            <a:r>
-              <a:rPr lang="es-AR" sz="1600" dirty="0" smtClean="0"/>
-              <a:t>                          </a:t>
-            </a:r>
-            <a:r>
-              <a:rPr lang="es-AR" sz="1600" dirty="0" err="1" smtClean="0"/>
-              <a:t>choices</a:t>
-            </a:r>
-            <a:r>
-              <a:rPr lang="es-AR" sz="1600" dirty="0" smtClean="0"/>
-              <a:t> =   c(«</a:t>
-            </a:r>
-            <a:r>
-              <a:rPr lang="es-AR" sz="1600" dirty="0" err="1" smtClean="0"/>
-              <a:t>choise_a</a:t>
-            </a:r>
-            <a:r>
-              <a:rPr lang="es-AR" sz="1600" dirty="0" smtClean="0"/>
-              <a:t>»  =  «</a:t>
-            </a:r>
-            <a:r>
-              <a:rPr lang="es-AR" sz="1600" dirty="0" err="1" smtClean="0"/>
-              <a:t>hwy</a:t>
-            </a:r>
-            <a:r>
-              <a:rPr lang="es-AR" sz="1600" dirty="0" smtClean="0"/>
-              <a:t>»,</a:t>
-            </a:r>
-          </a:p>
-          <a:p>
-            <a:r>
-              <a:rPr lang="es-AR" sz="1600" dirty="0" smtClean="0"/>
-              <a:t>                                                </a:t>
-            </a:r>
-            <a:r>
-              <a:rPr lang="es-AR" sz="1600" b="1" dirty="0">
-                <a:solidFill>
-                  <a:srgbClr val="00B050"/>
-                </a:solidFill>
-              </a:rPr>
-              <a:t>«</a:t>
-            </a:r>
-            <a:r>
-              <a:rPr lang="es-AR" sz="1600" b="1" dirty="0" err="1">
-                <a:solidFill>
-                  <a:srgbClr val="00B050"/>
-                </a:solidFill>
-              </a:rPr>
-              <a:t>choice_b</a:t>
-            </a:r>
-            <a:r>
-              <a:rPr lang="es-AR" sz="1600" b="1" dirty="0">
-                <a:solidFill>
-                  <a:srgbClr val="00B050"/>
-                </a:solidFill>
-              </a:rPr>
-              <a:t>» =  «</a:t>
-            </a:r>
-            <a:r>
-              <a:rPr lang="es-AR" sz="1600" b="1" dirty="0" err="1">
-                <a:solidFill>
-                  <a:srgbClr val="00B050"/>
-                </a:solidFill>
-              </a:rPr>
-              <a:t>cty</a:t>
-            </a:r>
-            <a:r>
-              <a:rPr lang="es-AR" sz="1600" b="1" dirty="0">
-                <a:solidFill>
-                  <a:srgbClr val="00B050"/>
-                </a:solidFill>
-              </a:rPr>
-              <a:t>»,</a:t>
-            </a:r>
-          </a:p>
-          <a:p>
-            <a:r>
-              <a:rPr lang="es-AR" sz="1600" dirty="0" smtClean="0"/>
-              <a:t>                                                «</a:t>
-            </a:r>
-            <a:r>
-              <a:rPr lang="es-AR" sz="1600" dirty="0" err="1" smtClean="0"/>
-              <a:t>choice_c</a:t>
-            </a:r>
-            <a:r>
-              <a:rPr lang="es-AR" sz="1600" dirty="0" smtClean="0"/>
-              <a:t>» = «</a:t>
-            </a:r>
-            <a:r>
-              <a:rPr lang="es-AR" sz="1600" dirty="0" err="1" smtClean="0"/>
-              <a:t>displ</a:t>
-            </a:r>
-            <a:r>
-              <a:rPr lang="es-AR" sz="1600" dirty="0" smtClean="0"/>
-              <a:t>»))</a:t>
-            </a:r>
-            <a:endParaRPr lang="es-AR" sz="1600" dirty="0"/>
-          </a:p>
-        </p:txBody>
-      </p:sp>
-      <p:cxnSp>
-        <p:nvCxnSpPr>
-          <p:cNvPr id="10" name="Straight Arrow Connector 9"/>
-          <p:cNvCxnSpPr/>
-          <p:nvPr/>
-        </p:nvCxnSpPr>
-        <p:spPr>
-          <a:xfrm flipH="1">
-            <a:off x="6147409" y="2675317"/>
-            <a:ext cx="637970" cy="1199498"/>
-          </a:xfrm>
-          <a:prstGeom prst="straightConnector1">
-            <a:avLst/>
-          </a:prstGeom>
-          <a:ln w="38100">
-            <a:headEnd type="triangle" w="med" len="med"/>
-            <a:tailEnd type="none" w="med" len="med"/>
-          </a:ln>
-        </p:spPr>
-        <p:style>
-          <a:lnRef idx="2">
-            <a:schemeClr val="accent4"/>
-          </a:lnRef>
-          <a:fillRef idx="0">
-            <a:schemeClr val="accent4"/>
-          </a:fillRef>
-          <a:effectRef idx="1">
-            <a:schemeClr val="accent4"/>
-          </a:effectRef>
-          <a:fontRef idx="minor">
-            <a:schemeClr val="tx1"/>
-          </a:fontRef>
-        </p:style>
-      </p:cxnSp>
-    </p:spTree>
-    <p:extLst>
-      <p:ext uri="{BB962C8B-B14F-4D97-AF65-F5344CB8AC3E}">
-        <p14:creationId xmlns:p14="http://schemas.microsoft.com/office/powerpoint/2010/main" val="1032706205"/>
       </p:ext>
     </p:extLst>
   </p:cSld>
@@ -7452,7 +7616,7 @@
       </p:sp>
       <p:pic>
         <p:nvPicPr>
-          <p:cNvPr id="2050" name="Picture 2"/>
+          <p:cNvPr id="18" name="Picture 2"/>
           <p:cNvPicPr>
             <a:picLocks noChangeAspect="1" noChangeArrowheads="1"/>
           </p:cNvPicPr>
@@ -7461,6 +7625,15 @@
         <p:blipFill>
           <a:blip r:embed="rId2">
             <a:extLst>
+              <a:ext uri="{BEBA8EAE-BF5A-486C-A8C5-ECC9F3942E4B}">
+                <a14:imgProps xmlns:a14="http://schemas.microsoft.com/office/drawing/2010/main">
+                  <a14:imgLayer r:embed="rId3">
+                    <a14:imgEffect>
+                      <a14:brightnessContrast contrast="-40000"/>
+                    </a14:imgEffect>
+                  </a14:imgLayer>
+                </a14:imgProps>
+              </a:ext>
               <a:ext uri="{28A0092B-C50C-407E-A947-70E740481C1C}">
                 <a14:useLocalDpi xmlns:a14="http://schemas.microsoft.com/office/drawing/2010/main" val="0"/>
               </a:ext>
@@ -7473,8 +7646,8 @@
         </p:blipFill>
         <p:spPr bwMode="auto">
           <a:xfrm>
-            <a:off x="2223194" y="1535250"/>
-            <a:ext cx="1015147" cy="813630"/>
+            <a:off x="5952759" y="1520817"/>
+            <a:ext cx="1682773" cy="1108651"/>
           </a:xfrm>
           <a:prstGeom prst="rect">
             <a:avLst/>
@@ -7536,7 +7709,7 @@
           <a:effectLst/>
           <a:extLst>
             <a:ext uri="{C572A759-6A51-4108-AA02-DFA0A04FC94B}">
-              <ma14:wrappingTextBoxFlag xmlns:ma14="http://schemas.microsoft.com/office/mac/drawingml/2011/main" xmlns:a14="http://schemas.microsoft.com/office/drawing/2010/main" xmlns:m="http://schemas.openxmlformats.org/officeDocument/2006/math" xmlns="" val="1"/>
+              <ma14:wrappingTextBoxFlag xmlns="" xmlns:m="http://schemas.openxmlformats.org/officeDocument/2006/math" xmlns:a14="http://schemas.microsoft.com/office/drawing/2010/main" xmlns:ma14="http://schemas.microsoft.com/office/mac/drawingml/2011/main" val="1"/>
             </a:ext>
           </a:extLst>
         </p:spPr>
@@ -7599,7 +7772,895 @@
           <a:effectLst/>
           <a:extLst>
             <a:ext uri="{C572A759-6A51-4108-AA02-DFA0A04FC94B}">
-              <ma14:wrappingTextBoxFlag xmlns:ma14="http://schemas.microsoft.com/office/mac/drawingml/2011/main" xmlns:a14="http://schemas.microsoft.com/office/drawing/2010/main" xmlns:m="http://schemas.openxmlformats.org/officeDocument/2006/math" xmlns="" val="1"/>
+              <ma14:wrappingTextBoxFlag xmlns="" xmlns:m="http://schemas.openxmlformats.org/officeDocument/2006/math" xmlns:a14="http://schemas.microsoft.com/office/drawing/2010/main" xmlns:ma14="http://schemas.microsoft.com/office/mac/drawingml/2011/main" val="1"/>
+            </a:ext>
+          </a:extLst>
+        </p:spPr>
+        <p:txBody>
+          <a:bodyPr wrap="none" lIns="54570" tIns="54570" rIns="54570" bIns="54570" numCol="1" anchor="ctr">
+            <a:spAutoFit/>
+          </a:bodyPr>
+          <a:lstStyle>
+            <a:lvl1pPr algn="ctr">
+              <a:spcBef>
+                <a:spcPts val="0"/>
+              </a:spcBef>
+              <a:defRPr>
+                <a:solidFill>
+                  <a:schemeClr val="accent1">
+                    <a:hueOff val="-206347"/>
+                    <a:satOff val="69104"/>
+                    <a:lumOff val="-8949"/>
+                  </a:schemeClr>
+                </a:solidFill>
+              </a:defRPr>
+            </a:lvl1pPr>
+          </a:lstStyle>
+          <a:p>
+            <a:r>
+              <a:rPr lang="es-AR" b="1" dirty="0" smtClean="0">
+                <a:solidFill>
+                  <a:schemeClr val="tx1"/>
+                </a:solidFill>
+              </a:rPr>
+              <a:t>Server</a:t>
+            </a:r>
+            <a:endParaRPr b="1" dirty="0">
+              <a:solidFill>
+                <a:schemeClr val="tx1"/>
+              </a:solidFill>
+            </a:endParaRPr>
+          </a:p>
+        </p:txBody>
+      </p:sp>
+      <p:sp>
+        <p:nvSpPr>
+          <p:cNvPr id="30" name="Rounded Rectangle"/>
+          <p:cNvSpPr/>
+          <p:nvPr/>
+        </p:nvSpPr>
+        <p:spPr>
+          <a:xfrm>
+            <a:off x="1349116" y="3429000"/>
+            <a:ext cx="6679268" cy="1907843"/>
+          </a:xfrm>
+          <a:prstGeom prst="roundRect">
+            <a:avLst>
+              <a:gd name="adj" fmla="val 15000"/>
+            </a:avLst>
+          </a:prstGeom>
+          <a:solidFill>
+            <a:schemeClr val="bg1">
+              <a:lumMod val="95000"/>
+            </a:schemeClr>
+          </a:solidFill>
+          <a:ln w="12700" cap="flat">
+            <a:noFill/>
+            <a:prstDash val="solid"/>
+            <a:miter lim="400000"/>
+          </a:ln>
+          <a:effectLst/>
+        </p:spPr>
+        <p:txBody>
+          <a:bodyPr wrap="square" lIns="54570" tIns="54570" rIns="54570" bIns="54570" numCol="1" anchor="ctr">
+            <a:noAutofit/>
+          </a:bodyPr>
+          <a:lstStyle/>
+          <a:p>
+            <a:pPr>
+              <a:lnSpc>
+                <a:spcPct val="80000"/>
+              </a:lnSpc>
+              <a:spcBef>
+                <a:spcPts val="0"/>
+              </a:spcBef>
+              <a:defRPr b="0">
+                <a:solidFill>
+                  <a:srgbClr val="000000"/>
+                </a:solidFill>
+              </a:defRPr>
+            </a:pPr>
+            <a:endParaRPr dirty="0"/>
+          </a:p>
+        </p:txBody>
+      </p:sp>
+      <p:sp>
+        <p:nvSpPr>
+          <p:cNvPr id="28" name="sidebarLayout()"/>
+          <p:cNvSpPr txBox="1"/>
+          <p:nvPr/>
+        </p:nvSpPr>
+        <p:spPr>
+          <a:xfrm>
+            <a:off x="1554987" y="3994025"/>
+            <a:ext cx="7390546" cy="1218201"/>
+          </a:xfrm>
+          <a:prstGeom prst="rect">
+            <a:avLst/>
+          </a:prstGeom>
+          <a:noFill/>
+          <a:ln w="12700" cap="flat">
+            <a:noFill/>
+            <a:miter lim="400000"/>
+          </a:ln>
+          <a:effectLst/>
+          <a:extLst>
+            <a:ext uri="{C572A759-6A51-4108-AA02-DFA0A04FC94B}">
+              <ma14:wrappingTextBoxFlag xmlns="" xmlns:m="http://schemas.openxmlformats.org/officeDocument/2006/math" xmlns:a14="http://schemas.microsoft.com/office/drawing/2010/main" xmlns:ma14="http://schemas.microsoft.com/office/mac/drawingml/2011/main" val="1"/>
+            </a:ext>
+          </a:extLst>
+        </p:spPr>
+        <p:txBody>
+          <a:bodyPr wrap="square" lIns="54570" tIns="54570" rIns="54570" bIns="54570" numCol="1" anchor="ctr">
+            <a:spAutoFit/>
+          </a:bodyPr>
+          <a:lstStyle>
+            <a:lvl1pPr algn="ctr">
+              <a:spcBef>
+                <a:spcPts val="0"/>
+              </a:spcBef>
+              <a:defRPr>
+                <a:solidFill>
+                  <a:schemeClr val="accent1">
+                    <a:hueOff val="-206347"/>
+                    <a:satOff val="69104"/>
+                    <a:lumOff val="-8949"/>
+                  </a:schemeClr>
+                </a:solidFill>
+              </a:defRPr>
+            </a:lvl1pPr>
+          </a:lstStyle>
+          <a:p>
+            <a:pPr algn="l"/>
+            <a:r>
+              <a:rPr lang="es-AR" b="1" dirty="0" err="1">
+                <a:solidFill>
+                  <a:schemeClr val="accent4">
+                    <a:lumMod val="50000"/>
+                  </a:schemeClr>
+                </a:solidFill>
+              </a:rPr>
+              <a:t>ggplot</a:t>
+            </a:r>
+            <a:r>
+              <a:rPr lang="es-AR" b="1" dirty="0">
+                <a:solidFill>
+                  <a:schemeClr val="accent4">
+                    <a:lumMod val="50000"/>
+                  </a:schemeClr>
+                </a:solidFill>
+              </a:rPr>
+              <a:t>(data = </a:t>
+            </a:r>
+            <a:r>
+              <a:rPr lang="es-AR" b="1" dirty="0" err="1">
+                <a:solidFill>
+                  <a:schemeClr val="accent4">
+                    <a:lumMod val="50000"/>
+                  </a:schemeClr>
+                </a:solidFill>
+              </a:rPr>
+              <a:t>mpg</a:t>
+            </a:r>
+            <a:r>
+              <a:rPr lang="es-AR" b="1" dirty="0">
+                <a:solidFill>
+                  <a:schemeClr val="accent4">
+                    <a:lumMod val="50000"/>
+                  </a:schemeClr>
+                </a:solidFill>
+              </a:rPr>
+              <a:t>) + </a:t>
+            </a:r>
+          </a:p>
+          <a:p>
+            <a:pPr algn="l"/>
+            <a:r>
+              <a:rPr lang="es-AR" b="1" dirty="0" err="1" smtClean="0">
+                <a:solidFill>
+                  <a:schemeClr val="accent4">
+                    <a:lumMod val="50000"/>
+                  </a:schemeClr>
+                </a:solidFill>
+              </a:rPr>
+              <a:t>geom_point</a:t>
+            </a:r>
+            <a:r>
+              <a:rPr lang="es-AR" b="1" dirty="0" smtClean="0">
+                <a:solidFill>
+                  <a:schemeClr val="accent4">
+                    <a:lumMod val="50000"/>
+                  </a:schemeClr>
+                </a:solidFill>
+              </a:rPr>
+              <a:t>(</a:t>
+            </a:r>
+            <a:r>
+              <a:rPr lang="es-AR" b="1" dirty="0" err="1" smtClean="0">
+                <a:solidFill>
+                  <a:schemeClr val="accent4">
+                    <a:lumMod val="50000"/>
+                  </a:schemeClr>
+                </a:solidFill>
+              </a:rPr>
+              <a:t>mapping</a:t>
+            </a:r>
+            <a:r>
+              <a:rPr lang="es-AR" b="1" dirty="0" smtClean="0">
+                <a:solidFill>
+                  <a:schemeClr val="accent4">
+                    <a:lumMod val="50000"/>
+                  </a:schemeClr>
+                </a:solidFill>
+              </a:rPr>
+              <a:t> </a:t>
+            </a:r>
+            <a:r>
+              <a:rPr lang="es-AR" b="1" dirty="0">
+                <a:solidFill>
+                  <a:schemeClr val="accent4">
+                    <a:lumMod val="50000"/>
+                  </a:schemeClr>
+                </a:solidFill>
+              </a:rPr>
+              <a:t>= </a:t>
+            </a:r>
+            <a:r>
+              <a:rPr lang="es-AR" b="1" dirty="0" err="1">
+                <a:solidFill>
+                  <a:schemeClr val="accent4">
+                    <a:lumMod val="50000"/>
+                  </a:schemeClr>
+                </a:solidFill>
+              </a:rPr>
+              <a:t>aes_string</a:t>
+            </a:r>
+            <a:r>
+              <a:rPr lang="es-AR" b="1" dirty="0">
+                <a:solidFill>
+                  <a:schemeClr val="accent4">
+                    <a:lumMod val="50000"/>
+                  </a:schemeClr>
+                </a:solidFill>
+              </a:rPr>
+              <a:t>(x = </a:t>
+            </a:r>
+            <a:r>
+              <a:rPr lang="es-AR" b="1" dirty="0" err="1" smtClean="0">
+                <a:solidFill>
+                  <a:srgbClr val="FF5050"/>
+                </a:solidFill>
+              </a:rPr>
+              <a:t>input$buttons</a:t>
+            </a:r>
+            <a:r>
+              <a:rPr lang="es-AR" b="1" dirty="0" smtClean="0">
+                <a:solidFill>
+                  <a:schemeClr val="accent4">
+                    <a:lumMod val="50000"/>
+                  </a:schemeClr>
+                </a:solidFill>
+              </a:rPr>
+              <a:t>,</a:t>
+            </a:r>
+            <a:endParaRPr lang="es-AR" b="1" dirty="0">
+              <a:solidFill>
+                <a:schemeClr val="accent4">
+                  <a:lumMod val="50000"/>
+                </a:schemeClr>
+              </a:solidFill>
+            </a:endParaRPr>
+          </a:p>
+          <a:p>
+            <a:pPr algn="l"/>
+            <a:r>
+              <a:rPr lang="es-AR" b="1" dirty="0">
+                <a:solidFill>
+                  <a:schemeClr val="accent4">
+                    <a:lumMod val="50000"/>
+                  </a:schemeClr>
+                </a:solidFill>
+              </a:rPr>
+              <a:t>                                 </a:t>
+            </a:r>
+            <a:r>
+              <a:rPr lang="es-AR" b="1" dirty="0" smtClean="0">
+                <a:solidFill>
+                  <a:schemeClr val="accent4">
+                    <a:lumMod val="50000"/>
+                  </a:schemeClr>
+                </a:solidFill>
+              </a:rPr>
+              <a:t>                              y </a:t>
+            </a:r>
+            <a:r>
+              <a:rPr lang="es-AR" b="1" dirty="0">
+                <a:solidFill>
+                  <a:schemeClr val="accent4">
+                    <a:lumMod val="50000"/>
+                  </a:schemeClr>
+                </a:solidFill>
+              </a:rPr>
+              <a:t>= </a:t>
+            </a:r>
+            <a:r>
+              <a:rPr lang="es-AR" b="1" dirty="0" err="1">
+                <a:solidFill>
+                  <a:schemeClr val="accent4">
+                    <a:lumMod val="50000"/>
+                  </a:schemeClr>
+                </a:solidFill>
+              </a:rPr>
+              <a:t>hwy</a:t>
+            </a:r>
+            <a:r>
+              <a:rPr lang="es-AR" b="1" dirty="0">
+                <a:solidFill>
+                  <a:schemeClr val="accent4">
+                    <a:lumMod val="50000"/>
+                  </a:schemeClr>
+                </a:solidFill>
+              </a:rPr>
+              <a:t>,</a:t>
+            </a:r>
+          </a:p>
+          <a:p>
+            <a:pPr algn="l"/>
+            <a:r>
+              <a:rPr lang="es-AR" b="1" dirty="0">
+                <a:solidFill>
+                  <a:schemeClr val="accent4">
+                    <a:lumMod val="50000"/>
+                  </a:schemeClr>
+                </a:solidFill>
+              </a:rPr>
+              <a:t>                                 </a:t>
+            </a:r>
+            <a:r>
+              <a:rPr lang="es-AR" b="1" dirty="0" smtClean="0">
+                <a:solidFill>
+                  <a:schemeClr val="accent4">
+                    <a:lumMod val="50000"/>
+                  </a:schemeClr>
+                </a:solidFill>
+              </a:rPr>
+              <a:t>                              color = </a:t>
+            </a:r>
+            <a:r>
+              <a:rPr lang="es-AR" b="1" dirty="0" err="1">
+                <a:solidFill>
+                  <a:schemeClr val="accent4">
+                    <a:lumMod val="50000"/>
+                  </a:schemeClr>
+                </a:solidFill>
+              </a:rPr>
+              <a:t>cty</a:t>
+            </a:r>
+            <a:r>
+              <a:rPr lang="es-AR" b="1" dirty="0">
+                <a:solidFill>
+                  <a:schemeClr val="accent4">
+                    <a:lumMod val="50000"/>
+                  </a:schemeClr>
+                </a:solidFill>
+              </a:rPr>
+              <a:t>)))</a:t>
+            </a:r>
+            <a:endParaRPr b="1" dirty="0">
+              <a:solidFill>
+                <a:schemeClr val="accent4">
+                  <a:lumMod val="50000"/>
+                </a:schemeClr>
+              </a:solidFill>
+            </a:endParaRPr>
+          </a:p>
+        </p:txBody>
+      </p:sp>
+      <p:cxnSp>
+        <p:nvCxnSpPr>
+          <p:cNvPr id="27" name="Straight Arrow Connector 26"/>
+          <p:cNvCxnSpPr/>
+          <p:nvPr/>
+        </p:nvCxnSpPr>
+        <p:spPr>
+          <a:xfrm flipV="1">
+            <a:off x="4744704" y="2642127"/>
+            <a:ext cx="0" cy="1218921"/>
+          </a:xfrm>
+          <a:prstGeom prst="straightConnector1">
+            <a:avLst/>
+          </a:prstGeom>
+          <a:ln w="38100">
+            <a:headEnd type="triangle" w="med" len="med"/>
+            <a:tailEnd type="none" w="med" len="med"/>
+          </a:ln>
+        </p:spPr>
+        <p:style>
+          <a:lnRef idx="2">
+            <a:schemeClr val="accent4"/>
+          </a:lnRef>
+          <a:fillRef idx="0">
+            <a:schemeClr val="accent4"/>
+          </a:fillRef>
+          <a:effectRef idx="1">
+            <a:schemeClr val="accent4"/>
+          </a:effectRef>
+          <a:fontRef idx="minor">
+            <a:schemeClr val="tx1"/>
+          </a:fontRef>
+        </p:style>
+      </p:cxnSp>
+      <p:sp>
+        <p:nvSpPr>
+          <p:cNvPr id="2" name="Rectangle 1"/>
+          <p:cNvSpPr/>
+          <p:nvPr/>
+        </p:nvSpPr>
+        <p:spPr>
+          <a:xfrm>
+            <a:off x="1383292" y="1318687"/>
+            <a:ext cx="4655415" cy="1323439"/>
+          </a:xfrm>
+          <a:prstGeom prst="rect">
+            <a:avLst/>
+          </a:prstGeom>
+        </p:spPr>
+        <p:txBody>
+          <a:bodyPr wrap="square">
+            <a:spAutoFit/>
+          </a:bodyPr>
+          <a:lstStyle/>
+          <a:p>
+            <a:r>
+              <a:rPr lang="es-AR" sz="1600" dirty="0" err="1"/>
+              <a:t>radioButtons</a:t>
+            </a:r>
+            <a:r>
+              <a:rPr lang="es-AR" sz="1600" dirty="0"/>
+              <a:t>(</a:t>
+            </a:r>
+            <a:r>
+              <a:rPr lang="es-AR" sz="1600" dirty="0" err="1"/>
+              <a:t>inputId</a:t>
+            </a:r>
+            <a:r>
+              <a:rPr lang="es-AR" sz="1600" dirty="0"/>
+              <a:t> = </a:t>
+            </a:r>
+            <a:r>
+              <a:rPr lang="es-AR" sz="1600" b="1" dirty="0" smtClean="0">
+                <a:solidFill>
+                  <a:srgbClr val="FF5050"/>
+                </a:solidFill>
+              </a:rPr>
+              <a:t>«</a:t>
+            </a:r>
+            <a:r>
+              <a:rPr lang="es-AR" sz="1600" b="1" dirty="0" err="1" smtClean="0">
+                <a:solidFill>
+                  <a:srgbClr val="FF5050"/>
+                </a:solidFill>
+              </a:rPr>
+              <a:t>buttons</a:t>
+            </a:r>
+            <a:r>
+              <a:rPr lang="es-AR" sz="1600" b="1" dirty="0" smtClean="0">
+                <a:solidFill>
+                  <a:srgbClr val="FF5050"/>
+                </a:solidFill>
+              </a:rPr>
+              <a:t>»,</a:t>
+            </a:r>
+            <a:endParaRPr lang="es-AR" sz="1600" b="1" dirty="0">
+              <a:solidFill>
+                <a:srgbClr val="FF5050"/>
+              </a:solidFill>
+            </a:endParaRPr>
+          </a:p>
+          <a:p>
+            <a:r>
+              <a:rPr lang="es-AR" sz="1600" dirty="0"/>
+              <a:t>                          </a:t>
+            </a:r>
+            <a:r>
+              <a:rPr lang="es-AR" sz="1600" dirty="0" err="1" smtClean="0"/>
+              <a:t>label</a:t>
+            </a:r>
+            <a:r>
+              <a:rPr lang="es-AR" sz="1600" dirty="0" smtClean="0"/>
+              <a:t> </a:t>
+            </a:r>
+            <a:r>
+              <a:rPr lang="es-AR" sz="1600" dirty="0"/>
+              <a:t>= </a:t>
+            </a:r>
+            <a:r>
+              <a:rPr lang="es-AR" sz="1600" dirty="0" smtClean="0"/>
+              <a:t>«</a:t>
+            </a:r>
+            <a:r>
+              <a:rPr lang="es-AR" sz="1600" dirty="0" err="1" smtClean="0"/>
+              <a:t>selection</a:t>
+            </a:r>
+            <a:r>
+              <a:rPr lang="es-AR" sz="1600" dirty="0" smtClean="0"/>
+              <a:t>»,</a:t>
+            </a:r>
+            <a:endParaRPr lang="es-AR" sz="1600" dirty="0"/>
+          </a:p>
+          <a:p>
+            <a:r>
+              <a:rPr lang="es-AR" sz="1600" dirty="0" smtClean="0"/>
+              <a:t>                          </a:t>
+            </a:r>
+            <a:r>
+              <a:rPr lang="es-AR" sz="1600" dirty="0" err="1" smtClean="0"/>
+              <a:t>choices</a:t>
+            </a:r>
+            <a:r>
+              <a:rPr lang="es-AR" sz="1600" dirty="0" smtClean="0"/>
+              <a:t> =   c(«</a:t>
+            </a:r>
+            <a:r>
+              <a:rPr lang="es-AR" sz="1600" dirty="0" err="1" smtClean="0"/>
+              <a:t>choise_a</a:t>
+            </a:r>
+            <a:r>
+              <a:rPr lang="es-AR" sz="1600" dirty="0" smtClean="0"/>
+              <a:t>»  =  «</a:t>
+            </a:r>
+            <a:r>
+              <a:rPr lang="es-AR" sz="1600" dirty="0" err="1" smtClean="0"/>
+              <a:t>hwy</a:t>
+            </a:r>
+            <a:r>
+              <a:rPr lang="es-AR" sz="1600" dirty="0" smtClean="0"/>
+              <a:t>»,</a:t>
+            </a:r>
+          </a:p>
+          <a:p>
+            <a:r>
+              <a:rPr lang="es-AR" sz="1600" dirty="0" smtClean="0"/>
+              <a:t>                                                </a:t>
+            </a:r>
+            <a:r>
+              <a:rPr lang="es-AR" sz="1600" b="1" dirty="0">
+                <a:solidFill>
+                  <a:srgbClr val="00B050"/>
+                </a:solidFill>
+              </a:rPr>
+              <a:t>«</a:t>
+            </a:r>
+            <a:r>
+              <a:rPr lang="es-AR" sz="1600" b="1" dirty="0" err="1">
+                <a:solidFill>
+                  <a:srgbClr val="00B050"/>
+                </a:solidFill>
+              </a:rPr>
+              <a:t>choice_b</a:t>
+            </a:r>
+            <a:r>
+              <a:rPr lang="es-AR" sz="1600" b="1" dirty="0">
+                <a:solidFill>
+                  <a:srgbClr val="00B050"/>
+                </a:solidFill>
+              </a:rPr>
+              <a:t>» =  «</a:t>
+            </a:r>
+            <a:r>
+              <a:rPr lang="es-AR" sz="1600" b="1" dirty="0" err="1">
+                <a:solidFill>
+                  <a:srgbClr val="00B050"/>
+                </a:solidFill>
+              </a:rPr>
+              <a:t>cty</a:t>
+            </a:r>
+            <a:r>
+              <a:rPr lang="es-AR" sz="1600" b="1" dirty="0">
+                <a:solidFill>
+                  <a:srgbClr val="00B050"/>
+                </a:solidFill>
+              </a:rPr>
+              <a:t>»,</a:t>
+            </a:r>
+          </a:p>
+          <a:p>
+            <a:r>
+              <a:rPr lang="es-AR" sz="1600" dirty="0" smtClean="0"/>
+              <a:t>                                                «</a:t>
+            </a:r>
+            <a:r>
+              <a:rPr lang="es-AR" sz="1600" dirty="0" err="1" smtClean="0"/>
+              <a:t>choice_c</a:t>
+            </a:r>
+            <a:r>
+              <a:rPr lang="es-AR" sz="1600" dirty="0" smtClean="0"/>
+              <a:t>» = «</a:t>
+            </a:r>
+            <a:r>
+              <a:rPr lang="es-AR" sz="1600" dirty="0" err="1" smtClean="0"/>
+              <a:t>displ</a:t>
+            </a:r>
+            <a:r>
+              <a:rPr lang="es-AR" sz="1600" dirty="0" smtClean="0"/>
+              <a:t>»))</a:t>
+            </a:r>
+            <a:endParaRPr lang="es-AR" sz="1600" dirty="0"/>
+          </a:p>
+        </p:txBody>
+      </p:sp>
+      <p:cxnSp>
+        <p:nvCxnSpPr>
+          <p:cNvPr id="10" name="Straight Arrow Connector 9"/>
+          <p:cNvCxnSpPr/>
+          <p:nvPr/>
+        </p:nvCxnSpPr>
+        <p:spPr>
+          <a:xfrm flipH="1">
+            <a:off x="6147409" y="2675317"/>
+            <a:ext cx="637970" cy="1199498"/>
+          </a:xfrm>
+          <a:prstGeom prst="straightConnector1">
+            <a:avLst/>
+          </a:prstGeom>
+          <a:ln w="38100">
+            <a:headEnd type="triangle" w="med" len="med"/>
+            <a:tailEnd type="none" w="med" len="med"/>
+          </a:ln>
+        </p:spPr>
+        <p:style>
+          <a:lnRef idx="2">
+            <a:schemeClr val="accent4"/>
+          </a:lnRef>
+          <a:fillRef idx="0">
+            <a:schemeClr val="accent4"/>
+          </a:fillRef>
+          <a:effectRef idx="1">
+            <a:schemeClr val="accent4"/>
+          </a:effectRef>
+          <a:fontRef idx="minor">
+            <a:schemeClr val="tx1"/>
+          </a:fontRef>
+        </p:style>
+      </p:cxnSp>
+    </p:spTree>
+    <p:extLst>
+      <p:ext uri="{BB962C8B-B14F-4D97-AF65-F5344CB8AC3E}">
+        <p14:creationId xmlns:p14="http://schemas.microsoft.com/office/powerpoint/2010/main" val="1032706205"/>
+      </p:ext>
+    </p:extLst>
+  </p:cSld>
+  <p:clrMapOvr>
+    <a:masterClrMapping/>
+  </p:clrMapOvr>
+  <p:timing>
+    <p:tnLst>
+      <p:par>
+        <p:cTn id="1" dur="indefinite" restart="never" nodeType="tmRoot"/>
+      </p:par>
+    </p:tnLst>
+  </p:timing>
+</p:sld>
+</file>
+
+<file path=ppt/slides/slide8.xml><?xml version="1.0" encoding="utf-8"?>
+<p:sld xmlns:a="http://schemas.openxmlformats.org/drawingml/2006/main" xmlns:r="http://schemas.openxmlformats.org/officeDocument/2006/relationships" xmlns:p="http://schemas.openxmlformats.org/presentationml/2006/main">
+  <p:cSld>
+    <p:spTree>
+      <p:nvGrpSpPr>
+        <p:cNvPr id="1" name=""/>
+        <p:cNvGrpSpPr/>
+        <p:nvPr/>
+      </p:nvGrpSpPr>
+      <p:grpSpPr>
+        <a:xfrm>
+          <a:off x="0" y="0"/>
+          <a:ext cx="0" cy="0"/>
+          <a:chOff x="0" y="0"/>
+          <a:chExt cx="0" cy="0"/>
+        </a:xfrm>
+      </p:grpSpPr>
+      <p:sp>
+        <p:nvSpPr>
+          <p:cNvPr id="7" name="Rounded Rectangle"/>
+          <p:cNvSpPr/>
+          <p:nvPr/>
+        </p:nvSpPr>
+        <p:spPr>
+          <a:xfrm>
+            <a:off x="1289430" y="1052736"/>
+            <a:ext cx="6738954" cy="1980587"/>
+          </a:xfrm>
+          <a:prstGeom prst="roundRect">
+            <a:avLst>
+              <a:gd name="adj" fmla="val 15000"/>
+            </a:avLst>
+          </a:prstGeom>
+          <a:solidFill>
+            <a:schemeClr val="bg1">
+              <a:lumMod val="95000"/>
+            </a:schemeClr>
+          </a:solidFill>
+          <a:ln w="12700" cap="flat">
+            <a:noFill/>
+            <a:prstDash val="solid"/>
+            <a:miter lim="400000"/>
+          </a:ln>
+          <a:effectLst/>
+        </p:spPr>
+        <p:txBody>
+          <a:bodyPr wrap="square" lIns="54570" tIns="54570" rIns="54570" bIns="54570" numCol="1" anchor="ctr">
+            <a:noAutofit/>
+          </a:bodyPr>
+          <a:lstStyle/>
+          <a:p>
+            <a:pPr>
+              <a:lnSpc>
+                <a:spcPct val="80000"/>
+              </a:lnSpc>
+              <a:spcBef>
+                <a:spcPts val="0"/>
+              </a:spcBef>
+              <a:defRPr b="0">
+                <a:solidFill>
+                  <a:srgbClr val="000000"/>
+                </a:solidFill>
+              </a:defRPr>
+            </a:pPr>
+            <a:endParaRPr dirty="0"/>
+          </a:p>
+        </p:txBody>
+      </p:sp>
+      <p:pic>
+        <p:nvPicPr>
+          <p:cNvPr id="2050" name="Picture 2"/>
+          <p:cNvPicPr>
+            <a:picLocks noChangeAspect="1" noChangeArrowheads="1"/>
+          </p:cNvPicPr>
+          <p:nvPr/>
+        </p:nvPicPr>
+        <p:blipFill>
+          <a:blip r:embed="rId2">
+            <a:extLst>
+              <a:ext uri="{28A0092B-C50C-407E-A947-70E740481C1C}">
+                <a14:useLocalDpi xmlns:a14="http://schemas.microsoft.com/office/drawing/2010/main" val="0"/>
+              </a:ext>
+            </a:extLst>
+          </a:blip>
+          <a:srcRect/>
+          <a:stretch>
+            <a:fillRect/>
+          </a:stretch>
+        </p:blipFill>
+        <p:spPr bwMode="auto">
+          <a:xfrm>
+            <a:off x="2223194" y="1535250"/>
+            <a:ext cx="1015147" cy="813630"/>
+          </a:xfrm>
+          <a:prstGeom prst="rect">
+            <a:avLst/>
+          </a:prstGeom>
+          <a:noFill/>
+          <a:ln>
+            <a:noFill/>
+          </a:ln>
+          <a:effectLst/>
+          <a:extLst>
+            <a:ext uri="{909E8E84-426E-40DD-AFC4-6F175D3DCCD1}">
+              <a14:hiddenFill xmlns:a14="http://schemas.microsoft.com/office/drawing/2010/main">
+                <a:solidFill>
+                  <a:schemeClr val="accent1"/>
+                </a:solidFill>
+              </a14:hiddenFill>
+            </a:ext>
+            <a:ext uri="{91240B29-F687-4F45-9708-019B960494DF}">
+              <a14:hiddenLine xmlns:a14="http://schemas.microsoft.com/office/drawing/2010/main" w="9525">
+                <a:solidFill>
+                  <a:schemeClr val="tx1"/>
+                </a:solidFill>
+                <a:miter lim="800000"/>
+                <a:headEnd/>
+                <a:tailEnd/>
+              </a14:hiddenLine>
+            </a:ext>
+            <a:ext uri="{AF507438-7753-43E0-B8FC-AC1667EBCBE1}">
+              <a14:hiddenEffects xmlns:a14="http://schemas.microsoft.com/office/drawing/2010/main">
+                <a:effectLst>
+                  <a:outerShdw dist="35921" dir="2700000" algn="ctr" rotWithShape="0">
+                    <a:schemeClr val="bg2"/>
+                  </a:outerShdw>
+                </a:effectLst>
+              </a14:hiddenEffects>
+            </a:ext>
+          </a:extLst>
+        </p:spPr>
+      </p:pic>
+      <p:sp>
+        <p:nvSpPr>
+          <p:cNvPr id="21" name="sidebarLayout()"/>
+          <p:cNvSpPr txBox="1"/>
+          <p:nvPr/>
+        </p:nvSpPr>
+        <p:spPr>
+          <a:xfrm>
+            <a:off x="1500761" y="665531"/>
+            <a:ext cx="1444867" cy="387205"/>
+          </a:xfrm>
+          <a:prstGeom prst="rect">
+            <a:avLst/>
+          </a:prstGeom>
+          <a:noFill/>
+          <a:ln w="12700" cap="flat">
+            <a:noFill/>
+            <a:miter lim="400000"/>
+          </a:ln>
+          <a:effectLst/>
+          <a:extLst>
+            <a:ext uri="{C572A759-6A51-4108-AA02-DFA0A04FC94B}">
+              <ma14:wrappingTextBoxFlag xmlns="" xmlns:m="http://schemas.openxmlformats.org/officeDocument/2006/math" xmlns:a14="http://schemas.microsoft.com/office/drawing/2010/main" xmlns:ma14="http://schemas.microsoft.com/office/mac/drawingml/2011/main" val="1"/>
+            </a:ext>
+          </a:extLst>
+        </p:spPr>
+        <p:txBody>
+          <a:bodyPr wrap="none" lIns="54570" tIns="54570" rIns="54570" bIns="54570" numCol="1" anchor="ctr">
+            <a:spAutoFit/>
+          </a:bodyPr>
+          <a:lstStyle>
+            <a:lvl1pPr algn="ctr">
+              <a:spcBef>
+                <a:spcPts val="0"/>
+              </a:spcBef>
+              <a:defRPr>
+                <a:solidFill>
+                  <a:schemeClr val="accent1">
+                    <a:hueOff val="-206347"/>
+                    <a:satOff val="69104"/>
+                    <a:lumOff val="-8949"/>
+                  </a:schemeClr>
+                </a:solidFill>
+              </a:defRPr>
+            </a:lvl1pPr>
+          </a:lstStyle>
+          <a:p>
+            <a:r>
+              <a:rPr lang="es-AR" b="1" dirty="0" smtClean="0">
+                <a:solidFill>
+                  <a:schemeClr val="tx1"/>
+                </a:solidFill>
+              </a:rPr>
+              <a:t>User interfase</a:t>
+            </a:r>
+            <a:endParaRPr b="1" dirty="0">
+              <a:solidFill>
+                <a:schemeClr val="tx1"/>
+              </a:solidFill>
+            </a:endParaRPr>
+          </a:p>
+        </p:txBody>
+      </p:sp>
+      <p:sp>
+        <p:nvSpPr>
+          <p:cNvPr id="22" name="sidebarLayout()"/>
+          <p:cNvSpPr txBox="1"/>
+          <p:nvPr/>
+        </p:nvSpPr>
+        <p:spPr>
+          <a:xfrm>
+            <a:off x="1554987" y="3048607"/>
+            <a:ext cx="722489" cy="387205"/>
+          </a:xfrm>
+          <a:prstGeom prst="rect">
+            <a:avLst/>
+          </a:prstGeom>
+          <a:noFill/>
+          <a:ln w="12700" cap="flat">
+            <a:noFill/>
+            <a:miter lim="400000"/>
+          </a:ln>
+          <a:effectLst/>
+          <a:extLst>
+            <a:ext uri="{C572A759-6A51-4108-AA02-DFA0A04FC94B}">
+              <ma14:wrappingTextBoxFlag xmlns="" xmlns:m="http://schemas.openxmlformats.org/officeDocument/2006/math" xmlns:a14="http://schemas.microsoft.com/office/drawing/2010/main" xmlns:ma14="http://schemas.microsoft.com/office/mac/drawingml/2011/main" val="1"/>
             </a:ext>
           </a:extLst>
         </p:spPr>
@@ -7747,7 +8808,7 @@
           <a:effectLst/>
           <a:extLst>
             <a:ext uri="{C572A759-6A51-4108-AA02-DFA0A04FC94B}">
-              <ma14:wrappingTextBoxFlag xmlns:ma14="http://schemas.microsoft.com/office/mac/drawingml/2011/main" xmlns:a14="http://schemas.microsoft.com/office/drawing/2010/main" xmlns:m="http://schemas.openxmlformats.org/officeDocument/2006/math" xmlns="" val="1"/>
+              <ma14:wrappingTextBoxFlag xmlns="" xmlns:m="http://schemas.openxmlformats.org/officeDocument/2006/math" xmlns:a14="http://schemas.microsoft.com/office/drawing/2010/main" xmlns:ma14="http://schemas.microsoft.com/office/mac/drawingml/2011/main" val="1"/>
             </a:ext>
           </a:extLst>
         </p:spPr>
@@ -8032,7 +9093,7 @@
 </p:sld>
 </file>
 
-<file path=ppt/slides/slide8.xml><?xml version="1.0" encoding="utf-8"?>
+<file path=ppt/slides/slide9.xml><?xml version="1.0" encoding="utf-8"?>
 <p:sld xmlns:a="http://schemas.openxmlformats.org/drawingml/2006/main" xmlns:r="http://schemas.openxmlformats.org/officeDocument/2006/relationships" xmlns:p="http://schemas.openxmlformats.org/presentationml/2006/main">
   <p:cSld>
     <p:spTree>
